--- a/Java e Programação Orientada a Objetos.pptx
+++ b/Java e Programação Orientada a Objetos.pptx
@@ -107,23 +107,24 @@
     <p:sldId id="350" r:id="rId102"/>
     <p:sldId id="351" r:id="rId103"/>
     <p:sldId id="352" r:id="rId104"/>
+    <p:sldId id="353" r:id="rId105"/>
   </p:sldIdLst>
   <p:sldSz cy="5143500" cx="9144000"/>
   <p:notesSz cx="6858000" cy="9144000"/>
   <p:embeddedFontLst>
     <p:embeddedFont>
       <p:font typeface="Proxima Nova"/>
-      <p:regular r:id="rId105"/>
-      <p:bold r:id="rId106"/>
-      <p:italic r:id="rId107"/>
-      <p:boldItalic r:id="rId108"/>
+      <p:regular r:id="rId106"/>
+      <p:bold r:id="rId107"/>
+      <p:italic r:id="rId108"/>
+      <p:boldItalic r:id="rId109"/>
     </p:embeddedFont>
     <p:embeddedFont>
       <p:font typeface="Roboto"/>
-      <p:regular r:id="rId109"/>
-      <p:bold r:id="rId110"/>
-      <p:italic r:id="rId111"/>
-      <p:boldItalic r:id="rId112"/>
+      <p:regular r:id="rId110"/>
+      <p:bold r:id="rId111"/>
+      <p:italic r:id="rId112"/>
+      <p:boldItalic r:id="rId113"/>
     </p:embeddedFont>
   </p:embeddedFontLst>
   <p:defaultTextStyle>
@@ -9927,7 +9928,7 @@
       </p:grpSpPr>
       <p:sp>
         <p:nvSpPr>
-          <p:cNvPr id="737" name="Google Shape;737;g6417fa8bff_0_82:notes"/>
+          <p:cNvPr id="737" name="Google Shape;737;gb9ea0a29e4_1_122:notes"/>
           <p:cNvSpPr/>
           <p:nvPr>
             <p:ph idx="2" type="sldImg"/>
@@ -9962,7 +9963,7 @@
       </p:sp>
       <p:sp>
         <p:nvSpPr>
-          <p:cNvPr id="738" name="Google Shape;738;g6417fa8bff_0_82:notes"/>
+          <p:cNvPr id="738" name="Google Shape;738;gb9ea0a29e4_1_122:notes"/>
           <p:cNvSpPr txBox="1"/>
           <p:nvPr>
             <p:ph idx="1" type="body"/>
@@ -10026,7 +10027,7 @@
       </p:grpSpPr>
       <p:sp>
         <p:nvSpPr>
-          <p:cNvPr id="743" name="Google Shape;743;g6417fa8bff_1_44:notes"/>
+          <p:cNvPr id="743" name="Google Shape;743;g6417fa8bff_0_82:notes"/>
           <p:cNvSpPr/>
           <p:nvPr>
             <p:ph idx="2" type="sldImg"/>
@@ -10061,7 +10062,7 @@
       </p:sp>
       <p:sp>
         <p:nvSpPr>
-          <p:cNvPr id="744" name="Google Shape;744;g6417fa8bff_1_44:notes"/>
+          <p:cNvPr id="744" name="Google Shape;744;g6417fa8bff_0_82:notes"/>
           <p:cNvSpPr txBox="1"/>
           <p:nvPr>
             <p:ph idx="1" type="body"/>
@@ -10125,7 +10126,7 @@
       </p:grpSpPr>
       <p:sp>
         <p:nvSpPr>
-          <p:cNvPr id="749" name="Google Shape;749;g6417fa8bff_1_62:notes"/>
+          <p:cNvPr id="749" name="Google Shape;749;g6417fa8bff_1_44:notes"/>
           <p:cNvSpPr/>
           <p:nvPr>
             <p:ph idx="2" type="sldImg"/>
@@ -10160,7 +10161,7 @@
       </p:sp>
       <p:sp>
         <p:nvSpPr>
-          <p:cNvPr id="750" name="Google Shape;750;g6417fa8bff_1_62:notes"/>
+          <p:cNvPr id="750" name="Google Shape;750;g6417fa8bff_1_44:notes"/>
           <p:cNvSpPr txBox="1"/>
           <p:nvPr>
             <p:ph idx="1" type="body"/>
@@ -10224,7 +10225,7 @@
       </p:grpSpPr>
       <p:sp>
         <p:nvSpPr>
-          <p:cNvPr id="755" name="Google Shape;755;g6417fa8bff_1_51:notes"/>
+          <p:cNvPr id="755" name="Google Shape;755;g6417fa8bff_1_62:notes"/>
           <p:cNvSpPr/>
           <p:nvPr>
             <p:ph idx="2" type="sldImg"/>
@@ -10259,7 +10260,7 @@
       </p:sp>
       <p:sp>
         <p:nvSpPr>
-          <p:cNvPr id="756" name="Google Shape;756;g6417fa8bff_1_51:notes"/>
+          <p:cNvPr id="756" name="Google Shape;756;g6417fa8bff_1_62:notes"/>
           <p:cNvSpPr txBox="1"/>
           <p:nvPr>
             <p:ph idx="1" type="body"/>
@@ -10323,7 +10324,106 @@
       </p:grpSpPr>
       <p:sp>
         <p:nvSpPr>
-          <p:cNvPr id="761" name="Google Shape;761;gcb9a3abeb_0_37:notes"/>
+          <p:cNvPr id="761" name="Google Shape;761;g6417fa8bff_1_51:notes"/>
+          <p:cNvSpPr/>
+          <p:nvPr>
+            <p:ph idx="2" type="sldImg"/>
+          </p:nvPr>
+        </p:nvSpPr>
+        <p:spPr>
+          <a:xfrm>
+            <a:off x="381300" y="685800"/>
+            <a:ext cx="6096000" cy="3429000"/>
+          </a:xfrm>
+          <a:custGeom>
+            <a:rect b="b" l="l" r="r" t="t"/>
+            <a:pathLst>
+              <a:path extrusionOk="0" h="120000" w="120000">
+                <a:moveTo>
+                  <a:pt x="0" y="0"/>
+                </a:moveTo>
+                <a:lnTo>
+                  <a:pt x="120000" y="0"/>
+                </a:lnTo>
+                <a:lnTo>
+                  <a:pt x="120000" y="120000"/>
+                </a:lnTo>
+                <a:lnTo>
+                  <a:pt x="0" y="120000"/>
+                </a:lnTo>
+                <a:close/>
+              </a:path>
+            </a:pathLst>
+          </a:custGeom>
+        </p:spPr>
+      </p:sp>
+      <p:sp>
+        <p:nvSpPr>
+          <p:cNvPr id="762" name="Google Shape;762;g6417fa8bff_1_51:notes"/>
+          <p:cNvSpPr txBox="1"/>
+          <p:nvPr>
+            <p:ph idx="1" type="body"/>
+          </p:nvPr>
+        </p:nvSpPr>
+        <p:spPr>
+          <a:xfrm>
+            <a:off x="685800" y="4343400"/>
+            <a:ext cx="5486400" cy="4114800"/>
+          </a:xfrm>
+          <a:prstGeom prst="rect">
+            <a:avLst/>
+          </a:prstGeom>
+        </p:spPr>
+        <p:txBody>
+          <a:bodyPr anchorCtr="0" anchor="t" bIns="91425" lIns="91425" spcFirstLastPara="1" rIns="91425" wrap="square" tIns="91425">
+            <a:noAutofit/>
+          </a:bodyPr>
+          <a:lstStyle/>
+          <a:p>
+            <a:pPr indent="0" lvl="0" marL="0" rtl="0" algn="l">
+              <a:spcBef>
+                <a:spcPts val="0"/>
+              </a:spcBef>
+              <a:spcAft>
+                <a:spcPts val="0"/>
+              </a:spcAft>
+              <a:buNone/>
+            </a:pPr>
+            <a:r>
+              <a:t/>
+            </a:r>
+            <a:endParaRPr/>
+          </a:p>
+        </p:txBody>
+      </p:sp>
+    </p:spTree>
+  </p:cSld>
+  <p:clrMapOvr>
+    <a:masterClrMapping/>
+  </p:clrMapOvr>
+</p:notes>
+</file>
+
+<file path=ppt/notesSlides/notesSlide98.xml><?xml version="1.0" encoding="utf-8"?>
+<p:notes xmlns:a="http://schemas.openxmlformats.org/drawingml/2006/main" xmlns:r="http://schemas.openxmlformats.org/officeDocument/2006/relationships" xmlns:mc="http://schemas.openxmlformats.org/markup-compatibility/2006" xmlns:mv="urn:schemas-microsoft-com:mac:vml" xmlns:p="http://schemas.openxmlformats.org/presentationml/2006/main" xmlns:c="http://schemas.openxmlformats.org/drawingml/2006/chart" xmlns:dgm="http://schemas.openxmlformats.org/drawingml/2006/diagram" xmlns:o="urn:schemas-microsoft-com:office:office" xmlns:v="urn:schemas-microsoft-com:vml" xmlns:pvml="urn:schemas-microsoft-com:office:powerpoint" xmlns:com="http://schemas.openxmlformats.org/drawingml/2006/compatibility" xmlns:p14="http://schemas.microsoft.com/office/powerpoint/2010/main" xmlns:p15="http://schemas.microsoft.com/office/powerpoint/2012/main" xmlns:ahyp="http://schemas.microsoft.com/office/drawing/2018/hyperlinkcolor" showMasterPhAnim="0" showMasterSp="0">
+  <p:cSld>
+    <p:spTree>
+      <p:nvGrpSpPr>
+        <p:cNvPr id="766" name="Shape 766"/>
+        <p:cNvGrpSpPr/>
+        <p:nvPr/>
+      </p:nvGrpSpPr>
+      <p:grpSpPr>
+        <a:xfrm>
+          <a:off x="0" y="0"/>
+          <a:ext cx="0" cy="0"/>
+          <a:chOff x="0" y="0"/>
+          <a:chExt cx="0" cy="0"/>
+        </a:xfrm>
+      </p:grpSpPr>
+      <p:sp>
+        <p:nvSpPr>
+          <p:cNvPr id="767" name="Google Shape;767;gcb9a3abeb_0_37:notes"/>
           <p:cNvSpPr/>
           <p:nvPr>
             <p:ph idx="2" type="sldImg"/>
@@ -10358,7 +10458,7 @@
       </p:sp>
       <p:sp>
         <p:nvSpPr>
-          <p:cNvPr id="762" name="Google Shape;762;gcb9a3abeb_0_37:notes"/>
+          <p:cNvPr id="768" name="Google Shape;768;gcb9a3abeb_0_37:notes"/>
           <p:cNvSpPr txBox="1"/>
           <p:nvPr>
             <p:ph idx="1" type="body"/>
@@ -51131,7 +51231,22 @@
                 <a:cs typeface="Courier New"/>
                 <a:sym typeface="Courier New"/>
               </a:rPr>
-              <a:t>();</a:t>
+              <a:t>()</a:t>
+            </a:r>
+            <a:r>
+              <a:rPr lang="en" sz="1100">
+                <a:solidFill>
+                  <a:srgbClr val="080808"/>
+                </a:solidFill>
+                <a:highlight>
+                  <a:srgbClr val="FFFFFF"/>
+                </a:highlight>
+                <a:latin typeface="Courier New"/>
+                <a:ea typeface="Courier New"/>
+                <a:cs typeface="Courier New"/>
+                <a:sym typeface="Courier New"/>
+              </a:rPr>
+              <a:t>;</a:t>
             </a:r>
             <a:endParaRPr sz="1100">
               <a:solidFill>
@@ -54084,7 +54199,7 @@
             </a:pPr>
             <a:r>
               <a:rPr lang="en" sz="3600"/>
-              <a:t>Interface</a:t>
+              <a:t>Exercício</a:t>
             </a:r>
             <a:endParaRPr sz="3600"/>
           </a:p>
@@ -54131,7 +54246,7 @@
                   <a:srgbClr val="FFFFFF"/>
                 </a:highlight>
               </a:rPr>
-              <a:t>As interfaces são padrões definidos através de contratos ou especificações. Um contrato define um determinado conjunto de métodos que serão implementados nas classes que assinarem esse contrato.</a:t>
+              <a:t>Crie uma nova classe chamada Pessoa, adicione os atributos nome e cpf, </a:t>
             </a:r>
             <a:endParaRPr>
               <a:solidFill>
@@ -54153,7 +54268,15 @@
               <a:buNone/>
             </a:pPr>
             <a:r>
-              <a:t/>
+              <a:rPr lang="en">
+                <a:solidFill>
+                  <a:srgbClr val="666666"/>
+                </a:solidFill>
+                <a:highlight>
+                  <a:srgbClr val="FFFFFF"/>
+                </a:highlight>
+              </a:rPr>
+              <a:t>que devem ser obrigatórios, considere como subclasse da classe Pessoa a classe Empregado. </a:t>
             </a:r>
             <a:endParaRPr>
               <a:solidFill>
@@ -54183,7 +54306,97 @@
                   <a:srgbClr val="FFFFFF"/>
                 </a:highlight>
               </a:rPr>
-              <a:t>Dentro das interfaces existem somente assinaturas de métodos e propriedades, cabendo à classe que a utilizará realizar a implementação das assinaturas, dando comportamentos práticos aos métodos.</a:t>
+              <a:t>Cada instância da classe Empregado tem os seguintes atributos obrigatórios, </a:t>
+            </a:r>
+            <a:endParaRPr>
+              <a:solidFill>
+                <a:srgbClr val="666666"/>
+              </a:solidFill>
+              <a:highlight>
+                <a:srgbClr val="FFFFFF"/>
+              </a:highlight>
+            </a:endParaRPr>
+          </a:p>
+          <a:p>
+            <a:pPr indent="0" lvl="0" marL="0" rtl="0" algn="l">
+              <a:spcBef>
+                <a:spcPts val="0"/>
+              </a:spcBef>
+              <a:spcAft>
+                <a:spcPts val="0"/>
+              </a:spcAft>
+              <a:buNone/>
+            </a:pPr>
+            <a:r>
+              <a:rPr lang="en">
+                <a:solidFill>
+                  <a:srgbClr val="666666"/>
+                </a:solidFill>
+                <a:highlight>
+                  <a:srgbClr val="FFFFFF"/>
+                </a:highlight>
+              </a:rPr>
+              <a:t>salário base e impostos, além dos atributos que caracterizam a classe Pessoa. </a:t>
+            </a:r>
+            <a:endParaRPr>
+              <a:solidFill>
+                <a:srgbClr val="666666"/>
+              </a:solidFill>
+              <a:highlight>
+                <a:srgbClr val="FFFFFF"/>
+              </a:highlight>
+            </a:endParaRPr>
+          </a:p>
+          <a:p>
+            <a:pPr indent="0" lvl="0" marL="0" rtl="0" algn="l">
+              <a:spcBef>
+                <a:spcPts val="0"/>
+              </a:spcBef>
+              <a:spcAft>
+                <a:spcPts val="0"/>
+              </a:spcAft>
+              <a:buNone/>
+            </a:pPr>
+            <a:r>
+              <a:rPr lang="en">
+                <a:solidFill>
+                  <a:srgbClr val="666666"/>
+                </a:solidFill>
+                <a:highlight>
+                  <a:srgbClr val="FFFFFF"/>
+                </a:highlight>
+              </a:rPr>
+              <a:t>Implemente um método para calcular o salário do empregado(salário base descontando os impostos). </a:t>
+            </a:r>
+            <a:endParaRPr>
+              <a:solidFill>
+                <a:srgbClr val="666666"/>
+              </a:solidFill>
+              <a:highlight>
+                <a:srgbClr val="FFFFFF"/>
+              </a:highlight>
+            </a:endParaRPr>
+          </a:p>
+          <a:p>
+            <a:pPr indent="0" lvl="0" marL="0" rtl="0" algn="l">
+              <a:spcBef>
+                <a:spcPts val="0"/>
+              </a:spcBef>
+              <a:spcAft>
+                <a:spcPts val="0"/>
+              </a:spcAft>
+              <a:buNone/>
+            </a:pPr>
+            <a:r>
+              <a:rPr lang="en">
+                <a:solidFill>
+                  <a:srgbClr val="666666"/>
+                </a:solidFill>
+                <a:highlight>
+                  <a:srgbClr val="FFFFFF"/>
+                </a:highlight>
+              </a:rPr>
+              <a:t>Escreva um programa de teste adequado para a classe Empregado.</a:t>
             </a:r>
             <a:endParaRPr>
               <a:solidFill>
@@ -54277,7 +54490,7 @@
             </a:pPr>
             <a:r>
               <a:rPr lang="en" sz="3600"/>
-              <a:t>Generics</a:t>
+              <a:t>Interface</a:t>
             </a:r>
             <a:endParaRPr sz="3600"/>
           </a:p>
@@ -54320,13 +54533,19 @@
                 <a:solidFill>
                   <a:srgbClr val="666666"/>
                 </a:solidFill>
-              </a:rPr>
-              <a:t>Generics permitem que tipos (classes e interfaces) sejam parâmetros ao definir classes, interfaces e métodos. Assim como os parâmetros formais mais familiares usados ​​nas declarações de método, os parâmetros de tipo fornecem uma maneira de reutilizar o mesmo código com entradas diferentes. A diferença é que as entradas para parâmetros formais são valores, enquanto as entradas para digitar parâmetros são tipos.</a:t>
+                <a:highlight>
+                  <a:srgbClr val="FFFFFF"/>
+                </a:highlight>
+              </a:rPr>
+              <a:t>As interfaces são padrões definidos através de contratos ou especificações. Um contrato define um determinado conjunto de métodos que serão implementados nas classes que assinarem esse contrato.</a:t>
             </a:r>
             <a:endParaRPr>
               <a:solidFill>
                 <a:srgbClr val="666666"/>
               </a:solidFill>
+              <a:highlight>
+                <a:srgbClr val="FFFFFF"/>
+              </a:highlight>
             </a:endParaRPr>
           </a:p>
           <a:p>
@@ -54346,6 +54565,9 @@
               <a:solidFill>
                 <a:srgbClr val="666666"/>
               </a:solidFill>
+              <a:highlight>
+                <a:srgbClr val="FFFFFF"/>
+              </a:highlight>
             </a:endParaRPr>
           </a:p>
           <a:p>
@@ -54359,152 +54581,45 @@
               <a:buNone/>
             </a:pPr>
             <a:r>
-              <a:rPr lang="en" sz="1200">
-                <a:solidFill>
-                  <a:schemeClr val="lt1"/>
+              <a:rPr lang="en">
+                <a:solidFill>
+                  <a:srgbClr val="666666"/>
                 </a:solidFill>
                 <a:highlight>
-                  <a:srgbClr val="253A44"/>
+                  <a:srgbClr val="FFFFFF"/>
                 </a:highlight>
-                <a:latin typeface="Courier New"/>
-                <a:ea typeface="Courier New"/>
-                <a:cs typeface="Courier New"/>
-                <a:sym typeface="Courier New"/>
-              </a:rPr>
-              <a:t>List&lt;Integer&gt; list = new ArrayList&lt;&gt;();</a:t>
-            </a:r>
-            <a:endParaRPr sz="1200">
-              <a:solidFill>
-                <a:schemeClr val="lt1"/>
-              </a:solidFill>
-              <a:highlight>
-                <a:srgbClr val="253A44"/>
-              </a:highlight>
-              <a:latin typeface="Courier New"/>
-              <a:ea typeface="Courier New"/>
-              <a:cs typeface="Courier New"/>
-              <a:sym typeface="Courier New"/>
-            </a:endParaRPr>
-          </a:p>
-          <a:p>
-            <a:pPr indent="0" lvl="0" marL="0" rtl="0" algn="l">
-              <a:spcBef>
-                <a:spcPts val="0"/>
-              </a:spcBef>
-              <a:spcAft>
-                <a:spcPts val="0"/>
-              </a:spcAft>
-              <a:buNone/>
-            </a:pPr>
-            <a:r>
-              <a:t/>
-            </a:r>
-            <a:endParaRPr sz="1200">
-              <a:solidFill>
-                <a:schemeClr val="lt1"/>
-              </a:solidFill>
-              <a:highlight>
-                <a:srgbClr val="253A44"/>
-              </a:highlight>
-              <a:latin typeface="Courier New"/>
-              <a:ea typeface="Courier New"/>
-              <a:cs typeface="Courier New"/>
-              <a:sym typeface="Courier New"/>
-            </a:endParaRPr>
-          </a:p>
-          <a:p>
-            <a:pPr indent="0" lvl="0" marL="0" rtl="0" algn="l">
-              <a:spcBef>
-                <a:spcPts val="0"/>
-              </a:spcBef>
-              <a:spcAft>
-                <a:spcPts val="0"/>
-              </a:spcAft>
-              <a:buNone/>
-            </a:pPr>
-            <a:r>
-              <a:rPr lang="en" sz="1000">
-                <a:solidFill>
-                  <a:schemeClr val="lt1"/>
-                </a:solidFill>
-                <a:highlight>
-                  <a:srgbClr val="253A44"/>
-                </a:highlight>
-                <a:latin typeface="Courier New"/>
-                <a:ea typeface="Courier New"/>
-                <a:cs typeface="Courier New"/>
-                <a:sym typeface="Courier New"/>
-              </a:rPr>
-              <a:t>public abstract class JpaCrudServiceImpl&lt;T, ID extends Serializable, Y&gt; implements JpaCrudService&lt;T, ID, Y&gt; {}</a:t>
-            </a:r>
-            <a:endParaRPr sz="1000">
-              <a:solidFill>
-                <a:schemeClr val="lt1"/>
-              </a:solidFill>
-              <a:highlight>
-                <a:srgbClr val="253A44"/>
-              </a:highlight>
-              <a:latin typeface="Courier New"/>
-              <a:ea typeface="Courier New"/>
-              <a:cs typeface="Courier New"/>
-              <a:sym typeface="Courier New"/>
-            </a:endParaRPr>
-          </a:p>
-          <a:p>
-            <a:pPr indent="0" lvl="0" marL="0" rtl="0" algn="l">
-              <a:spcBef>
-                <a:spcPts val="0"/>
-              </a:spcBef>
-              <a:spcAft>
-                <a:spcPts val="0"/>
-              </a:spcAft>
-              <a:buNone/>
-            </a:pPr>
-            <a:r>
-              <a:t/>
-            </a:r>
-            <a:endParaRPr sz="1200">
-              <a:solidFill>
-                <a:srgbClr val="666666"/>
-              </a:solidFill>
-            </a:endParaRPr>
-          </a:p>
-          <a:p>
-            <a:pPr indent="0" lvl="0" marL="0" rtl="0" algn="l">
-              <a:spcBef>
-                <a:spcPts val="0"/>
-              </a:spcBef>
-              <a:spcAft>
-                <a:spcPts val="0"/>
-              </a:spcAft>
-              <a:buNone/>
-            </a:pPr>
-            <a:r>
-              <a:t/>
-            </a:r>
-            <a:endParaRPr sz="1200">
-              <a:solidFill>
-                <a:srgbClr val="666666"/>
-              </a:solidFill>
-            </a:endParaRPr>
-          </a:p>
-          <a:p>
-            <a:pPr indent="0" lvl="0" marL="0" rtl="0" algn="l">
-              <a:spcBef>
-                <a:spcPts val="0"/>
-              </a:spcBef>
-              <a:spcAft>
-                <a:spcPts val="0"/>
-              </a:spcAft>
-              <a:buNone/>
-            </a:pPr>
-            <a:r>
-              <a:t/>
+              </a:rPr>
+              <a:t>Dentro das interfaces existem somente assinaturas de métodos e propriedades, cabendo à classe que a utilizará realizar a implementação das assinaturas, dando comportamentos práticos aos métodos.</a:t>
             </a:r>
             <a:endParaRPr>
               <a:solidFill>
                 <a:srgbClr val="666666"/>
               </a:solidFill>
+              <a:highlight>
+                <a:srgbClr val="FFFFFF"/>
+              </a:highlight>
+            </a:endParaRPr>
+          </a:p>
+          <a:p>
+            <a:pPr indent="0" lvl="0" marL="0" rtl="0" algn="l">
+              <a:spcBef>
+                <a:spcPts val="0"/>
+              </a:spcBef>
+              <a:spcAft>
+                <a:spcPts val="0"/>
+              </a:spcAft>
+              <a:buNone/>
+            </a:pPr>
+            <a:r>
+              <a:t/>
+            </a:r>
+            <a:endParaRPr>
+              <a:solidFill>
+                <a:srgbClr val="666666"/>
+              </a:solidFill>
+              <a:highlight>
+                <a:srgbClr val="FFFFFF"/>
+              </a:highlight>
             </a:endParaRPr>
           </a:p>
         </p:txBody>
@@ -54568,7 +54683,7 @@
             </a:pPr>
             <a:r>
               <a:rPr lang="en" sz="3600"/>
-              <a:t>DAO Pattern</a:t>
+              <a:t>Generics</a:t>
             </a:r>
             <a:endParaRPr sz="3600"/>
           </a:p>
@@ -54585,7 +54700,7 @@
         <p:spPr>
           <a:xfrm>
             <a:off x="311700" y="1396375"/>
-            <a:ext cx="8668500" cy="3438000"/>
+            <a:ext cx="8668500" cy="3172500"/>
           </a:xfrm>
           <a:prstGeom prst="rect">
             <a:avLst/>
@@ -54607,14 +54722,14 @@
               <a:buNone/>
             </a:pPr>
             <a:r>
-              <a:rPr lang="en" sz="1700">
+              <a:rPr lang="en">
                 <a:solidFill>
                   <a:srgbClr val="666666"/>
                 </a:solidFill>
               </a:rPr>
-              <a:t>O padrão DAO é definido no livro "Core J2EE Patterns" como: "o padrão utilizado para abstrair e encapsular todos os acessos ao data source. O DAO gerencia a conexão com o data source para obter e armazenar informações."</a:t>
-            </a:r>
-            <a:endParaRPr sz="1700">
+              <a:t>Generics permitem que tipos (classes e interfaces) sejam parâmetros ao definir classes, interfaces e métodos. Assim como os parâmetros formais mais familiares usados ​​nas declarações de método, os parâmetros de tipo fornecem uma maneira de reutilizar o mesmo código com entradas diferentes. A diferença é que as entradas para parâmetros formais são valores, enquanto as entradas para digitar parâmetros são tipos.</a:t>
+            </a:r>
+            <a:endParaRPr>
               <a:solidFill>
                 <a:srgbClr val="666666"/>
               </a:solidFill>
@@ -54633,7 +54748,7 @@
             <a:r>
               <a:t/>
             </a:r>
-            <a:endParaRPr sz="1700">
+            <a:endParaRPr>
               <a:solidFill>
                 <a:srgbClr val="666666"/>
               </a:solidFill>
@@ -54650,14 +54765,111 @@
               <a:buNone/>
             </a:pPr>
             <a:r>
-              <a:rPr lang="en" sz="1700">
-                <a:solidFill>
-                  <a:srgbClr val="666666"/>
-                </a:solidFill>
-              </a:rPr>
-              <a:t>É um padrão estrutural que permite isolar a camada da aplicação/negócios da camada de persistência (geralmente um banco de dados relacional, mas pode ser qualquer outro mecanismo de persistência) usando uma API abstrata.</a:t>
-            </a:r>
-            <a:endParaRPr sz="1700">
+              <a:rPr lang="en" sz="1200">
+                <a:solidFill>
+                  <a:schemeClr val="lt1"/>
+                </a:solidFill>
+                <a:highlight>
+                  <a:srgbClr val="253A44"/>
+                </a:highlight>
+                <a:latin typeface="Courier New"/>
+                <a:ea typeface="Courier New"/>
+                <a:cs typeface="Courier New"/>
+                <a:sym typeface="Courier New"/>
+              </a:rPr>
+              <a:t>List&lt;Integer&gt; list = new ArrayList&lt;&gt;();</a:t>
+            </a:r>
+            <a:endParaRPr sz="1200">
+              <a:solidFill>
+                <a:schemeClr val="lt1"/>
+              </a:solidFill>
+              <a:highlight>
+                <a:srgbClr val="253A44"/>
+              </a:highlight>
+              <a:latin typeface="Courier New"/>
+              <a:ea typeface="Courier New"/>
+              <a:cs typeface="Courier New"/>
+              <a:sym typeface="Courier New"/>
+            </a:endParaRPr>
+          </a:p>
+          <a:p>
+            <a:pPr indent="0" lvl="0" marL="0" rtl="0" algn="l">
+              <a:spcBef>
+                <a:spcPts val="0"/>
+              </a:spcBef>
+              <a:spcAft>
+                <a:spcPts val="0"/>
+              </a:spcAft>
+              <a:buNone/>
+            </a:pPr>
+            <a:r>
+              <a:t/>
+            </a:r>
+            <a:endParaRPr sz="1200">
+              <a:solidFill>
+                <a:schemeClr val="lt1"/>
+              </a:solidFill>
+              <a:highlight>
+                <a:srgbClr val="253A44"/>
+              </a:highlight>
+              <a:latin typeface="Courier New"/>
+              <a:ea typeface="Courier New"/>
+              <a:cs typeface="Courier New"/>
+              <a:sym typeface="Courier New"/>
+            </a:endParaRPr>
+          </a:p>
+          <a:p>
+            <a:pPr indent="0" lvl="0" marL="0" rtl="0" algn="l">
+              <a:spcBef>
+                <a:spcPts val="0"/>
+              </a:spcBef>
+              <a:spcAft>
+                <a:spcPts val="0"/>
+              </a:spcAft>
+              <a:buNone/>
+            </a:pPr>
+            <a:r>
+              <a:rPr lang="en" sz="1000">
+                <a:solidFill>
+                  <a:schemeClr val="lt1"/>
+                </a:solidFill>
+                <a:highlight>
+                  <a:srgbClr val="253A44"/>
+                </a:highlight>
+                <a:latin typeface="Courier New"/>
+                <a:ea typeface="Courier New"/>
+                <a:cs typeface="Courier New"/>
+                <a:sym typeface="Courier New"/>
+              </a:rPr>
+              <a:t>public abstract class JpaCrudServiceImpl&lt;T, ID extends Serializable, Y&gt; implements JpaCrudService&lt;T, ID, Y&gt; {}</a:t>
+            </a:r>
+            <a:endParaRPr sz="1000">
+              <a:solidFill>
+                <a:schemeClr val="lt1"/>
+              </a:solidFill>
+              <a:highlight>
+                <a:srgbClr val="253A44"/>
+              </a:highlight>
+              <a:latin typeface="Courier New"/>
+              <a:ea typeface="Courier New"/>
+              <a:cs typeface="Courier New"/>
+              <a:sym typeface="Courier New"/>
+            </a:endParaRPr>
+          </a:p>
+          <a:p>
+            <a:pPr indent="0" lvl="0" marL="0" rtl="0" algn="l">
+              <a:spcBef>
+                <a:spcPts val="0"/>
+              </a:spcBef>
+              <a:spcAft>
+                <a:spcPts val="0"/>
+              </a:spcAft>
+              <a:buNone/>
+            </a:pPr>
+            <a:r>
+              <a:t/>
+            </a:r>
+            <a:endParaRPr sz="1200">
               <a:solidFill>
                 <a:srgbClr val="666666"/>
               </a:solidFill>
@@ -54676,7 +54888,7 @@
             <a:r>
               <a:t/>
             </a:r>
-            <a:endParaRPr sz="1700">
+            <a:endParaRPr sz="1200">
               <a:solidFill>
                 <a:srgbClr val="666666"/>
               </a:solidFill>
@@ -54693,61 +54905,12 @@
               <a:buNone/>
             </a:pPr>
             <a:r>
-              <a:rPr lang="en" sz="1700">
-                <a:solidFill>
-                  <a:srgbClr val="666666"/>
-                </a:solidFill>
-              </a:rPr>
-              <a:t>A funcionalidade dessa API é ocultar da aplicação todas as complexidades envolvidas na execução de operações CRUD no mecanismo de armazenamento. Isso permite que ambas as camadas evoluam separadamente sem saber nada uma da outra.</a:t>
-            </a:r>
-            <a:endParaRPr sz="1700">
+              <a:t/>
+            </a:r>
+            <a:endParaRPr>
               <a:solidFill>
                 <a:srgbClr val="666666"/>
               </a:solidFill>
-            </a:endParaRPr>
-          </a:p>
-          <a:p>
-            <a:pPr indent="0" lvl="0" marL="0" rtl="0" algn="l">
-              <a:spcBef>
-                <a:spcPts val="0"/>
-              </a:spcBef>
-              <a:spcAft>
-                <a:spcPts val="0"/>
-              </a:spcAft>
-              <a:buNone/>
-            </a:pPr>
-            <a:r>
-              <a:t/>
-            </a:r>
-            <a:endParaRPr sz="1700">
-              <a:solidFill>
-                <a:srgbClr val="666666"/>
-              </a:solidFill>
-              <a:highlight>
-                <a:srgbClr val="FFFFFF"/>
-              </a:highlight>
-            </a:endParaRPr>
-          </a:p>
-          <a:p>
-            <a:pPr indent="0" lvl="0" marL="0" rtl="0" algn="l">
-              <a:spcBef>
-                <a:spcPts val="0"/>
-              </a:spcBef>
-              <a:spcAft>
-                <a:spcPts val="0"/>
-              </a:spcAft>
-              <a:buNone/>
-            </a:pPr>
-            <a:r>
-              <a:t/>
-            </a:r>
-            <a:endParaRPr sz="1700">
-              <a:solidFill>
-                <a:srgbClr val="666666"/>
-              </a:solidFill>
-              <a:highlight>
-                <a:srgbClr val="FFFFFF"/>
-              </a:highlight>
             </a:endParaRPr>
           </a:p>
         </p:txBody>
@@ -54811,7 +54974,7 @@
             </a:pPr>
             <a:r>
               <a:rPr lang="en" sz="3600"/>
-              <a:t>Service Layer</a:t>
+              <a:t>DAO Pattern</a:t>
             </a:r>
             <a:endParaRPr sz="3600"/>
           </a:p>
@@ -54828,7 +54991,7 @@
         <p:spPr>
           <a:xfrm>
             <a:off x="311700" y="1396375"/>
-            <a:ext cx="8668500" cy="3172500"/>
+            <a:ext cx="8668500" cy="3438000"/>
           </a:xfrm>
           <a:prstGeom prst="rect">
             <a:avLst/>
@@ -54850,14 +55013,14 @@
               <a:buNone/>
             </a:pPr>
             <a:r>
-              <a:rPr lang="en">
+              <a:rPr lang="en" sz="1700">
                 <a:solidFill>
                   <a:srgbClr val="666666"/>
                 </a:solidFill>
               </a:rPr>
-              <a:t>A Camada de serviço é um padrão para organizar a lógica de negócios. Está acima da camada do DAO. </a:t>
-            </a:r>
-            <a:endParaRPr>
+              <a:t>O padrão DAO é definido no livro "Core J2EE Patterns" como: "o padrão utilizado para abstrair e encapsular todos os acessos ao data source. O DAO gerencia a conexão com o data source para obter e armazenar informações."</a:t>
+            </a:r>
+            <a:endParaRPr sz="1700">
               <a:solidFill>
                 <a:srgbClr val="666666"/>
               </a:solidFill>
@@ -54876,7 +55039,7 @@
             <a:r>
               <a:t/>
             </a:r>
-            <a:endParaRPr>
+            <a:endParaRPr sz="1700">
               <a:solidFill>
                 <a:srgbClr val="666666"/>
               </a:solidFill>
@@ -54893,14 +55056,14 @@
               <a:buNone/>
             </a:pPr>
             <a:r>
-              <a:rPr lang="en">
+              <a:rPr lang="en" sz="1700">
                 <a:solidFill>
                   <a:srgbClr val="666666"/>
                 </a:solidFill>
               </a:rPr>
-              <a:t>Ela encapsula a lógica de negócios da aplicação, controlando transações e coordenando respostas na implementação de suas operações.</a:t>
-            </a:r>
-            <a:endParaRPr>
+              <a:t>É um padrão estrutural que permite isolar a camada da aplicação/negócios da camada de persistência (geralmente um banco de dados relacional, mas pode ser qualquer outro mecanismo de persistência) usando uma API abstrata.</a:t>
+            </a:r>
+            <a:endParaRPr sz="1700">
               <a:solidFill>
                 <a:srgbClr val="666666"/>
               </a:solidFill>
@@ -54919,7 +55082,72 @@
             <a:r>
               <a:t/>
             </a:r>
-            <a:endParaRPr>
+            <a:endParaRPr sz="1700">
+              <a:solidFill>
+                <a:srgbClr val="666666"/>
+              </a:solidFill>
+            </a:endParaRPr>
+          </a:p>
+          <a:p>
+            <a:pPr indent="0" lvl="0" marL="0" rtl="0" algn="l">
+              <a:spcBef>
+                <a:spcPts val="0"/>
+              </a:spcBef>
+              <a:spcAft>
+                <a:spcPts val="0"/>
+              </a:spcAft>
+              <a:buNone/>
+            </a:pPr>
+            <a:r>
+              <a:rPr lang="en" sz="1700">
+                <a:solidFill>
+                  <a:srgbClr val="666666"/>
+                </a:solidFill>
+              </a:rPr>
+              <a:t>A funcionalidade dessa API é ocultar da aplicação todas as complexidades envolvidas na execução de operações CRUD no mecanismo de armazenamento. Isso permite que ambas as camadas evoluam separadamente sem saber nada uma da outra.</a:t>
+            </a:r>
+            <a:endParaRPr sz="1700">
+              <a:solidFill>
+                <a:srgbClr val="666666"/>
+              </a:solidFill>
+            </a:endParaRPr>
+          </a:p>
+          <a:p>
+            <a:pPr indent="0" lvl="0" marL="0" rtl="0" algn="l">
+              <a:spcBef>
+                <a:spcPts val="0"/>
+              </a:spcBef>
+              <a:spcAft>
+                <a:spcPts val="0"/>
+              </a:spcAft>
+              <a:buNone/>
+            </a:pPr>
+            <a:r>
+              <a:t/>
+            </a:r>
+            <a:endParaRPr sz="1700">
+              <a:solidFill>
+                <a:srgbClr val="666666"/>
+              </a:solidFill>
+              <a:highlight>
+                <a:srgbClr val="FFFFFF"/>
+              </a:highlight>
+            </a:endParaRPr>
+          </a:p>
+          <a:p>
+            <a:pPr indent="0" lvl="0" marL="0" rtl="0" algn="l">
+              <a:spcBef>
+                <a:spcPts val="0"/>
+              </a:spcBef>
+              <a:spcAft>
+                <a:spcPts val="0"/>
+              </a:spcAft>
+              <a:buNone/>
+            </a:pPr>
+            <a:r>
+              <a:t/>
+            </a:r>
+            <a:endParaRPr sz="1700">
               <a:solidFill>
                 <a:srgbClr val="666666"/>
               </a:solidFill>
@@ -54965,6 +55193,184 @@
         </p:nvSpPr>
         <p:spPr>
           <a:xfrm>
+            <a:off x="311700" y="445025"/>
+            <a:ext cx="8520600" cy="572700"/>
+          </a:xfrm>
+          <a:prstGeom prst="rect">
+            <a:avLst/>
+          </a:prstGeom>
+        </p:spPr>
+        <p:txBody>
+          <a:bodyPr anchorCtr="0" anchor="t" bIns="91425" lIns="91425" spcFirstLastPara="1" rIns="91425" wrap="square" tIns="91425">
+            <a:noAutofit/>
+          </a:bodyPr>
+          <a:lstStyle/>
+          <a:p>
+            <a:pPr indent="0" lvl="0" marL="0" rtl="0" algn="l">
+              <a:spcBef>
+                <a:spcPts val="0"/>
+              </a:spcBef>
+              <a:spcAft>
+                <a:spcPts val="0"/>
+              </a:spcAft>
+              <a:buNone/>
+            </a:pPr>
+            <a:r>
+              <a:rPr lang="en" sz="3600"/>
+              <a:t>Service Layer</a:t>
+            </a:r>
+            <a:endParaRPr sz="3600"/>
+          </a:p>
+        </p:txBody>
+      </p:sp>
+      <p:sp>
+        <p:nvSpPr>
+          <p:cNvPr id="765" name="Google Shape;765;p133"/>
+          <p:cNvSpPr txBox="1"/>
+          <p:nvPr>
+            <p:ph idx="1" type="body"/>
+          </p:nvPr>
+        </p:nvSpPr>
+        <p:spPr>
+          <a:xfrm>
+            <a:off x="311700" y="1396375"/>
+            <a:ext cx="8668500" cy="3172500"/>
+          </a:xfrm>
+          <a:prstGeom prst="rect">
+            <a:avLst/>
+          </a:prstGeom>
+        </p:spPr>
+        <p:txBody>
+          <a:bodyPr anchorCtr="0" anchor="t" bIns="91425" lIns="91425" spcFirstLastPara="1" rIns="91425" wrap="square" tIns="91425">
+            <a:noAutofit/>
+          </a:bodyPr>
+          <a:lstStyle/>
+          <a:p>
+            <a:pPr indent="0" lvl="0" marL="0" rtl="0" algn="l">
+              <a:spcBef>
+                <a:spcPts val="0"/>
+              </a:spcBef>
+              <a:spcAft>
+                <a:spcPts val="0"/>
+              </a:spcAft>
+              <a:buNone/>
+            </a:pPr>
+            <a:r>
+              <a:rPr lang="en">
+                <a:solidFill>
+                  <a:srgbClr val="666666"/>
+                </a:solidFill>
+              </a:rPr>
+              <a:t>A Camada de serviço é um padrão para organizar a lógica de negócios. Está acima da camada do DAO. </a:t>
+            </a:r>
+            <a:endParaRPr>
+              <a:solidFill>
+                <a:srgbClr val="666666"/>
+              </a:solidFill>
+            </a:endParaRPr>
+          </a:p>
+          <a:p>
+            <a:pPr indent="0" lvl="0" marL="0" rtl="0" algn="l">
+              <a:spcBef>
+                <a:spcPts val="0"/>
+              </a:spcBef>
+              <a:spcAft>
+                <a:spcPts val="0"/>
+              </a:spcAft>
+              <a:buNone/>
+            </a:pPr>
+            <a:r>
+              <a:t/>
+            </a:r>
+            <a:endParaRPr>
+              <a:solidFill>
+                <a:srgbClr val="666666"/>
+              </a:solidFill>
+            </a:endParaRPr>
+          </a:p>
+          <a:p>
+            <a:pPr indent="0" lvl="0" marL="0" rtl="0" algn="l">
+              <a:spcBef>
+                <a:spcPts val="0"/>
+              </a:spcBef>
+              <a:spcAft>
+                <a:spcPts val="0"/>
+              </a:spcAft>
+              <a:buNone/>
+            </a:pPr>
+            <a:r>
+              <a:rPr lang="en">
+                <a:solidFill>
+                  <a:srgbClr val="666666"/>
+                </a:solidFill>
+              </a:rPr>
+              <a:t>Ela encapsula a lógica de negócios da aplicação, controlando transações e coordenando respostas na implementação de suas operações.</a:t>
+            </a:r>
+            <a:endParaRPr>
+              <a:solidFill>
+                <a:srgbClr val="666666"/>
+              </a:solidFill>
+            </a:endParaRPr>
+          </a:p>
+          <a:p>
+            <a:pPr indent="0" lvl="0" marL="0" rtl="0" algn="l">
+              <a:spcBef>
+                <a:spcPts val="0"/>
+              </a:spcBef>
+              <a:spcAft>
+                <a:spcPts val="0"/>
+              </a:spcAft>
+              <a:buNone/>
+            </a:pPr>
+            <a:r>
+              <a:t/>
+            </a:r>
+            <a:endParaRPr>
+              <a:solidFill>
+                <a:srgbClr val="666666"/>
+              </a:solidFill>
+              <a:highlight>
+                <a:srgbClr val="FFFFFF"/>
+              </a:highlight>
+            </a:endParaRPr>
+          </a:p>
+        </p:txBody>
+      </p:sp>
+    </p:spTree>
+  </p:cSld>
+  <p:clrMapOvr>
+    <a:masterClrMapping/>
+  </p:clrMapOvr>
+</p:sld>
+</file>
+
+<file path=ppt/slides/slide98.xml><?xml version="1.0" encoding="utf-8"?>
+<p:sld xmlns:a="http://schemas.openxmlformats.org/drawingml/2006/main" xmlns:r="http://schemas.openxmlformats.org/officeDocument/2006/relationships" xmlns:mc="http://schemas.openxmlformats.org/markup-compatibility/2006" xmlns:mv="urn:schemas-microsoft-com:mac:vml" xmlns:p="http://schemas.openxmlformats.org/presentationml/2006/main" xmlns:c="http://schemas.openxmlformats.org/drawingml/2006/chart" xmlns:dgm="http://schemas.openxmlformats.org/drawingml/2006/diagram" xmlns:o="urn:schemas-microsoft-com:office:office" xmlns:v="urn:schemas-microsoft-com:vml" xmlns:pvml="urn:schemas-microsoft-com:office:powerpoint" xmlns:com="http://schemas.openxmlformats.org/drawingml/2006/compatibility" xmlns:p14="http://schemas.microsoft.com/office/powerpoint/2010/main" xmlns:p15="http://schemas.microsoft.com/office/powerpoint/2012/main" xmlns:ahyp="http://schemas.microsoft.com/office/drawing/2018/hyperlinkcolor">
+  <p:cSld>
+    <p:spTree>
+      <p:nvGrpSpPr>
+        <p:cNvPr id="769" name="Shape 769"/>
+        <p:cNvGrpSpPr/>
+        <p:nvPr/>
+      </p:nvGrpSpPr>
+      <p:grpSpPr>
+        <a:xfrm>
+          <a:off x="0" y="0"/>
+          <a:ext cx="0" cy="0"/>
+          <a:chOff x="0" y="0"/>
+          <a:chExt cx="0" cy="0"/>
+        </a:xfrm>
+      </p:grpSpPr>
+      <p:sp>
+        <p:nvSpPr>
+          <p:cNvPr id="770" name="Google Shape;770;p134"/>
+          <p:cNvSpPr txBox="1"/>
+          <p:nvPr>
+            <p:ph type="title"/>
+          </p:nvPr>
+        </p:nvSpPr>
+        <p:spPr>
+          <a:xfrm>
             <a:off x="490250" y="526350"/>
             <a:ext cx="5797500" cy="4090800"/>
           </a:xfrm>
@@ -55004,44 +55410,44 @@
 </file>
 
 <file path=ppt/theme/theme1.xml><?xml version="1.0" encoding="utf-8"?>
-<a:theme xmlns:a="http://schemas.openxmlformats.org/drawingml/2006/main" xmlns:r="http://schemas.openxmlformats.org/officeDocument/2006/relationships" name="Spearmint">
+<a:theme xmlns:a="http://schemas.openxmlformats.org/drawingml/2006/main" xmlns:r="http://schemas.openxmlformats.org/officeDocument/2006/relationships" name="Simple Light">
   <a:themeElements>
-    <a:clrScheme name="Spearmint">
+    <a:clrScheme name="Simple Light">
       <a:dk1>
-        <a:srgbClr val="202729"/>
+        <a:srgbClr val="000000"/>
       </a:dk1>
       <a:lt1>
         <a:srgbClr val="FFFFFF"/>
       </a:lt1>
       <a:dk2>
-        <a:srgbClr val="4BA173"/>
+        <a:srgbClr val="595959"/>
       </a:dk2>
       <a:lt2>
-        <a:srgbClr val="63D297"/>
+        <a:srgbClr val="EEEEEE"/>
       </a:lt2>
       <a:accent1>
-        <a:srgbClr val="353744"/>
+        <a:srgbClr val="FFAB40"/>
       </a:accent1>
       <a:accent2>
-        <a:srgbClr val="424242"/>
+        <a:srgbClr val="212121"/>
       </a:accent2>
       <a:accent3>
-        <a:srgbClr val="616161"/>
+        <a:srgbClr val="78909C"/>
       </a:accent3>
       <a:accent4>
-        <a:srgbClr val="999999"/>
+        <a:srgbClr val="FFAB40"/>
       </a:accent4>
       <a:accent5>
-        <a:srgbClr val="FF5252"/>
+        <a:srgbClr val="0097A7"/>
       </a:accent5>
       <a:accent6>
-        <a:srgbClr val="FFF176"/>
+        <a:srgbClr val="EEFF41"/>
       </a:accent6>
       <a:hlink>
-        <a:srgbClr val="FF5252"/>
+        <a:srgbClr val="0097A7"/>
       </a:hlink>
       <a:folHlink>
-        <a:srgbClr val="FF5252"/>
+        <a:srgbClr val="0097A7"/>
       </a:folHlink>
     </a:clrScheme>
     <a:fontScheme name="Office">
@@ -55562,44 +55968,44 @@
 </file>
 
 <file path=ppt/theme/theme3.xml><?xml version="1.0" encoding="utf-8"?>
-<a:theme xmlns:a="http://schemas.openxmlformats.org/drawingml/2006/main" xmlns:r="http://schemas.openxmlformats.org/officeDocument/2006/relationships" name="Simple Light">
+<a:theme xmlns:a="http://schemas.openxmlformats.org/drawingml/2006/main" xmlns:r="http://schemas.openxmlformats.org/officeDocument/2006/relationships" name="Spearmint">
   <a:themeElements>
-    <a:clrScheme name="Simple Light">
+    <a:clrScheme name="Spearmint">
       <a:dk1>
-        <a:srgbClr val="000000"/>
+        <a:srgbClr val="202729"/>
       </a:dk1>
       <a:lt1>
         <a:srgbClr val="FFFFFF"/>
       </a:lt1>
       <a:dk2>
-        <a:srgbClr val="595959"/>
+        <a:srgbClr val="4BA173"/>
       </a:dk2>
       <a:lt2>
-        <a:srgbClr val="EEEEEE"/>
+        <a:srgbClr val="63D297"/>
       </a:lt2>
       <a:accent1>
-        <a:srgbClr val="FFAB40"/>
+        <a:srgbClr val="353744"/>
       </a:accent1>
       <a:accent2>
-        <a:srgbClr val="212121"/>
+        <a:srgbClr val="424242"/>
       </a:accent2>
       <a:accent3>
-        <a:srgbClr val="78909C"/>
+        <a:srgbClr val="616161"/>
       </a:accent3>
       <a:accent4>
-        <a:srgbClr val="FFAB40"/>
+        <a:srgbClr val="999999"/>
       </a:accent4>
       <a:accent5>
-        <a:srgbClr val="0097A7"/>
+        <a:srgbClr val="FF5252"/>
       </a:accent5>
       <a:accent6>
-        <a:srgbClr val="EEFF41"/>
+        <a:srgbClr val="FFF176"/>
       </a:accent6>
       <a:hlink>
-        <a:srgbClr val="0097A7"/>
+        <a:srgbClr val="FF5252"/>
       </a:hlink>
       <a:folHlink>
-        <a:srgbClr val="0097A7"/>
+        <a:srgbClr val="FF5252"/>
       </a:folHlink>
     </a:clrScheme>
     <a:fontScheme name="Office">

--- a/Java e Programação Orientada a Objetos.pptx
+++ b/Java e Programação Orientada a Objetos.pptx
@@ -108,23 +108,24 @@
     <p:sldId id="351" r:id="rId103"/>
     <p:sldId id="352" r:id="rId104"/>
     <p:sldId id="353" r:id="rId105"/>
+    <p:sldId id="354" r:id="rId106"/>
   </p:sldIdLst>
   <p:sldSz cy="5143500" cx="9144000"/>
   <p:notesSz cx="6858000" cy="9144000"/>
   <p:embeddedFontLst>
     <p:embeddedFont>
       <p:font typeface="Proxima Nova"/>
-      <p:regular r:id="rId106"/>
-      <p:bold r:id="rId107"/>
-      <p:italic r:id="rId108"/>
-      <p:boldItalic r:id="rId109"/>
+      <p:regular r:id="rId107"/>
+      <p:bold r:id="rId108"/>
+      <p:italic r:id="rId109"/>
+      <p:boldItalic r:id="rId110"/>
     </p:embeddedFont>
     <p:embeddedFont>
       <p:font typeface="Roboto"/>
-      <p:regular r:id="rId110"/>
-      <p:bold r:id="rId111"/>
-      <p:italic r:id="rId112"/>
-      <p:boldItalic r:id="rId113"/>
+      <p:regular r:id="rId111"/>
+      <p:bold r:id="rId112"/>
+      <p:italic r:id="rId113"/>
+      <p:boldItalic r:id="rId114"/>
     </p:embeddedFont>
   </p:embeddedFontLst>
   <p:defaultTextStyle>
@@ -10027,7 +10028,7 @@
       </p:grpSpPr>
       <p:sp>
         <p:nvSpPr>
-          <p:cNvPr id="743" name="Google Shape;743;g6417fa8bff_0_82:notes"/>
+          <p:cNvPr id="743" name="Google Shape;743;gba966b53ee_0_0:notes"/>
           <p:cNvSpPr/>
           <p:nvPr>
             <p:ph idx="2" type="sldImg"/>
@@ -10062,7 +10063,7 @@
       </p:sp>
       <p:sp>
         <p:nvSpPr>
-          <p:cNvPr id="744" name="Google Shape;744;g6417fa8bff_0_82:notes"/>
+          <p:cNvPr id="744" name="Google Shape;744;gba966b53ee_0_0:notes"/>
           <p:cNvSpPr txBox="1"/>
           <p:nvPr>
             <p:ph idx="1" type="body"/>
@@ -10126,7 +10127,7 @@
       </p:grpSpPr>
       <p:sp>
         <p:nvSpPr>
-          <p:cNvPr id="749" name="Google Shape;749;g6417fa8bff_1_44:notes"/>
+          <p:cNvPr id="749" name="Google Shape;749;g6417fa8bff_0_82:notes"/>
           <p:cNvSpPr/>
           <p:nvPr>
             <p:ph idx="2" type="sldImg"/>
@@ -10161,7 +10162,7 @@
       </p:sp>
       <p:sp>
         <p:nvSpPr>
-          <p:cNvPr id="750" name="Google Shape;750;g6417fa8bff_1_44:notes"/>
+          <p:cNvPr id="750" name="Google Shape;750;g6417fa8bff_0_82:notes"/>
           <p:cNvSpPr txBox="1"/>
           <p:nvPr>
             <p:ph idx="1" type="body"/>
@@ -10225,7 +10226,7 @@
       </p:grpSpPr>
       <p:sp>
         <p:nvSpPr>
-          <p:cNvPr id="755" name="Google Shape;755;g6417fa8bff_1_62:notes"/>
+          <p:cNvPr id="755" name="Google Shape;755;g6417fa8bff_1_44:notes"/>
           <p:cNvSpPr/>
           <p:nvPr>
             <p:ph idx="2" type="sldImg"/>
@@ -10260,7 +10261,7 @@
       </p:sp>
       <p:sp>
         <p:nvSpPr>
-          <p:cNvPr id="756" name="Google Shape;756;g6417fa8bff_1_62:notes"/>
+          <p:cNvPr id="756" name="Google Shape;756;g6417fa8bff_1_44:notes"/>
           <p:cNvSpPr txBox="1"/>
           <p:nvPr>
             <p:ph idx="1" type="body"/>
@@ -10324,7 +10325,7 @@
       </p:grpSpPr>
       <p:sp>
         <p:nvSpPr>
-          <p:cNvPr id="761" name="Google Shape;761;g6417fa8bff_1_51:notes"/>
+          <p:cNvPr id="761" name="Google Shape;761;g6417fa8bff_1_62:notes"/>
           <p:cNvSpPr/>
           <p:nvPr>
             <p:ph idx="2" type="sldImg"/>
@@ -10359,7 +10360,7 @@
       </p:sp>
       <p:sp>
         <p:nvSpPr>
-          <p:cNvPr id="762" name="Google Shape;762;g6417fa8bff_1_51:notes"/>
+          <p:cNvPr id="762" name="Google Shape;762;g6417fa8bff_1_62:notes"/>
           <p:cNvSpPr txBox="1"/>
           <p:nvPr>
             <p:ph idx="1" type="body"/>
@@ -10423,7 +10424,106 @@
       </p:grpSpPr>
       <p:sp>
         <p:nvSpPr>
-          <p:cNvPr id="767" name="Google Shape;767;gcb9a3abeb_0_37:notes"/>
+          <p:cNvPr id="767" name="Google Shape;767;g6417fa8bff_1_51:notes"/>
+          <p:cNvSpPr/>
+          <p:nvPr>
+            <p:ph idx="2" type="sldImg"/>
+          </p:nvPr>
+        </p:nvSpPr>
+        <p:spPr>
+          <a:xfrm>
+            <a:off x="381300" y="685800"/>
+            <a:ext cx="6096000" cy="3429000"/>
+          </a:xfrm>
+          <a:custGeom>
+            <a:rect b="b" l="l" r="r" t="t"/>
+            <a:pathLst>
+              <a:path extrusionOk="0" h="120000" w="120000">
+                <a:moveTo>
+                  <a:pt x="0" y="0"/>
+                </a:moveTo>
+                <a:lnTo>
+                  <a:pt x="120000" y="0"/>
+                </a:lnTo>
+                <a:lnTo>
+                  <a:pt x="120000" y="120000"/>
+                </a:lnTo>
+                <a:lnTo>
+                  <a:pt x="0" y="120000"/>
+                </a:lnTo>
+                <a:close/>
+              </a:path>
+            </a:pathLst>
+          </a:custGeom>
+        </p:spPr>
+      </p:sp>
+      <p:sp>
+        <p:nvSpPr>
+          <p:cNvPr id="768" name="Google Shape;768;g6417fa8bff_1_51:notes"/>
+          <p:cNvSpPr txBox="1"/>
+          <p:nvPr>
+            <p:ph idx="1" type="body"/>
+          </p:nvPr>
+        </p:nvSpPr>
+        <p:spPr>
+          <a:xfrm>
+            <a:off x="685800" y="4343400"/>
+            <a:ext cx="5486400" cy="4114800"/>
+          </a:xfrm>
+          <a:prstGeom prst="rect">
+            <a:avLst/>
+          </a:prstGeom>
+        </p:spPr>
+        <p:txBody>
+          <a:bodyPr anchorCtr="0" anchor="t" bIns="91425" lIns="91425" spcFirstLastPara="1" rIns="91425" wrap="square" tIns="91425">
+            <a:noAutofit/>
+          </a:bodyPr>
+          <a:lstStyle/>
+          <a:p>
+            <a:pPr indent="0" lvl="0" marL="0" rtl="0" algn="l">
+              <a:spcBef>
+                <a:spcPts val="0"/>
+              </a:spcBef>
+              <a:spcAft>
+                <a:spcPts val="0"/>
+              </a:spcAft>
+              <a:buNone/>
+            </a:pPr>
+            <a:r>
+              <a:t/>
+            </a:r>
+            <a:endParaRPr/>
+          </a:p>
+        </p:txBody>
+      </p:sp>
+    </p:spTree>
+  </p:cSld>
+  <p:clrMapOvr>
+    <a:masterClrMapping/>
+  </p:clrMapOvr>
+</p:notes>
+</file>
+
+<file path=ppt/notesSlides/notesSlide99.xml><?xml version="1.0" encoding="utf-8"?>
+<p:notes xmlns:a="http://schemas.openxmlformats.org/drawingml/2006/main" xmlns:r="http://schemas.openxmlformats.org/officeDocument/2006/relationships" xmlns:mc="http://schemas.openxmlformats.org/markup-compatibility/2006" xmlns:mv="urn:schemas-microsoft-com:mac:vml" xmlns:p="http://schemas.openxmlformats.org/presentationml/2006/main" xmlns:c="http://schemas.openxmlformats.org/drawingml/2006/chart" xmlns:dgm="http://schemas.openxmlformats.org/drawingml/2006/diagram" xmlns:o="urn:schemas-microsoft-com:office:office" xmlns:v="urn:schemas-microsoft-com:vml" xmlns:pvml="urn:schemas-microsoft-com:office:powerpoint" xmlns:com="http://schemas.openxmlformats.org/drawingml/2006/compatibility" xmlns:p14="http://schemas.microsoft.com/office/powerpoint/2010/main" xmlns:p15="http://schemas.microsoft.com/office/powerpoint/2012/main" xmlns:ahyp="http://schemas.microsoft.com/office/drawing/2018/hyperlinkcolor" showMasterPhAnim="0" showMasterSp="0">
+  <p:cSld>
+    <p:spTree>
+      <p:nvGrpSpPr>
+        <p:cNvPr id="772" name="Shape 772"/>
+        <p:cNvGrpSpPr/>
+        <p:nvPr/>
+      </p:nvGrpSpPr>
+      <p:grpSpPr>
+        <a:xfrm>
+          <a:off x="0" y="0"/>
+          <a:ext cx="0" cy="0"/>
+          <a:chOff x="0" y="0"/>
+          <a:chExt cx="0" cy="0"/>
+        </a:xfrm>
+      </p:grpSpPr>
+      <p:sp>
+        <p:nvSpPr>
+          <p:cNvPr id="773" name="Google Shape;773;gcb9a3abeb_0_37:notes"/>
           <p:cNvSpPr/>
           <p:nvPr>
             <p:ph idx="2" type="sldImg"/>
@@ -10458,7 +10558,7 @@
       </p:sp>
       <p:sp>
         <p:nvSpPr>
-          <p:cNvPr id="768" name="Google Shape;768;gcb9a3abeb_0_37:notes"/>
+          <p:cNvPr id="774" name="Google Shape;774;gcb9a3abeb_0_37:notes"/>
           <p:cNvSpPr txBox="1"/>
           <p:nvPr>
             <p:ph idx="1" type="body"/>
@@ -54490,7 +54590,7 @@
             </a:pPr>
             <a:r>
               <a:rPr lang="en" sz="3600"/>
-              <a:t>Interface</a:t>
+              <a:t>Exercício</a:t>
             </a:r>
             <a:endParaRPr sz="3600"/>
           </a:p>
@@ -54537,7 +54637,7 @@
                   <a:srgbClr val="FFFFFF"/>
                 </a:highlight>
               </a:rPr>
-              <a:t>As interfaces são padrões definidos através de contratos ou especificações. Um contrato define um determinado conjunto de métodos que serão implementados nas classes que assinarem esse contrato.</a:t>
+              <a:t>Implemente a classe Gerente como subclasse da classe Empregado Comissionado. </a:t>
             </a:r>
             <a:endParaRPr>
               <a:solidFill>
@@ -54559,7 +54659,15 @@
               <a:buNone/>
             </a:pPr>
             <a:r>
-              <a:t/>
+              <a:rPr lang="en">
+                <a:solidFill>
+                  <a:srgbClr val="666666"/>
+                </a:solidFill>
+                <a:highlight>
+                  <a:srgbClr val="FFFFFF"/>
+                </a:highlight>
+              </a:rPr>
+              <a:t>Um determinado Gerente tem como atributos, além dos atributos da classe Pessoa, classe Empregado e Empregado Comissionado, o atributo ajuda de custo (ajudas referentes a viagens, estadias, ...), uma lista de vendedores sob sua gerência e percentual de comissão. </a:t>
             </a:r>
             <a:endParaRPr>
               <a:solidFill>
@@ -54589,7 +54697,37 @@
                   <a:srgbClr val="FFFFFF"/>
                 </a:highlight>
               </a:rPr>
-              <a:t>Dentro das interfaces existem somente assinaturas de métodos e propriedades, cabendo à classe que a utilizará realizar a implementação das assinaturas, dando comportamentos práticos aos métodos.</a:t>
+              <a:t>Note que deverá redefinir na classe Gerente o método herdado para calcular o salário (o salário de um Gerente é equivalente ao salário de um empregado usual acrescido da ajuda de custo, mais o valor referente ao percentual de comissão sobre as vendas de seus vendedores menos os impostos). </a:t>
+            </a:r>
+            <a:endParaRPr>
+              <a:solidFill>
+                <a:srgbClr val="666666"/>
+              </a:solidFill>
+              <a:highlight>
+                <a:srgbClr val="FFFFFF"/>
+              </a:highlight>
+            </a:endParaRPr>
+          </a:p>
+          <a:p>
+            <a:pPr indent="0" lvl="0" marL="0" rtl="0" algn="l">
+              <a:spcBef>
+                <a:spcPts val="0"/>
+              </a:spcBef>
+              <a:spcAft>
+                <a:spcPts val="0"/>
+              </a:spcAft>
+              <a:buNone/>
+            </a:pPr>
+            <a:r>
+              <a:rPr lang="en">
+                <a:solidFill>
+                  <a:srgbClr val="666666"/>
+                </a:solidFill>
+                <a:highlight>
+                  <a:srgbClr val="FFFFFF"/>
+                </a:highlight>
+              </a:rPr>
+              <a:t>Escreva um programa de teste adequado para esta classe.</a:t>
             </a:r>
             <a:endParaRPr>
               <a:solidFill>
@@ -54683,7 +54821,7 @@
             </a:pPr>
             <a:r>
               <a:rPr lang="en" sz="3600"/>
-              <a:t>Generics</a:t>
+              <a:t>Interface</a:t>
             </a:r>
             <a:endParaRPr sz="3600"/>
           </a:p>
@@ -54726,13 +54864,19 @@
                 <a:solidFill>
                   <a:srgbClr val="666666"/>
                 </a:solidFill>
-              </a:rPr>
-              <a:t>Generics permitem que tipos (classes e interfaces) sejam parâmetros ao definir classes, interfaces e métodos. Assim como os parâmetros formais mais familiares usados ​​nas declarações de método, os parâmetros de tipo fornecem uma maneira de reutilizar o mesmo código com entradas diferentes. A diferença é que as entradas para parâmetros formais são valores, enquanto as entradas para digitar parâmetros são tipos.</a:t>
+                <a:highlight>
+                  <a:srgbClr val="FFFFFF"/>
+                </a:highlight>
+              </a:rPr>
+              <a:t>As interfaces são padrões definidos através de contratos ou especificações. Um contrato define um determinado conjunto de métodos que serão implementados nas classes que assinarem esse contrato.</a:t>
             </a:r>
             <a:endParaRPr>
               <a:solidFill>
                 <a:srgbClr val="666666"/>
               </a:solidFill>
+              <a:highlight>
+                <a:srgbClr val="FFFFFF"/>
+              </a:highlight>
             </a:endParaRPr>
           </a:p>
           <a:p>
@@ -54752,6 +54896,9 @@
               <a:solidFill>
                 <a:srgbClr val="666666"/>
               </a:solidFill>
+              <a:highlight>
+                <a:srgbClr val="FFFFFF"/>
+              </a:highlight>
             </a:endParaRPr>
           </a:p>
           <a:p>
@@ -54765,152 +54912,45 @@
               <a:buNone/>
             </a:pPr>
             <a:r>
-              <a:rPr lang="en" sz="1200">
-                <a:solidFill>
-                  <a:schemeClr val="lt1"/>
+              <a:rPr lang="en">
+                <a:solidFill>
+                  <a:srgbClr val="666666"/>
                 </a:solidFill>
                 <a:highlight>
-                  <a:srgbClr val="253A44"/>
+                  <a:srgbClr val="FFFFFF"/>
                 </a:highlight>
-                <a:latin typeface="Courier New"/>
-                <a:ea typeface="Courier New"/>
-                <a:cs typeface="Courier New"/>
-                <a:sym typeface="Courier New"/>
-              </a:rPr>
-              <a:t>List&lt;Integer&gt; list = new ArrayList&lt;&gt;();</a:t>
-            </a:r>
-            <a:endParaRPr sz="1200">
-              <a:solidFill>
-                <a:schemeClr val="lt1"/>
-              </a:solidFill>
-              <a:highlight>
-                <a:srgbClr val="253A44"/>
-              </a:highlight>
-              <a:latin typeface="Courier New"/>
-              <a:ea typeface="Courier New"/>
-              <a:cs typeface="Courier New"/>
-              <a:sym typeface="Courier New"/>
-            </a:endParaRPr>
-          </a:p>
-          <a:p>
-            <a:pPr indent="0" lvl="0" marL="0" rtl="0" algn="l">
-              <a:spcBef>
-                <a:spcPts val="0"/>
-              </a:spcBef>
-              <a:spcAft>
-                <a:spcPts val="0"/>
-              </a:spcAft>
-              <a:buNone/>
-            </a:pPr>
-            <a:r>
-              <a:t/>
-            </a:r>
-            <a:endParaRPr sz="1200">
-              <a:solidFill>
-                <a:schemeClr val="lt1"/>
-              </a:solidFill>
-              <a:highlight>
-                <a:srgbClr val="253A44"/>
-              </a:highlight>
-              <a:latin typeface="Courier New"/>
-              <a:ea typeface="Courier New"/>
-              <a:cs typeface="Courier New"/>
-              <a:sym typeface="Courier New"/>
-            </a:endParaRPr>
-          </a:p>
-          <a:p>
-            <a:pPr indent="0" lvl="0" marL="0" rtl="0" algn="l">
-              <a:spcBef>
-                <a:spcPts val="0"/>
-              </a:spcBef>
-              <a:spcAft>
-                <a:spcPts val="0"/>
-              </a:spcAft>
-              <a:buNone/>
-            </a:pPr>
-            <a:r>
-              <a:rPr lang="en" sz="1000">
-                <a:solidFill>
-                  <a:schemeClr val="lt1"/>
-                </a:solidFill>
-                <a:highlight>
-                  <a:srgbClr val="253A44"/>
-                </a:highlight>
-                <a:latin typeface="Courier New"/>
-                <a:ea typeface="Courier New"/>
-                <a:cs typeface="Courier New"/>
-                <a:sym typeface="Courier New"/>
-              </a:rPr>
-              <a:t>public abstract class JpaCrudServiceImpl&lt;T, ID extends Serializable, Y&gt; implements JpaCrudService&lt;T, ID, Y&gt; {}</a:t>
-            </a:r>
-            <a:endParaRPr sz="1000">
-              <a:solidFill>
-                <a:schemeClr val="lt1"/>
-              </a:solidFill>
-              <a:highlight>
-                <a:srgbClr val="253A44"/>
-              </a:highlight>
-              <a:latin typeface="Courier New"/>
-              <a:ea typeface="Courier New"/>
-              <a:cs typeface="Courier New"/>
-              <a:sym typeface="Courier New"/>
-            </a:endParaRPr>
-          </a:p>
-          <a:p>
-            <a:pPr indent="0" lvl="0" marL="0" rtl="0" algn="l">
-              <a:spcBef>
-                <a:spcPts val="0"/>
-              </a:spcBef>
-              <a:spcAft>
-                <a:spcPts val="0"/>
-              </a:spcAft>
-              <a:buNone/>
-            </a:pPr>
-            <a:r>
-              <a:t/>
-            </a:r>
-            <a:endParaRPr sz="1200">
-              <a:solidFill>
-                <a:srgbClr val="666666"/>
-              </a:solidFill>
-            </a:endParaRPr>
-          </a:p>
-          <a:p>
-            <a:pPr indent="0" lvl="0" marL="0" rtl="0" algn="l">
-              <a:spcBef>
-                <a:spcPts val="0"/>
-              </a:spcBef>
-              <a:spcAft>
-                <a:spcPts val="0"/>
-              </a:spcAft>
-              <a:buNone/>
-            </a:pPr>
-            <a:r>
-              <a:t/>
-            </a:r>
-            <a:endParaRPr sz="1200">
-              <a:solidFill>
-                <a:srgbClr val="666666"/>
-              </a:solidFill>
-            </a:endParaRPr>
-          </a:p>
-          <a:p>
-            <a:pPr indent="0" lvl="0" marL="0" rtl="0" algn="l">
-              <a:spcBef>
-                <a:spcPts val="0"/>
-              </a:spcBef>
-              <a:spcAft>
-                <a:spcPts val="0"/>
-              </a:spcAft>
-              <a:buNone/>
-            </a:pPr>
-            <a:r>
-              <a:t/>
+              </a:rPr>
+              <a:t>Dentro das interfaces existem somente assinaturas de métodos e propriedades, cabendo à classe que a utilizará realizar a implementação das assinaturas, dando comportamentos práticos aos métodos.</a:t>
             </a:r>
             <a:endParaRPr>
               <a:solidFill>
                 <a:srgbClr val="666666"/>
               </a:solidFill>
+              <a:highlight>
+                <a:srgbClr val="FFFFFF"/>
+              </a:highlight>
+            </a:endParaRPr>
+          </a:p>
+          <a:p>
+            <a:pPr indent="0" lvl="0" marL="0" rtl="0" algn="l">
+              <a:spcBef>
+                <a:spcPts val="0"/>
+              </a:spcBef>
+              <a:spcAft>
+                <a:spcPts val="0"/>
+              </a:spcAft>
+              <a:buNone/>
+            </a:pPr>
+            <a:r>
+              <a:t/>
+            </a:r>
+            <a:endParaRPr>
+              <a:solidFill>
+                <a:srgbClr val="666666"/>
+              </a:solidFill>
+              <a:highlight>
+                <a:srgbClr val="FFFFFF"/>
+              </a:highlight>
             </a:endParaRPr>
           </a:p>
         </p:txBody>
@@ -54974,7 +55014,7 @@
             </a:pPr>
             <a:r>
               <a:rPr lang="en" sz="3600"/>
-              <a:t>DAO Pattern</a:t>
+              <a:t>Generics</a:t>
             </a:r>
             <a:endParaRPr sz="3600"/>
           </a:p>
@@ -54991,7 +55031,7 @@
         <p:spPr>
           <a:xfrm>
             <a:off x="311700" y="1396375"/>
-            <a:ext cx="8668500" cy="3438000"/>
+            <a:ext cx="8668500" cy="3172500"/>
           </a:xfrm>
           <a:prstGeom prst="rect">
             <a:avLst/>
@@ -55013,14 +55053,14 @@
               <a:buNone/>
             </a:pPr>
             <a:r>
-              <a:rPr lang="en" sz="1700">
+              <a:rPr lang="en">
                 <a:solidFill>
                   <a:srgbClr val="666666"/>
                 </a:solidFill>
               </a:rPr>
-              <a:t>O padrão DAO é definido no livro "Core J2EE Patterns" como: "o padrão utilizado para abstrair e encapsular todos os acessos ao data source. O DAO gerencia a conexão com o data source para obter e armazenar informações."</a:t>
-            </a:r>
-            <a:endParaRPr sz="1700">
+              <a:t>Generics permitem que tipos (classes e interfaces) sejam parâmetros ao definir classes, interfaces e métodos. Assim como os parâmetros formais mais familiares usados ​​nas declarações de método, os parâmetros de tipo fornecem uma maneira de reutilizar o mesmo código com entradas diferentes. A diferença é que as entradas para parâmetros formais são valores, enquanto as entradas para digitar parâmetros são tipos.</a:t>
+            </a:r>
+            <a:endParaRPr>
               <a:solidFill>
                 <a:srgbClr val="666666"/>
               </a:solidFill>
@@ -55039,7 +55079,7 @@
             <a:r>
               <a:t/>
             </a:r>
-            <a:endParaRPr sz="1700">
+            <a:endParaRPr>
               <a:solidFill>
                 <a:srgbClr val="666666"/>
               </a:solidFill>
@@ -55056,14 +55096,111 @@
               <a:buNone/>
             </a:pPr>
             <a:r>
-              <a:rPr lang="en" sz="1700">
-                <a:solidFill>
-                  <a:srgbClr val="666666"/>
-                </a:solidFill>
-              </a:rPr>
-              <a:t>É um padrão estrutural que permite isolar a camada da aplicação/negócios da camada de persistência (geralmente um banco de dados relacional, mas pode ser qualquer outro mecanismo de persistência) usando uma API abstrata.</a:t>
-            </a:r>
-            <a:endParaRPr sz="1700">
+              <a:rPr lang="en" sz="1200">
+                <a:solidFill>
+                  <a:schemeClr val="lt1"/>
+                </a:solidFill>
+                <a:highlight>
+                  <a:srgbClr val="253A44"/>
+                </a:highlight>
+                <a:latin typeface="Courier New"/>
+                <a:ea typeface="Courier New"/>
+                <a:cs typeface="Courier New"/>
+                <a:sym typeface="Courier New"/>
+              </a:rPr>
+              <a:t>List&lt;Integer&gt; list = new ArrayList&lt;&gt;();</a:t>
+            </a:r>
+            <a:endParaRPr sz="1200">
+              <a:solidFill>
+                <a:schemeClr val="lt1"/>
+              </a:solidFill>
+              <a:highlight>
+                <a:srgbClr val="253A44"/>
+              </a:highlight>
+              <a:latin typeface="Courier New"/>
+              <a:ea typeface="Courier New"/>
+              <a:cs typeface="Courier New"/>
+              <a:sym typeface="Courier New"/>
+            </a:endParaRPr>
+          </a:p>
+          <a:p>
+            <a:pPr indent="0" lvl="0" marL="0" rtl="0" algn="l">
+              <a:spcBef>
+                <a:spcPts val="0"/>
+              </a:spcBef>
+              <a:spcAft>
+                <a:spcPts val="0"/>
+              </a:spcAft>
+              <a:buNone/>
+            </a:pPr>
+            <a:r>
+              <a:t/>
+            </a:r>
+            <a:endParaRPr sz="1200">
+              <a:solidFill>
+                <a:schemeClr val="lt1"/>
+              </a:solidFill>
+              <a:highlight>
+                <a:srgbClr val="253A44"/>
+              </a:highlight>
+              <a:latin typeface="Courier New"/>
+              <a:ea typeface="Courier New"/>
+              <a:cs typeface="Courier New"/>
+              <a:sym typeface="Courier New"/>
+            </a:endParaRPr>
+          </a:p>
+          <a:p>
+            <a:pPr indent="0" lvl="0" marL="0" rtl="0" algn="l">
+              <a:spcBef>
+                <a:spcPts val="0"/>
+              </a:spcBef>
+              <a:spcAft>
+                <a:spcPts val="0"/>
+              </a:spcAft>
+              <a:buNone/>
+            </a:pPr>
+            <a:r>
+              <a:rPr lang="en" sz="1000">
+                <a:solidFill>
+                  <a:schemeClr val="lt1"/>
+                </a:solidFill>
+                <a:highlight>
+                  <a:srgbClr val="253A44"/>
+                </a:highlight>
+                <a:latin typeface="Courier New"/>
+                <a:ea typeface="Courier New"/>
+                <a:cs typeface="Courier New"/>
+                <a:sym typeface="Courier New"/>
+              </a:rPr>
+              <a:t>public abstract class JpaCrudServiceImpl&lt;T, ID extends Serializable, Y&gt; implements JpaCrudService&lt;T, ID, Y&gt; {}</a:t>
+            </a:r>
+            <a:endParaRPr sz="1000">
+              <a:solidFill>
+                <a:schemeClr val="lt1"/>
+              </a:solidFill>
+              <a:highlight>
+                <a:srgbClr val="253A44"/>
+              </a:highlight>
+              <a:latin typeface="Courier New"/>
+              <a:ea typeface="Courier New"/>
+              <a:cs typeface="Courier New"/>
+              <a:sym typeface="Courier New"/>
+            </a:endParaRPr>
+          </a:p>
+          <a:p>
+            <a:pPr indent="0" lvl="0" marL="0" rtl="0" algn="l">
+              <a:spcBef>
+                <a:spcPts val="0"/>
+              </a:spcBef>
+              <a:spcAft>
+                <a:spcPts val="0"/>
+              </a:spcAft>
+              <a:buNone/>
+            </a:pPr>
+            <a:r>
+              <a:t/>
+            </a:r>
+            <a:endParaRPr sz="1200">
               <a:solidFill>
                 <a:srgbClr val="666666"/>
               </a:solidFill>
@@ -55082,7 +55219,7 @@
             <a:r>
               <a:t/>
             </a:r>
-            <a:endParaRPr sz="1700">
+            <a:endParaRPr sz="1200">
               <a:solidFill>
                 <a:srgbClr val="666666"/>
               </a:solidFill>
@@ -55099,61 +55236,12 @@
               <a:buNone/>
             </a:pPr>
             <a:r>
-              <a:rPr lang="en" sz="1700">
-                <a:solidFill>
-                  <a:srgbClr val="666666"/>
-                </a:solidFill>
-              </a:rPr>
-              <a:t>A funcionalidade dessa API é ocultar da aplicação todas as complexidades envolvidas na execução de operações CRUD no mecanismo de armazenamento. Isso permite que ambas as camadas evoluam separadamente sem saber nada uma da outra.</a:t>
-            </a:r>
-            <a:endParaRPr sz="1700">
+              <a:t/>
+            </a:r>
+            <a:endParaRPr>
               <a:solidFill>
                 <a:srgbClr val="666666"/>
               </a:solidFill>
-            </a:endParaRPr>
-          </a:p>
-          <a:p>
-            <a:pPr indent="0" lvl="0" marL="0" rtl="0" algn="l">
-              <a:spcBef>
-                <a:spcPts val="0"/>
-              </a:spcBef>
-              <a:spcAft>
-                <a:spcPts val="0"/>
-              </a:spcAft>
-              <a:buNone/>
-            </a:pPr>
-            <a:r>
-              <a:t/>
-            </a:r>
-            <a:endParaRPr sz="1700">
-              <a:solidFill>
-                <a:srgbClr val="666666"/>
-              </a:solidFill>
-              <a:highlight>
-                <a:srgbClr val="FFFFFF"/>
-              </a:highlight>
-            </a:endParaRPr>
-          </a:p>
-          <a:p>
-            <a:pPr indent="0" lvl="0" marL="0" rtl="0" algn="l">
-              <a:spcBef>
-                <a:spcPts val="0"/>
-              </a:spcBef>
-              <a:spcAft>
-                <a:spcPts val="0"/>
-              </a:spcAft>
-              <a:buNone/>
-            </a:pPr>
-            <a:r>
-              <a:t/>
-            </a:r>
-            <a:endParaRPr sz="1700">
-              <a:solidFill>
-                <a:srgbClr val="666666"/>
-              </a:solidFill>
-              <a:highlight>
-                <a:srgbClr val="FFFFFF"/>
-              </a:highlight>
             </a:endParaRPr>
           </a:p>
         </p:txBody>
@@ -55217,7 +55305,7 @@
             </a:pPr>
             <a:r>
               <a:rPr lang="en" sz="3600"/>
-              <a:t>Service Layer</a:t>
+              <a:t>DAO Pattern</a:t>
             </a:r>
             <a:endParaRPr sz="3600"/>
           </a:p>
@@ -55234,7 +55322,7 @@
         <p:spPr>
           <a:xfrm>
             <a:off x="311700" y="1396375"/>
-            <a:ext cx="8668500" cy="3172500"/>
+            <a:ext cx="8668500" cy="3438000"/>
           </a:xfrm>
           <a:prstGeom prst="rect">
             <a:avLst/>
@@ -55256,14 +55344,14 @@
               <a:buNone/>
             </a:pPr>
             <a:r>
-              <a:rPr lang="en">
+              <a:rPr lang="en" sz="1700">
                 <a:solidFill>
                   <a:srgbClr val="666666"/>
                 </a:solidFill>
               </a:rPr>
-              <a:t>A Camada de serviço é um padrão para organizar a lógica de negócios. Está acima da camada do DAO. </a:t>
-            </a:r>
-            <a:endParaRPr>
+              <a:t>O padrão DAO é definido no livro "Core J2EE Patterns" como: "o padrão utilizado para abstrair e encapsular todos os acessos ao data source. O DAO gerencia a conexão com o data source para obter e armazenar informações."</a:t>
+            </a:r>
+            <a:endParaRPr sz="1700">
               <a:solidFill>
                 <a:srgbClr val="666666"/>
               </a:solidFill>
@@ -55282,7 +55370,7 @@
             <a:r>
               <a:t/>
             </a:r>
-            <a:endParaRPr>
+            <a:endParaRPr sz="1700">
               <a:solidFill>
                 <a:srgbClr val="666666"/>
               </a:solidFill>
@@ -55299,14 +55387,14 @@
               <a:buNone/>
             </a:pPr>
             <a:r>
-              <a:rPr lang="en">
+              <a:rPr lang="en" sz="1700">
                 <a:solidFill>
                   <a:srgbClr val="666666"/>
                 </a:solidFill>
               </a:rPr>
-              <a:t>Ela encapsula a lógica de negócios da aplicação, controlando transações e coordenando respostas na implementação de suas operações.</a:t>
-            </a:r>
-            <a:endParaRPr>
+              <a:t>É um padrão estrutural que permite isolar a camada da aplicação/negócios da camada de persistência (geralmente um banco de dados relacional, mas pode ser qualquer outro mecanismo de persistência) usando uma API abstrata.</a:t>
+            </a:r>
+            <a:endParaRPr sz="1700">
               <a:solidFill>
                 <a:srgbClr val="666666"/>
               </a:solidFill>
@@ -55325,7 +55413,72 @@
             <a:r>
               <a:t/>
             </a:r>
-            <a:endParaRPr>
+            <a:endParaRPr sz="1700">
+              <a:solidFill>
+                <a:srgbClr val="666666"/>
+              </a:solidFill>
+            </a:endParaRPr>
+          </a:p>
+          <a:p>
+            <a:pPr indent="0" lvl="0" marL="0" rtl="0" algn="l">
+              <a:spcBef>
+                <a:spcPts val="0"/>
+              </a:spcBef>
+              <a:spcAft>
+                <a:spcPts val="0"/>
+              </a:spcAft>
+              <a:buNone/>
+            </a:pPr>
+            <a:r>
+              <a:rPr lang="en" sz="1700">
+                <a:solidFill>
+                  <a:srgbClr val="666666"/>
+                </a:solidFill>
+              </a:rPr>
+              <a:t>A funcionalidade dessa API é ocultar da aplicação todas as complexidades envolvidas na execução de operações CRUD no mecanismo de armazenamento. Isso permite que ambas as camadas evoluam separadamente sem saber nada uma da outra.</a:t>
+            </a:r>
+            <a:endParaRPr sz="1700">
+              <a:solidFill>
+                <a:srgbClr val="666666"/>
+              </a:solidFill>
+            </a:endParaRPr>
+          </a:p>
+          <a:p>
+            <a:pPr indent="0" lvl="0" marL="0" rtl="0" algn="l">
+              <a:spcBef>
+                <a:spcPts val="0"/>
+              </a:spcBef>
+              <a:spcAft>
+                <a:spcPts val="0"/>
+              </a:spcAft>
+              <a:buNone/>
+            </a:pPr>
+            <a:r>
+              <a:t/>
+            </a:r>
+            <a:endParaRPr sz="1700">
+              <a:solidFill>
+                <a:srgbClr val="666666"/>
+              </a:solidFill>
+              <a:highlight>
+                <a:srgbClr val="FFFFFF"/>
+              </a:highlight>
+            </a:endParaRPr>
+          </a:p>
+          <a:p>
+            <a:pPr indent="0" lvl="0" marL="0" rtl="0" algn="l">
+              <a:spcBef>
+                <a:spcPts val="0"/>
+              </a:spcBef>
+              <a:spcAft>
+                <a:spcPts val="0"/>
+              </a:spcAft>
+              <a:buNone/>
+            </a:pPr>
+            <a:r>
+              <a:t/>
+            </a:r>
+            <a:endParaRPr sz="1700">
               <a:solidFill>
                 <a:srgbClr val="666666"/>
               </a:solidFill>
@@ -55371,6 +55524,184 @@
         </p:nvSpPr>
         <p:spPr>
           <a:xfrm>
+            <a:off x="311700" y="445025"/>
+            <a:ext cx="8520600" cy="572700"/>
+          </a:xfrm>
+          <a:prstGeom prst="rect">
+            <a:avLst/>
+          </a:prstGeom>
+        </p:spPr>
+        <p:txBody>
+          <a:bodyPr anchorCtr="0" anchor="t" bIns="91425" lIns="91425" spcFirstLastPara="1" rIns="91425" wrap="square" tIns="91425">
+            <a:noAutofit/>
+          </a:bodyPr>
+          <a:lstStyle/>
+          <a:p>
+            <a:pPr indent="0" lvl="0" marL="0" rtl="0" algn="l">
+              <a:spcBef>
+                <a:spcPts val="0"/>
+              </a:spcBef>
+              <a:spcAft>
+                <a:spcPts val="0"/>
+              </a:spcAft>
+              <a:buNone/>
+            </a:pPr>
+            <a:r>
+              <a:rPr lang="en" sz="3600"/>
+              <a:t>Service Layer</a:t>
+            </a:r>
+            <a:endParaRPr sz="3600"/>
+          </a:p>
+        </p:txBody>
+      </p:sp>
+      <p:sp>
+        <p:nvSpPr>
+          <p:cNvPr id="771" name="Google Shape;771;p134"/>
+          <p:cNvSpPr txBox="1"/>
+          <p:nvPr>
+            <p:ph idx="1" type="body"/>
+          </p:nvPr>
+        </p:nvSpPr>
+        <p:spPr>
+          <a:xfrm>
+            <a:off x="311700" y="1396375"/>
+            <a:ext cx="8668500" cy="3172500"/>
+          </a:xfrm>
+          <a:prstGeom prst="rect">
+            <a:avLst/>
+          </a:prstGeom>
+        </p:spPr>
+        <p:txBody>
+          <a:bodyPr anchorCtr="0" anchor="t" bIns="91425" lIns="91425" spcFirstLastPara="1" rIns="91425" wrap="square" tIns="91425">
+            <a:noAutofit/>
+          </a:bodyPr>
+          <a:lstStyle/>
+          <a:p>
+            <a:pPr indent="0" lvl="0" marL="0" rtl="0" algn="l">
+              <a:spcBef>
+                <a:spcPts val="0"/>
+              </a:spcBef>
+              <a:spcAft>
+                <a:spcPts val="0"/>
+              </a:spcAft>
+              <a:buNone/>
+            </a:pPr>
+            <a:r>
+              <a:rPr lang="en">
+                <a:solidFill>
+                  <a:srgbClr val="666666"/>
+                </a:solidFill>
+              </a:rPr>
+              <a:t>A Camada de serviço é um padrão para organizar a lógica de negócios. Está acima da camada do DAO. </a:t>
+            </a:r>
+            <a:endParaRPr>
+              <a:solidFill>
+                <a:srgbClr val="666666"/>
+              </a:solidFill>
+            </a:endParaRPr>
+          </a:p>
+          <a:p>
+            <a:pPr indent="0" lvl="0" marL="0" rtl="0" algn="l">
+              <a:spcBef>
+                <a:spcPts val="0"/>
+              </a:spcBef>
+              <a:spcAft>
+                <a:spcPts val="0"/>
+              </a:spcAft>
+              <a:buNone/>
+            </a:pPr>
+            <a:r>
+              <a:t/>
+            </a:r>
+            <a:endParaRPr>
+              <a:solidFill>
+                <a:srgbClr val="666666"/>
+              </a:solidFill>
+            </a:endParaRPr>
+          </a:p>
+          <a:p>
+            <a:pPr indent="0" lvl="0" marL="0" rtl="0" algn="l">
+              <a:spcBef>
+                <a:spcPts val="0"/>
+              </a:spcBef>
+              <a:spcAft>
+                <a:spcPts val="0"/>
+              </a:spcAft>
+              <a:buNone/>
+            </a:pPr>
+            <a:r>
+              <a:rPr lang="en">
+                <a:solidFill>
+                  <a:srgbClr val="666666"/>
+                </a:solidFill>
+              </a:rPr>
+              <a:t>Ela encapsula a lógica de negócios da aplicação, controlando transações e coordenando respostas na implementação de suas operações.</a:t>
+            </a:r>
+            <a:endParaRPr>
+              <a:solidFill>
+                <a:srgbClr val="666666"/>
+              </a:solidFill>
+            </a:endParaRPr>
+          </a:p>
+          <a:p>
+            <a:pPr indent="0" lvl="0" marL="0" rtl="0" algn="l">
+              <a:spcBef>
+                <a:spcPts val="0"/>
+              </a:spcBef>
+              <a:spcAft>
+                <a:spcPts val="0"/>
+              </a:spcAft>
+              <a:buNone/>
+            </a:pPr>
+            <a:r>
+              <a:t/>
+            </a:r>
+            <a:endParaRPr>
+              <a:solidFill>
+                <a:srgbClr val="666666"/>
+              </a:solidFill>
+              <a:highlight>
+                <a:srgbClr val="FFFFFF"/>
+              </a:highlight>
+            </a:endParaRPr>
+          </a:p>
+        </p:txBody>
+      </p:sp>
+    </p:spTree>
+  </p:cSld>
+  <p:clrMapOvr>
+    <a:masterClrMapping/>
+  </p:clrMapOvr>
+</p:sld>
+</file>
+
+<file path=ppt/slides/slide99.xml><?xml version="1.0" encoding="utf-8"?>
+<p:sld xmlns:a="http://schemas.openxmlformats.org/drawingml/2006/main" xmlns:r="http://schemas.openxmlformats.org/officeDocument/2006/relationships" xmlns:mc="http://schemas.openxmlformats.org/markup-compatibility/2006" xmlns:mv="urn:schemas-microsoft-com:mac:vml" xmlns:p="http://schemas.openxmlformats.org/presentationml/2006/main" xmlns:c="http://schemas.openxmlformats.org/drawingml/2006/chart" xmlns:dgm="http://schemas.openxmlformats.org/drawingml/2006/diagram" xmlns:o="urn:schemas-microsoft-com:office:office" xmlns:v="urn:schemas-microsoft-com:vml" xmlns:pvml="urn:schemas-microsoft-com:office:powerpoint" xmlns:com="http://schemas.openxmlformats.org/drawingml/2006/compatibility" xmlns:p14="http://schemas.microsoft.com/office/powerpoint/2010/main" xmlns:p15="http://schemas.microsoft.com/office/powerpoint/2012/main" xmlns:ahyp="http://schemas.microsoft.com/office/drawing/2018/hyperlinkcolor">
+  <p:cSld>
+    <p:spTree>
+      <p:nvGrpSpPr>
+        <p:cNvPr id="775" name="Shape 775"/>
+        <p:cNvGrpSpPr/>
+        <p:nvPr/>
+      </p:nvGrpSpPr>
+      <p:grpSpPr>
+        <a:xfrm>
+          <a:off x="0" y="0"/>
+          <a:ext cx="0" cy="0"/>
+          <a:chOff x="0" y="0"/>
+          <a:chExt cx="0" cy="0"/>
+        </a:xfrm>
+      </p:grpSpPr>
+      <p:sp>
+        <p:nvSpPr>
+          <p:cNvPr id="776" name="Google Shape;776;p135"/>
+          <p:cNvSpPr txBox="1"/>
+          <p:nvPr>
+            <p:ph type="title"/>
+          </p:nvPr>
+        </p:nvSpPr>
+        <p:spPr>
+          <a:xfrm>
             <a:off x="490250" y="526350"/>
             <a:ext cx="5797500" cy="4090800"/>
           </a:xfrm>
@@ -55410,6 +55741,285 @@
 </file>
 
 <file path=ppt/theme/theme1.xml><?xml version="1.0" encoding="utf-8"?>
+<a:theme xmlns:a="http://schemas.openxmlformats.org/drawingml/2006/main" xmlns:r="http://schemas.openxmlformats.org/officeDocument/2006/relationships" name="Spearmint">
+  <a:themeElements>
+    <a:clrScheme name="Spearmint">
+      <a:dk1>
+        <a:srgbClr val="202729"/>
+      </a:dk1>
+      <a:lt1>
+        <a:srgbClr val="FFFFFF"/>
+      </a:lt1>
+      <a:dk2>
+        <a:srgbClr val="4BA173"/>
+      </a:dk2>
+      <a:lt2>
+        <a:srgbClr val="63D297"/>
+      </a:lt2>
+      <a:accent1>
+        <a:srgbClr val="353744"/>
+      </a:accent1>
+      <a:accent2>
+        <a:srgbClr val="424242"/>
+      </a:accent2>
+      <a:accent3>
+        <a:srgbClr val="616161"/>
+      </a:accent3>
+      <a:accent4>
+        <a:srgbClr val="999999"/>
+      </a:accent4>
+      <a:accent5>
+        <a:srgbClr val="FF5252"/>
+      </a:accent5>
+      <a:accent6>
+        <a:srgbClr val="FFF176"/>
+      </a:accent6>
+      <a:hlink>
+        <a:srgbClr val="FF5252"/>
+      </a:hlink>
+      <a:folHlink>
+        <a:srgbClr val="FF5252"/>
+      </a:folHlink>
+    </a:clrScheme>
+    <a:fontScheme name="Office">
+      <a:majorFont>
+        <a:latin typeface="Arial"/>
+        <a:ea typeface=""/>
+        <a:cs typeface=""/>
+        <a:font script="Jpan" typeface="ＭＳ Ｐゴシック"/>
+        <a:font script="Hang" typeface="맑은 고딕"/>
+        <a:font script="Hans" typeface="宋体"/>
+        <a:font script="Hant" typeface="新細明體"/>
+        <a:font script="Arab" typeface="Times New Roman"/>
+        <a:font script="Hebr" typeface="Times New Roman"/>
+        <a:font script="Thai" typeface="Angsana New"/>
+        <a:font script="Ethi" typeface="Nyala"/>
+        <a:font script="Beng" typeface="Vrinda"/>
+        <a:font script="Gujr" typeface="Shruti"/>
+        <a:font script="Khmr" typeface="MoolBoran"/>
+        <a:font script="Knda" typeface="Tunga"/>
+        <a:font script="Guru" typeface="Raavi"/>
+        <a:font script="Cans" typeface="Euphemia"/>
+        <a:font script="Cher" typeface="Plantagenet Cherokee"/>
+        <a:font script="Yiii" typeface="Microsoft Yi Baiti"/>
+        <a:font script="Tibt" typeface="Microsoft Himalaya"/>
+        <a:font script="Thaa" typeface="MV Boli"/>
+        <a:font script="Deva" typeface="Mangal"/>
+        <a:font script="Telu" typeface="Gautami"/>
+        <a:font script="Taml" typeface="Latha"/>
+        <a:font script="Syrc" typeface="Estrangelo Edessa"/>
+        <a:font script="Orya" typeface="Kalinga"/>
+        <a:font script="Mlym" typeface="Kartika"/>
+        <a:font script="Laoo" typeface="DokChampa"/>
+        <a:font script="Sinh" typeface="Iskoola Pota"/>
+        <a:font script="Mong" typeface="Mongolian Baiti"/>
+        <a:font script="Viet" typeface="Times New Roman"/>
+        <a:font script="Uigh" typeface="Microsoft Uighur"/>
+        <a:font script="Geor" typeface="Sylfaen"/>
+      </a:majorFont>
+      <a:minorFont>
+        <a:latin typeface="Arial"/>
+        <a:ea typeface=""/>
+        <a:cs typeface=""/>
+        <a:font script="Jpan" typeface="ＭＳ Ｐゴシック"/>
+        <a:font script="Hang" typeface="맑은 고딕"/>
+        <a:font script="Hans" typeface="宋体"/>
+        <a:font script="Hant" typeface="新細明體"/>
+        <a:font script="Arab" typeface="Arial"/>
+        <a:font script="Hebr" typeface="Arial"/>
+        <a:font script="Thai" typeface="Cordia New"/>
+        <a:font script="Ethi" typeface="Nyala"/>
+        <a:font script="Beng" typeface="Vrinda"/>
+        <a:font script="Gujr" typeface="Shruti"/>
+        <a:font script="Khmr" typeface="DaunPenh"/>
+        <a:font script="Knda" typeface="Tunga"/>
+        <a:font script="Guru" typeface="Raavi"/>
+        <a:font script="Cans" typeface="Euphemia"/>
+        <a:font script="Cher" typeface="Plantagenet Cherokee"/>
+        <a:font script="Yiii" typeface="Microsoft Yi Baiti"/>
+        <a:font script="Tibt" typeface="Microsoft Himalaya"/>
+        <a:font script="Thaa" typeface="MV Boli"/>
+        <a:font script="Deva" typeface="Mangal"/>
+        <a:font script="Telu" typeface="Gautami"/>
+        <a:font script="Taml" typeface="Latha"/>
+        <a:font script="Syrc" typeface="Estrangelo Edessa"/>
+        <a:font script="Orya" typeface="Kalinga"/>
+        <a:font script="Mlym" typeface="Kartika"/>
+        <a:font script="Laoo" typeface="DokChampa"/>
+        <a:font script="Sinh" typeface="Iskoola Pota"/>
+        <a:font script="Mong" typeface="Mongolian Baiti"/>
+        <a:font script="Viet" typeface="Arial"/>
+        <a:font script="Uigh" typeface="Microsoft Uighur"/>
+        <a:font script="Geor" typeface="Sylfaen"/>
+      </a:minorFont>
+    </a:fontScheme>
+    <a:fmtScheme name="Office">
+      <a:fillStyleLst>
+        <a:solidFill>
+          <a:schemeClr val="phClr"/>
+        </a:solidFill>
+        <a:gradFill rotWithShape="1">
+          <a:gsLst>
+            <a:gs pos="0">
+              <a:schemeClr val="phClr">
+                <a:tint val="50000"/>
+                <a:satMod val="300000"/>
+              </a:schemeClr>
+            </a:gs>
+            <a:gs pos="35000">
+              <a:schemeClr val="phClr">
+                <a:tint val="37000"/>
+                <a:satMod val="300000"/>
+              </a:schemeClr>
+            </a:gs>
+            <a:gs pos="100000">
+              <a:schemeClr val="phClr">
+                <a:tint val="15000"/>
+                <a:satMod val="350000"/>
+              </a:schemeClr>
+            </a:gs>
+          </a:gsLst>
+          <a:lin ang="16200000" scaled="1"/>
+        </a:gradFill>
+        <a:gradFill rotWithShape="1">
+          <a:gsLst>
+            <a:gs pos="0">
+              <a:schemeClr val="phClr">
+                <a:tint val="100000"/>
+                <a:shade val="100000"/>
+                <a:satMod val="130000"/>
+              </a:schemeClr>
+            </a:gs>
+            <a:gs pos="100000">
+              <a:schemeClr val="phClr">
+                <a:tint val="50000"/>
+                <a:shade val="100000"/>
+                <a:satMod val="350000"/>
+              </a:schemeClr>
+            </a:gs>
+          </a:gsLst>
+          <a:lin ang="16200000" scaled="0"/>
+        </a:gradFill>
+      </a:fillStyleLst>
+      <a:lnStyleLst>
+        <a:ln w="9525" cap="flat" cmpd="sng" algn="ctr">
+          <a:solidFill>
+            <a:schemeClr val="phClr">
+              <a:shade val="95000"/>
+              <a:satMod val="105000"/>
+            </a:schemeClr>
+          </a:solidFill>
+          <a:prstDash val="solid"/>
+        </a:ln>
+        <a:ln w="25400" cap="flat" cmpd="sng" algn="ctr">
+          <a:solidFill>
+            <a:schemeClr val="phClr"/>
+          </a:solidFill>
+          <a:prstDash val="solid"/>
+        </a:ln>
+        <a:ln w="38100" cap="flat" cmpd="sng" algn="ctr">
+          <a:solidFill>
+            <a:schemeClr val="phClr"/>
+          </a:solidFill>
+          <a:prstDash val="solid"/>
+        </a:ln>
+      </a:lnStyleLst>
+      <a:effectStyleLst>
+        <a:effectStyle>
+          <a:effectLst>
+            <a:outerShdw blurRad="40000" dist="20000" dir="5400000" rotWithShape="0">
+              <a:srgbClr val="000000">
+                <a:alpha val="38000"/>
+              </a:srgbClr>
+            </a:outerShdw>
+          </a:effectLst>
+        </a:effectStyle>
+        <a:effectStyle>
+          <a:effectLst>
+            <a:outerShdw blurRad="40000" dist="23000" dir="5400000" rotWithShape="0">
+              <a:srgbClr val="000000">
+                <a:alpha val="35000"/>
+              </a:srgbClr>
+            </a:outerShdw>
+          </a:effectLst>
+        </a:effectStyle>
+        <a:effectStyle>
+          <a:effectLst>
+            <a:outerShdw blurRad="40000" dist="23000" dir="5400000" rotWithShape="0">
+              <a:srgbClr val="000000">
+                <a:alpha val="35000"/>
+              </a:srgbClr>
+            </a:outerShdw>
+          </a:effectLst>
+          <a:scene3d>
+            <a:camera prst="orthographicFront">
+              <a:rot lat="0" lon="0" rev="0"/>
+            </a:camera>
+            <a:lightRig rig="threePt" dir="t">
+              <a:rot lat="0" lon="0" rev="1200000"/>
+            </a:lightRig>
+          </a:scene3d>
+          <a:sp3d>
+            <a:bevelT w="63500" h="25400"/>
+          </a:sp3d>
+        </a:effectStyle>
+      </a:effectStyleLst>
+      <a:bgFillStyleLst>
+        <a:solidFill>
+          <a:schemeClr val="phClr"/>
+        </a:solidFill>
+        <a:gradFill rotWithShape="1">
+          <a:gsLst>
+            <a:gs pos="0">
+              <a:schemeClr val="phClr">
+                <a:tint val="40000"/>
+                <a:satMod val="350000"/>
+              </a:schemeClr>
+            </a:gs>
+            <a:gs pos="40000">
+              <a:schemeClr val="phClr">
+                <a:tint val="45000"/>
+                <a:shade val="99000"/>
+                <a:satMod val="350000"/>
+              </a:schemeClr>
+            </a:gs>
+            <a:gs pos="100000">
+              <a:schemeClr val="phClr">
+                <a:shade val="20000"/>
+                <a:satMod val="255000"/>
+              </a:schemeClr>
+            </a:gs>
+          </a:gsLst>
+          <a:path path="circle">
+            <a:fillToRect l="50000" t="-80000" r="50000" b="180000"/>
+          </a:path>
+        </a:gradFill>
+        <a:gradFill rotWithShape="1">
+          <a:gsLst>
+            <a:gs pos="0">
+              <a:schemeClr val="phClr">
+                <a:tint val="80000"/>
+                <a:satMod val="300000"/>
+              </a:schemeClr>
+            </a:gs>
+            <a:gs pos="100000">
+              <a:schemeClr val="phClr">
+                <a:shade val="30000"/>
+                <a:satMod val="200000"/>
+              </a:schemeClr>
+            </a:gs>
+          </a:gsLst>
+          <a:path path="circle">
+            <a:fillToRect l="50000" t="50000" r="50000" b="50000"/>
+          </a:path>
+        </a:gradFill>
+      </a:bgFillStyleLst>
+    </a:fmtScheme>
+  </a:themeElements>
+</a:theme>
+</file>
+
+<file path=ppt/theme/theme2.xml><?xml version="1.0" encoding="utf-8"?>
 <a:theme xmlns:a="http://schemas.openxmlformats.org/drawingml/2006/main" xmlns:r="http://schemas.openxmlformats.org/officeDocument/2006/relationships" name="Simple Light">
   <a:themeElements>
     <a:clrScheme name="Simple Light">
@@ -55688,7 +56298,286 @@
 </a:theme>
 </file>
 
-<file path=ppt/theme/theme2.xml><?xml version="1.0" encoding="utf-8"?>
+<file path=ppt/theme/theme3.xml><?xml version="1.0" encoding="utf-8"?>
+<a:theme xmlns:a="http://schemas.openxmlformats.org/drawingml/2006/main" xmlns:r="http://schemas.openxmlformats.org/officeDocument/2006/relationships">
+  <a:themeElements>
+    <a:clrScheme name="Default">
+      <a:dk1>
+        <a:srgbClr val="000000"/>
+      </a:dk1>
+      <a:lt1>
+        <a:srgbClr val="FFFFFF"/>
+      </a:lt1>
+      <a:dk2>
+        <a:srgbClr val="158158"/>
+      </a:dk2>
+      <a:lt2>
+        <a:srgbClr val="F3F3F3"/>
+      </a:lt2>
+      <a:accent1>
+        <a:srgbClr val="058DC7"/>
+      </a:accent1>
+      <a:accent2>
+        <a:srgbClr val="50B432"/>
+      </a:accent2>
+      <a:accent3>
+        <a:srgbClr val="ED561B"/>
+      </a:accent3>
+      <a:accent4>
+        <a:srgbClr val="EDEF00"/>
+      </a:accent4>
+      <a:accent5>
+        <a:srgbClr val="24CBE5"/>
+      </a:accent5>
+      <a:accent6>
+        <a:srgbClr val="64E572"/>
+      </a:accent6>
+      <a:hlink>
+        <a:srgbClr val="2200CC"/>
+      </a:hlink>
+      <a:folHlink>
+        <a:srgbClr val="551A8B"/>
+      </a:folHlink>
+    </a:clrScheme>
+    <a:fontScheme name="Office">
+      <a:majorFont>
+        <a:latin typeface="Arial"/>
+        <a:ea typeface=""/>
+        <a:cs typeface=""/>
+        <a:font script="Jpan" typeface="ＭＳ Ｐゴシック"/>
+        <a:font script="Hang" typeface="맑은 고딕"/>
+        <a:font script="Hans" typeface="宋体"/>
+        <a:font script="Hant" typeface="新細明體"/>
+        <a:font script="Arab" typeface="Times New Roman"/>
+        <a:font script="Hebr" typeface="Times New Roman"/>
+        <a:font script="Thai" typeface="Angsana New"/>
+        <a:font script="Ethi" typeface="Nyala"/>
+        <a:font script="Beng" typeface="Vrinda"/>
+        <a:font script="Gujr" typeface="Shruti"/>
+        <a:font script="Khmr" typeface="MoolBoran"/>
+        <a:font script="Knda" typeface="Tunga"/>
+        <a:font script="Guru" typeface="Raavi"/>
+        <a:font script="Cans" typeface="Euphemia"/>
+        <a:font script="Cher" typeface="Plantagenet Cherokee"/>
+        <a:font script="Yiii" typeface="Microsoft Yi Baiti"/>
+        <a:font script="Tibt" typeface="Microsoft Himalaya"/>
+        <a:font script="Thaa" typeface="MV Boli"/>
+        <a:font script="Deva" typeface="Mangal"/>
+        <a:font script="Telu" typeface="Gautami"/>
+        <a:font script="Taml" typeface="Latha"/>
+        <a:font script="Syrc" typeface="Estrangelo Edessa"/>
+        <a:font script="Orya" typeface="Kalinga"/>
+        <a:font script="Mlym" typeface="Kartika"/>
+        <a:font script="Laoo" typeface="DokChampa"/>
+        <a:font script="Sinh" typeface="Iskoola Pota"/>
+        <a:font script="Mong" typeface="Mongolian Baiti"/>
+        <a:font script="Viet" typeface="Times New Roman"/>
+        <a:font script="Uigh" typeface="Microsoft Uighur"/>
+        <a:font script="Geor" typeface="Sylfaen"/>
+      </a:majorFont>
+      <a:minorFont>
+        <a:latin typeface="Arial"/>
+        <a:ea typeface=""/>
+        <a:cs typeface=""/>
+        <a:font script="Jpan" typeface="ＭＳ Ｐゴシック"/>
+        <a:font script="Hang" typeface="맑은 고딕"/>
+        <a:font script="Hans" typeface="宋体"/>
+        <a:font script="Hant" typeface="新細明體"/>
+        <a:font script="Arab" typeface="Arial"/>
+        <a:font script="Hebr" typeface="Arial"/>
+        <a:font script="Thai" typeface="Cordia New"/>
+        <a:font script="Ethi" typeface="Nyala"/>
+        <a:font script="Beng" typeface="Vrinda"/>
+        <a:font script="Gujr" typeface="Shruti"/>
+        <a:font script="Khmr" typeface="DaunPenh"/>
+        <a:font script="Knda" typeface="Tunga"/>
+        <a:font script="Guru" typeface="Raavi"/>
+        <a:font script="Cans" typeface="Euphemia"/>
+        <a:font script="Cher" typeface="Plantagenet Cherokee"/>
+        <a:font script="Yiii" typeface="Microsoft Yi Baiti"/>
+        <a:font script="Tibt" typeface="Microsoft Himalaya"/>
+        <a:font script="Thaa" typeface="MV Boli"/>
+        <a:font script="Deva" typeface="Mangal"/>
+        <a:font script="Telu" typeface="Gautami"/>
+        <a:font script="Taml" typeface="Latha"/>
+        <a:font script="Syrc" typeface="Estrangelo Edessa"/>
+        <a:font script="Orya" typeface="Kalinga"/>
+        <a:font script="Mlym" typeface="Kartika"/>
+        <a:font script="Laoo" typeface="DokChampa"/>
+        <a:font script="Sinh" typeface="Iskoola Pota"/>
+        <a:font script="Mong" typeface="Mongolian Baiti"/>
+        <a:font script="Viet" typeface="Arial"/>
+        <a:font script="Uigh" typeface="Microsoft Uighur"/>
+        <a:font script="Geor" typeface="Sylfaen"/>
+      </a:minorFont>
+    </a:fontScheme>
+    <a:fmtScheme name="Office">
+      <a:fillStyleLst>
+        <a:solidFill>
+          <a:schemeClr val="phClr"/>
+        </a:solidFill>
+        <a:gradFill rotWithShape="1">
+          <a:gsLst>
+            <a:gs pos="0">
+              <a:schemeClr val="phClr">
+                <a:tint val="50000"/>
+                <a:satMod val="300000"/>
+              </a:schemeClr>
+            </a:gs>
+            <a:gs pos="35000">
+              <a:schemeClr val="phClr">
+                <a:tint val="37000"/>
+                <a:satMod val="300000"/>
+              </a:schemeClr>
+            </a:gs>
+            <a:gs pos="100000">
+              <a:schemeClr val="phClr">
+                <a:tint val="15000"/>
+                <a:satMod val="350000"/>
+              </a:schemeClr>
+            </a:gs>
+          </a:gsLst>
+          <a:lin ang="16200000" scaled="1"/>
+        </a:gradFill>
+        <a:gradFill rotWithShape="1">
+          <a:gsLst>
+            <a:gs pos="0">
+              <a:schemeClr val="phClr">
+                <a:tint val="100000"/>
+                <a:shade val="100000"/>
+                <a:satMod val="130000"/>
+              </a:schemeClr>
+            </a:gs>
+            <a:gs pos="100000">
+              <a:schemeClr val="phClr">
+                <a:tint val="50000"/>
+                <a:shade val="100000"/>
+                <a:satMod val="350000"/>
+              </a:schemeClr>
+            </a:gs>
+          </a:gsLst>
+          <a:lin ang="16200000" scaled="0"/>
+        </a:gradFill>
+      </a:fillStyleLst>
+      <a:lnStyleLst>
+        <a:ln w="9525" cap="flat" cmpd="sng" algn="ctr">
+          <a:solidFill>
+            <a:schemeClr val="phClr">
+              <a:shade val="95000"/>
+              <a:satMod val="105000"/>
+            </a:schemeClr>
+          </a:solidFill>
+          <a:prstDash val="solid"/>
+        </a:ln>
+        <a:ln w="25400" cap="flat" cmpd="sng" algn="ctr">
+          <a:solidFill>
+            <a:schemeClr val="phClr"/>
+          </a:solidFill>
+          <a:prstDash val="solid"/>
+        </a:ln>
+        <a:ln w="38100" cap="flat" cmpd="sng" algn="ctr">
+          <a:solidFill>
+            <a:schemeClr val="phClr"/>
+          </a:solidFill>
+          <a:prstDash val="solid"/>
+        </a:ln>
+      </a:lnStyleLst>
+      <a:effectStyleLst>
+        <a:effectStyle>
+          <a:effectLst>
+            <a:outerShdw blurRad="40000" dist="20000" dir="5400000" rotWithShape="0">
+              <a:srgbClr val="000000">
+                <a:alpha val="38000"/>
+              </a:srgbClr>
+            </a:outerShdw>
+          </a:effectLst>
+        </a:effectStyle>
+        <a:effectStyle>
+          <a:effectLst>
+            <a:outerShdw blurRad="40000" dist="23000" dir="5400000" rotWithShape="0">
+              <a:srgbClr val="000000">
+                <a:alpha val="35000"/>
+              </a:srgbClr>
+            </a:outerShdw>
+          </a:effectLst>
+        </a:effectStyle>
+        <a:effectStyle>
+          <a:effectLst>
+            <a:outerShdw blurRad="40000" dist="23000" dir="5400000" rotWithShape="0">
+              <a:srgbClr val="000000">
+                <a:alpha val="35000"/>
+              </a:srgbClr>
+            </a:outerShdw>
+          </a:effectLst>
+          <a:scene3d>
+            <a:camera prst="orthographicFront">
+              <a:rot lat="0" lon="0" rev="0"/>
+            </a:camera>
+            <a:lightRig rig="threePt" dir="t">
+              <a:rot lat="0" lon="0" rev="1200000"/>
+            </a:lightRig>
+          </a:scene3d>
+          <a:sp3d>
+            <a:bevelT w="63500" h="25400"/>
+          </a:sp3d>
+        </a:effectStyle>
+      </a:effectStyleLst>
+      <a:bgFillStyleLst>
+        <a:solidFill>
+          <a:schemeClr val="phClr"/>
+        </a:solidFill>
+        <a:gradFill rotWithShape="1">
+          <a:gsLst>
+            <a:gs pos="0">
+              <a:schemeClr val="phClr">
+                <a:tint val="40000"/>
+                <a:satMod val="350000"/>
+              </a:schemeClr>
+            </a:gs>
+            <a:gs pos="40000">
+              <a:schemeClr val="phClr">
+                <a:tint val="45000"/>
+                <a:shade val="99000"/>
+                <a:satMod val="350000"/>
+              </a:schemeClr>
+            </a:gs>
+            <a:gs pos="100000">
+              <a:schemeClr val="phClr">
+                <a:shade val="20000"/>
+                <a:satMod val="255000"/>
+              </a:schemeClr>
+            </a:gs>
+          </a:gsLst>
+          <a:path path="circle">
+            <a:fillToRect l="50000" t="-80000" r="50000" b="180000"/>
+          </a:path>
+        </a:gradFill>
+        <a:gradFill rotWithShape="1">
+          <a:gsLst>
+            <a:gs pos="0">
+              <a:schemeClr val="phClr">
+                <a:tint val="80000"/>
+                <a:satMod val="300000"/>
+              </a:schemeClr>
+            </a:gs>
+            <a:gs pos="100000">
+              <a:schemeClr val="phClr">
+                <a:shade val="30000"/>
+                <a:satMod val="200000"/>
+              </a:schemeClr>
+            </a:gs>
+          </a:gsLst>
+          <a:path path="circle">
+            <a:fillToRect l="50000" t="50000" r="50000" b="50000"/>
+          </a:path>
+        </a:gradFill>
+      </a:bgFillStyleLst>
+    </a:fmtScheme>
+  </a:themeElements>
+</a:theme>
+</file>
+
+<file path=ppt/theme/theme4.xml><?xml version="1.0" encoding="utf-8"?>
 <a:theme xmlns:a="http://schemas.openxmlformats.org/drawingml/2006/main" xmlns:r="http://schemas.openxmlformats.org/officeDocument/2006/relationships" name="Spearmint">
   <a:themeElements>
     <a:clrScheme name="Spearmint">
@@ -55965,562 +56854,4 @@
     </a:fmtScheme>
   </a:themeElements>
 </a:theme>
-</file>
-
-<file path=ppt/theme/theme3.xml><?xml version="1.0" encoding="utf-8"?>
-<a:theme xmlns:a="http://schemas.openxmlformats.org/drawingml/2006/main" xmlns:r="http://schemas.openxmlformats.org/officeDocument/2006/relationships" name="Spearmint">
-  <a:themeElements>
-    <a:clrScheme name="Spearmint">
-      <a:dk1>
-        <a:srgbClr val="202729"/>
-      </a:dk1>
-      <a:lt1>
-        <a:srgbClr val="FFFFFF"/>
-      </a:lt1>
-      <a:dk2>
-        <a:srgbClr val="4BA173"/>
-      </a:dk2>
-      <a:lt2>
-        <a:srgbClr val="63D297"/>
-      </a:lt2>
-      <a:accent1>
-        <a:srgbClr val="353744"/>
-      </a:accent1>
-      <a:accent2>
-        <a:srgbClr val="424242"/>
-      </a:accent2>
-      <a:accent3>
-        <a:srgbClr val="616161"/>
-      </a:accent3>
-      <a:accent4>
-        <a:srgbClr val="999999"/>
-      </a:accent4>
-      <a:accent5>
-        <a:srgbClr val="FF5252"/>
-      </a:accent5>
-      <a:accent6>
-        <a:srgbClr val="FFF176"/>
-      </a:accent6>
-      <a:hlink>
-        <a:srgbClr val="FF5252"/>
-      </a:hlink>
-      <a:folHlink>
-        <a:srgbClr val="FF5252"/>
-      </a:folHlink>
-    </a:clrScheme>
-    <a:fontScheme name="Office">
-      <a:majorFont>
-        <a:latin typeface="Arial"/>
-        <a:ea typeface=""/>
-        <a:cs typeface=""/>
-        <a:font script="Jpan" typeface="ＭＳ Ｐゴシック"/>
-        <a:font script="Hang" typeface="맑은 고딕"/>
-        <a:font script="Hans" typeface="宋体"/>
-        <a:font script="Hant" typeface="新細明體"/>
-        <a:font script="Arab" typeface="Times New Roman"/>
-        <a:font script="Hebr" typeface="Times New Roman"/>
-        <a:font script="Thai" typeface="Angsana New"/>
-        <a:font script="Ethi" typeface="Nyala"/>
-        <a:font script="Beng" typeface="Vrinda"/>
-        <a:font script="Gujr" typeface="Shruti"/>
-        <a:font script="Khmr" typeface="MoolBoran"/>
-        <a:font script="Knda" typeface="Tunga"/>
-        <a:font script="Guru" typeface="Raavi"/>
-        <a:font script="Cans" typeface="Euphemia"/>
-        <a:font script="Cher" typeface="Plantagenet Cherokee"/>
-        <a:font script="Yiii" typeface="Microsoft Yi Baiti"/>
-        <a:font script="Tibt" typeface="Microsoft Himalaya"/>
-        <a:font script="Thaa" typeface="MV Boli"/>
-        <a:font script="Deva" typeface="Mangal"/>
-        <a:font script="Telu" typeface="Gautami"/>
-        <a:font script="Taml" typeface="Latha"/>
-        <a:font script="Syrc" typeface="Estrangelo Edessa"/>
-        <a:font script="Orya" typeface="Kalinga"/>
-        <a:font script="Mlym" typeface="Kartika"/>
-        <a:font script="Laoo" typeface="DokChampa"/>
-        <a:font script="Sinh" typeface="Iskoola Pota"/>
-        <a:font script="Mong" typeface="Mongolian Baiti"/>
-        <a:font script="Viet" typeface="Times New Roman"/>
-        <a:font script="Uigh" typeface="Microsoft Uighur"/>
-        <a:font script="Geor" typeface="Sylfaen"/>
-      </a:majorFont>
-      <a:minorFont>
-        <a:latin typeface="Arial"/>
-        <a:ea typeface=""/>
-        <a:cs typeface=""/>
-        <a:font script="Jpan" typeface="ＭＳ Ｐゴシック"/>
-        <a:font script="Hang" typeface="맑은 고딕"/>
-        <a:font script="Hans" typeface="宋体"/>
-        <a:font script="Hant" typeface="新細明體"/>
-        <a:font script="Arab" typeface="Arial"/>
-        <a:font script="Hebr" typeface="Arial"/>
-        <a:font script="Thai" typeface="Cordia New"/>
-        <a:font script="Ethi" typeface="Nyala"/>
-        <a:font script="Beng" typeface="Vrinda"/>
-        <a:font script="Gujr" typeface="Shruti"/>
-        <a:font script="Khmr" typeface="DaunPenh"/>
-        <a:font script="Knda" typeface="Tunga"/>
-        <a:font script="Guru" typeface="Raavi"/>
-        <a:font script="Cans" typeface="Euphemia"/>
-        <a:font script="Cher" typeface="Plantagenet Cherokee"/>
-        <a:font script="Yiii" typeface="Microsoft Yi Baiti"/>
-        <a:font script="Tibt" typeface="Microsoft Himalaya"/>
-        <a:font script="Thaa" typeface="MV Boli"/>
-        <a:font script="Deva" typeface="Mangal"/>
-        <a:font script="Telu" typeface="Gautami"/>
-        <a:font script="Taml" typeface="Latha"/>
-        <a:font script="Syrc" typeface="Estrangelo Edessa"/>
-        <a:font script="Orya" typeface="Kalinga"/>
-        <a:font script="Mlym" typeface="Kartika"/>
-        <a:font script="Laoo" typeface="DokChampa"/>
-        <a:font script="Sinh" typeface="Iskoola Pota"/>
-        <a:font script="Mong" typeface="Mongolian Baiti"/>
-        <a:font script="Viet" typeface="Arial"/>
-        <a:font script="Uigh" typeface="Microsoft Uighur"/>
-        <a:font script="Geor" typeface="Sylfaen"/>
-      </a:minorFont>
-    </a:fontScheme>
-    <a:fmtScheme name="Office">
-      <a:fillStyleLst>
-        <a:solidFill>
-          <a:schemeClr val="phClr"/>
-        </a:solidFill>
-        <a:gradFill rotWithShape="1">
-          <a:gsLst>
-            <a:gs pos="0">
-              <a:schemeClr val="phClr">
-                <a:tint val="50000"/>
-                <a:satMod val="300000"/>
-              </a:schemeClr>
-            </a:gs>
-            <a:gs pos="35000">
-              <a:schemeClr val="phClr">
-                <a:tint val="37000"/>
-                <a:satMod val="300000"/>
-              </a:schemeClr>
-            </a:gs>
-            <a:gs pos="100000">
-              <a:schemeClr val="phClr">
-                <a:tint val="15000"/>
-                <a:satMod val="350000"/>
-              </a:schemeClr>
-            </a:gs>
-          </a:gsLst>
-          <a:lin ang="16200000" scaled="1"/>
-        </a:gradFill>
-        <a:gradFill rotWithShape="1">
-          <a:gsLst>
-            <a:gs pos="0">
-              <a:schemeClr val="phClr">
-                <a:tint val="100000"/>
-                <a:shade val="100000"/>
-                <a:satMod val="130000"/>
-              </a:schemeClr>
-            </a:gs>
-            <a:gs pos="100000">
-              <a:schemeClr val="phClr">
-                <a:tint val="50000"/>
-                <a:shade val="100000"/>
-                <a:satMod val="350000"/>
-              </a:schemeClr>
-            </a:gs>
-          </a:gsLst>
-          <a:lin ang="16200000" scaled="0"/>
-        </a:gradFill>
-      </a:fillStyleLst>
-      <a:lnStyleLst>
-        <a:ln w="9525" cap="flat" cmpd="sng" algn="ctr">
-          <a:solidFill>
-            <a:schemeClr val="phClr">
-              <a:shade val="95000"/>
-              <a:satMod val="105000"/>
-            </a:schemeClr>
-          </a:solidFill>
-          <a:prstDash val="solid"/>
-        </a:ln>
-        <a:ln w="25400" cap="flat" cmpd="sng" algn="ctr">
-          <a:solidFill>
-            <a:schemeClr val="phClr"/>
-          </a:solidFill>
-          <a:prstDash val="solid"/>
-        </a:ln>
-        <a:ln w="38100" cap="flat" cmpd="sng" algn="ctr">
-          <a:solidFill>
-            <a:schemeClr val="phClr"/>
-          </a:solidFill>
-          <a:prstDash val="solid"/>
-        </a:ln>
-      </a:lnStyleLst>
-      <a:effectStyleLst>
-        <a:effectStyle>
-          <a:effectLst>
-            <a:outerShdw blurRad="40000" dist="20000" dir="5400000" rotWithShape="0">
-              <a:srgbClr val="000000">
-                <a:alpha val="38000"/>
-              </a:srgbClr>
-            </a:outerShdw>
-          </a:effectLst>
-        </a:effectStyle>
-        <a:effectStyle>
-          <a:effectLst>
-            <a:outerShdw blurRad="40000" dist="23000" dir="5400000" rotWithShape="0">
-              <a:srgbClr val="000000">
-                <a:alpha val="35000"/>
-              </a:srgbClr>
-            </a:outerShdw>
-          </a:effectLst>
-        </a:effectStyle>
-        <a:effectStyle>
-          <a:effectLst>
-            <a:outerShdw blurRad="40000" dist="23000" dir="5400000" rotWithShape="0">
-              <a:srgbClr val="000000">
-                <a:alpha val="35000"/>
-              </a:srgbClr>
-            </a:outerShdw>
-          </a:effectLst>
-          <a:scene3d>
-            <a:camera prst="orthographicFront">
-              <a:rot lat="0" lon="0" rev="0"/>
-            </a:camera>
-            <a:lightRig rig="threePt" dir="t">
-              <a:rot lat="0" lon="0" rev="1200000"/>
-            </a:lightRig>
-          </a:scene3d>
-          <a:sp3d>
-            <a:bevelT w="63500" h="25400"/>
-          </a:sp3d>
-        </a:effectStyle>
-      </a:effectStyleLst>
-      <a:bgFillStyleLst>
-        <a:solidFill>
-          <a:schemeClr val="phClr"/>
-        </a:solidFill>
-        <a:gradFill rotWithShape="1">
-          <a:gsLst>
-            <a:gs pos="0">
-              <a:schemeClr val="phClr">
-                <a:tint val="40000"/>
-                <a:satMod val="350000"/>
-              </a:schemeClr>
-            </a:gs>
-            <a:gs pos="40000">
-              <a:schemeClr val="phClr">
-                <a:tint val="45000"/>
-                <a:shade val="99000"/>
-                <a:satMod val="350000"/>
-              </a:schemeClr>
-            </a:gs>
-            <a:gs pos="100000">
-              <a:schemeClr val="phClr">
-                <a:shade val="20000"/>
-                <a:satMod val="255000"/>
-              </a:schemeClr>
-            </a:gs>
-          </a:gsLst>
-          <a:path path="circle">
-            <a:fillToRect l="50000" t="-80000" r="50000" b="180000"/>
-          </a:path>
-        </a:gradFill>
-        <a:gradFill rotWithShape="1">
-          <a:gsLst>
-            <a:gs pos="0">
-              <a:schemeClr val="phClr">
-                <a:tint val="80000"/>
-                <a:satMod val="300000"/>
-              </a:schemeClr>
-            </a:gs>
-            <a:gs pos="100000">
-              <a:schemeClr val="phClr">
-                <a:shade val="30000"/>
-                <a:satMod val="200000"/>
-              </a:schemeClr>
-            </a:gs>
-          </a:gsLst>
-          <a:path path="circle">
-            <a:fillToRect l="50000" t="50000" r="50000" b="50000"/>
-          </a:path>
-        </a:gradFill>
-      </a:bgFillStyleLst>
-    </a:fmtScheme>
-  </a:themeElements>
-</a:theme>
-</file>
-
-<file path=ppt/theme/theme4.xml><?xml version="1.0" encoding="utf-8"?>
-<a:theme xmlns:a="http://schemas.openxmlformats.org/drawingml/2006/main" xmlns:r="http://schemas.openxmlformats.org/officeDocument/2006/relationships">
-  <a:themeElements>
-    <a:clrScheme name="Default">
-      <a:dk1>
-        <a:srgbClr val="000000"/>
-      </a:dk1>
-      <a:lt1>
-        <a:srgbClr val="FFFFFF"/>
-      </a:lt1>
-      <a:dk2>
-        <a:srgbClr val="158158"/>
-      </a:dk2>
-      <a:lt2>
-        <a:srgbClr val="F3F3F3"/>
-      </a:lt2>
-      <a:accent1>
-        <a:srgbClr val="058DC7"/>
-      </a:accent1>
-      <a:accent2>
-        <a:srgbClr val="50B432"/>
-      </a:accent2>
-      <a:accent3>
-        <a:srgbClr val="ED561B"/>
-      </a:accent3>
-      <a:accent4>
-        <a:srgbClr val="EDEF00"/>
-      </a:accent4>
-      <a:accent5>
-        <a:srgbClr val="24CBE5"/>
-      </a:accent5>
-      <a:accent6>
-        <a:srgbClr val="64E572"/>
-      </a:accent6>
-      <a:hlink>
-        <a:srgbClr val="2200CC"/>
-      </a:hlink>
-      <a:folHlink>
-        <a:srgbClr val="551A8B"/>
-      </a:folHlink>
-    </a:clrScheme>
-    <a:fontScheme name="Office">
-      <a:majorFont>
-        <a:latin typeface="Arial"/>
-        <a:ea typeface=""/>
-        <a:cs typeface=""/>
-        <a:font script="Jpan" typeface="ＭＳ Ｐゴシック"/>
-        <a:font script="Hang" typeface="맑은 고딕"/>
-        <a:font script="Hans" typeface="宋体"/>
-        <a:font script="Hant" typeface="新細明體"/>
-        <a:font script="Arab" typeface="Times New Roman"/>
-        <a:font script="Hebr" typeface="Times New Roman"/>
-        <a:font script="Thai" typeface="Angsana New"/>
-        <a:font script="Ethi" typeface="Nyala"/>
-        <a:font script="Beng" typeface="Vrinda"/>
-        <a:font script="Gujr" typeface="Shruti"/>
-        <a:font script="Khmr" typeface="MoolBoran"/>
-        <a:font script="Knda" typeface="Tunga"/>
-        <a:font script="Guru" typeface="Raavi"/>
-        <a:font script="Cans" typeface="Euphemia"/>
-        <a:font script="Cher" typeface="Plantagenet Cherokee"/>
-        <a:font script="Yiii" typeface="Microsoft Yi Baiti"/>
-        <a:font script="Tibt" typeface="Microsoft Himalaya"/>
-        <a:font script="Thaa" typeface="MV Boli"/>
-        <a:font script="Deva" typeface="Mangal"/>
-        <a:font script="Telu" typeface="Gautami"/>
-        <a:font script="Taml" typeface="Latha"/>
-        <a:font script="Syrc" typeface="Estrangelo Edessa"/>
-        <a:font script="Orya" typeface="Kalinga"/>
-        <a:font script="Mlym" typeface="Kartika"/>
-        <a:font script="Laoo" typeface="DokChampa"/>
-        <a:font script="Sinh" typeface="Iskoola Pota"/>
-        <a:font script="Mong" typeface="Mongolian Baiti"/>
-        <a:font script="Viet" typeface="Times New Roman"/>
-        <a:font script="Uigh" typeface="Microsoft Uighur"/>
-        <a:font script="Geor" typeface="Sylfaen"/>
-      </a:majorFont>
-      <a:minorFont>
-        <a:latin typeface="Arial"/>
-        <a:ea typeface=""/>
-        <a:cs typeface=""/>
-        <a:font script="Jpan" typeface="ＭＳ Ｐゴシック"/>
-        <a:font script="Hang" typeface="맑은 고딕"/>
-        <a:font script="Hans" typeface="宋体"/>
-        <a:font script="Hant" typeface="新細明體"/>
-        <a:font script="Arab" typeface="Arial"/>
-        <a:font script="Hebr" typeface="Arial"/>
-        <a:font script="Thai" typeface="Cordia New"/>
-        <a:font script="Ethi" typeface="Nyala"/>
-        <a:font script="Beng" typeface="Vrinda"/>
-        <a:font script="Gujr" typeface="Shruti"/>
-        <a:font script="Khmr" typeface="DaunPenh"/>
-        <a:font script="Knda" typeface="Tunga"/>
-        <a:font script="Guru" typeface="Raavi"/>
-        <a:font script="Cans" typeface="Euphemia"/>
-        <a:font script="Cher" typeface="Plantagenet Cherokee"/>
-        <a:font script="Yiii" typeface="Microsoft Yi Baiti"/>
-        <a:font script="Tibt" typeface="Microsoft Himalaya"/>
-        <a:font script="Thaa" typeface="MV Boli"/>
-        <a:font script="Deva" typeface="Mangal"/>
-        <a:font script="Telu" typeface="Gautami"/>
-        <a:font script="Taml" typeface="Latha"/>
-        <a:font script="Syrc" typeface="Estrangelo Edessa"/>
-        <a:font script="Orya" typeface="Kalinga"/>
-        <a:font script="Mlym" typeface="Kartika"/>
-        <a:font script="Laoo" typeface="DokChampa"/>
-        <a:font script="Sinh" typeface="Iskoola Pota"/>
-        <a:font script="Mong" typeface="Mongolian Baiti"/>
-        <a:font script="Viet" typeface="Arial"/>
-        <a:font script="Uigh" typeface="Microsoft Uighur"/>
-        <a:font script="Geor" typeface="Sylfaen"/>
-      </a:minorFont>
-    </a:fontScheme>
-    <a:fmtScheme name="Office">
-      <a:fillStyleLst>
-        <a:solidFill>
-          <a:schemeClr val="phClr"/>
-        </a:solidFill>
-        <a:gradFill rotWithShape="1">
-          <a:gsLst>
-            <a:gs pos="0">
-              <a:schemeClr val="phClr">
-                <a:tint val="50000"/>
-                <a:satMod val="300000"/>
-              </a:schemeClr>
-            </a:gs>
-            <a:gs pos="35000">
-              <a:schemeClr val="phClr">
-                <a:tint val="37000"/>
-                <a:satMod val="300000"/>
-              </a:schemeClr>
-            </a:gs>
-            <a:gs pos="100000">
-              <a:schemeClr val="phClr">
-                <a:tint val="15000"/>
-                <a:satMod val="350000"/>
-              </a:schemeClr>
-            </a:gs>
-          </a:gsLst>
-          <a:lin ang="16200000" scaled="1"/>
-        </a:gradFill>
-        <a:gradFill rotWithShape="1">
-          <a:gsLst>
-            <a:gs pos="0">
-              <a:schemeClr val="phClr">
-                <a:tint val="100000"/>
-                <a:shade val="100000"/>
-                <a:satMod val="130000"/>
-              </a:schemeClr>
-            </a:gs>
-            <a:gs pos="100000">
-              <a:schemeClr val="phClr">
-                <a:tint val="50000"/>
-                <a:shade val="100000"/>
-                <a:satMod val="350000"/>
-              </a:schemeClr>
-            </a:gs>
-          </a:gsLst>
-          <a:lin ang="16200000" scaled="0"/>
-        </a:gradFill>
-      </a:fillStyleLst>
-      <a:lnStyleLst>
-        <a:ln w="9525" cap="flat" cmpd="sng" algn="ctr">
-          <a:solidFill>
-            <a:schemeClr val="phClr">
-              <a:shade val="95000"/>
-              <a:satMod val="105000"/>
-            </a:schemeClr>
-          </a:solidFill>
-          <a:prstDash val="solid"/>
-        </a:ln>
-        <a:ln w="25400" cap="flat" cmpd="sng" algn="ctr">
-          <a:solidFill>
-            <a:schemeClr val="phClr"/>
-          </a:solidFill>
-          <a:prstDash val="solid"/>
-        </a:ln>
-        <a:ln w="38100" cap="flat" cmpd="sng" algn="ctr">
-          <a:solidFill>
-            <a:schemeClr val="phClr"/>
-          </a:solidFill>
-          <a:prstDash val="solid"/>
-        </a:ln>
-      </a:lnStyleLst>
-      <a:effectStyleLst>
-        <a:effectStyle>
-          <a:effectLst>
-            <a:outerShdw blurRad="40000" dist="20000" dir="5400000" rotWithShape="0">
-              <a:srgbClr val="000000">
-                <a:alpha val="38000"/>
-              </a:srgbClr>
-            </a:outerShdw>
-          </a:effectLst>
-        </a:effectStyle>
-        <a:effectStyle>
-          <a:effectLst>
-            <a:outerShdw blurRad="40000" dist="23000" dir="5400000" rotWithShape="0">
-              <a:srgbClr val="000000">
-                <a:alpha val="35000"/>
-              </a:srgbClr>
-            </a:outerShdw>
-          </a:effectLst>
-        </a:effectStyle>
-        <a:effectStyle>
-          <a:effectLst>
-            <a:outerShdw blurRad="40000" dist="23000" dir="5400000" rotWithShape="0">
-              <a:srgbClr val="000000">
-                <a:alpha val="35000"/>
-              </a:srgbClr>
-            </a:outerShdw>
-          </a:effectLst>
-          <a:scene3d>
-            <a:camera prst="orthographicFront">
-              <a:rot lat="0" lon="0" rev="0"/>
-            </a:camera>
-            <a:lightRig rig="threePt" dir="t">
-              <a:rot lat="0" lon="0" rev="1200000"/>
-            </a:lightRig>
-          </a:scene3d>
-          <a:sp3d>
-            <a:bevelT w="63500" h="25400"/>
-          </a:sp3d>
-        </a:effectStyle>
-      </a:effectStyleLst>
-      <a:bgFillStyleLst>
-        <a:solidFill>
-          <a:schemeClr val="phClr"/>
-        </a:solidFill>
-        <a:gradFill rotWithShape="1">
-          <a:gsLst>
-            <a:gs pos="0">
-              <a:schemeClr val="phClr">
-                <a:tint val="40000"/>
-                <a:satMod val="350000"/>
-              </a:schemeClr>
-            </a:gs>
-            <a:gs pos="40000">
-              <a:schemeClr val="phClr">
-                <a:tint val="45000"/>
-                <a:shade val="99000"/>
-                <a:satMod val="350000"/>
-              </a:schemeClr>
-            </a:gs>
-            <a:gs pos="100000">
-              <a:schemeClr val="phClr">
-                <a:shade val="20000"/>
-                <a:satMod val="255000"/>
-              </a:schemeClr>
-            </a:gs>
-          </a:gsLst>
-          <a:path path="circle">
-            <a:fillToRect l="50000" t="-80000" r="50000" b="180000"/>
-          </a:path>
-        </a:gradFill>
-        <a:gradFill rotWithShape="1">
-          <a:gsLst>
-            <a:gs pos="0">
-              <a:schemeClr val="phClr">
-                <a:tint val="80000"/>
-                <a:satMod val="300000"/>
-              </a:schemeClr>
-            </a:gs>
-            <a:gs pos="100000">
-              <a:schemeClr val="phClr">
-                <a:shade val="30000"/>
-                <a:satMod val="200000"/>
-              </a:schemeClr>
-            </a:gs>
-          </a:gsLst>
-          <a:path path="circle">
-            <a:fillToRect l="50000" t="50000" r="50000" b="50000"/>
-          </a:path>
-        </a:gradFill>
-      </a:bgFillStyleLst>
-    </a:fmtScheme>
-  </a:themeElements>
-</a:theme>
 </file>
--- a/Java e Programação Orientada a Objetos.pptx
+++ b/Java e Programação Orientada a Objetos.pptx
@@ -109,23 +109,25 @@
     <p:sldId id="352" r:id="rId104"/>
     <p:sldId id="353" r:id="rId105"/>
     <p:sldId id="354" r:id="rId106"/>
+    <p:sldId id="355" r:id="rId107"/>
+    <p:sldId id="356" r:id="rId108"/>
   </p:sldIdLst>
   <p:sldSz cy="5143500" cx="9144000"/>
   <p:notesSz cx="6858000" cy="9144000"/>
   <p:embeddedFontLst>
     <p:embeddedFont>
       <p:font typeface="Proxima Nova"/>
-      <p:regular r:id="rId107"/>
-      <p:bold r:id="rId108"/>
-      <p:italic r:id="rId109"/>
-      <p:boldItalic r:id="rId110"/>
+      <p:regular r:id="rId109"/>
+      <p:bold r:id="rId110"/>
+      <p:italic r:id="rId111"/>
+      <p:boldItalic r:id="rId112"/>
     </p:embeddedFont>
     <p:embeddedFont>
       <p:font typeface="Roboto"/>
-      <p:regular r:id="rId111"/>
-      <p:bold r:id="rId112"/>
-      <p:italic r:id="rId113"/>
-      <p:boldItalic r:id="rId114"/>
+      <p:regular r:id="rId113"/>
+      <p:bold r:id="rId114"/>
+      <p:italic r:id="rId115"/>
+      <p:boldItalic r:id="rId116"/>
     </p:embeddedFont>
   </p:embeddedFontLst>
   <p:defaultTextStyle>
@@ -1000,6 +1002,204 @@
 </p:notes>
 </file>
 
+<file path=ppt/notesSlides/notesSlide100.xml><?xml version="1.0" encoding="utf-8"?>
+<p:notes xmlns:a="http://schemas.openxmlformats.org/drawingml/2006/main" xmlns:r="http://schemas.openxmlformats.org/officeDocument/2006/relationships" xmlns:mc="http://schemas.openxmlformats.org/markup-compatibility/2006" xmlns:mv="urn:schemas-microsoft-com:mac:vml" xmlns:p="http://schemas.openxmlformats.org/presentationml/2006/main" xmlns:c="http://schemas.openxmlformats.org/drawingml/2006/chart" xmlns:dgm="http://schemas.openxmlformats.org/drawingml/2006/diagram" xmlns:o="urn:schemas-microsoft-com:office:office" xmlns:v="urn:schemas-microsoft-com:vml" xmlns:pvml="urn:schemas-microsoft-com:office:powerpoint" xmlns:com="http://schemas.openxmlformats.org/drawingml/2006/compatibility" xmlns:p14="http://schemas.microsoft.com/office/powerpoint/2010/main" xmlns:p15="http://schemas.microsoft.com/office/powerpoint/2012/main" xmlns:ahyp="http://schemas.microsoft.com/office/drawing/2018/hyperlinkcolor" showMasterPhAnim="0" showMasterSp="0">
+  <p:cSld>
+    <p:spTree>
+      <p:nvGrpSpPr>
+        <p:cNvPr id="778" name="Shape 778"/>
+        <p:cNvGrpSpPr/>
+        <p:nvPr/>
+      </p:nvGrpSpPr>
+      <p:grpSpPr>
+        <a:xfrm>
+          <a:off x="0" y="0"/>
+          <a:ext cx="0" cy="0"/>
+          <a:chOff x="0" y="0"/>
+          <a:chExt cx="0" cy="0"/>
+        </a:xfrm>
+      </p:grpSpPr>
+      <p:sp>
+        <p:nvSpPr>
+          <p:cNvPr id="779" name="Google Shape;779;g6417fa8bff_1_51:notes"/>
+          <p:cNvSpPr/>
+          <p:nvPr>
+            <p:ph idx="2" type="sldImg"/>
+          </p:nvPr>
+        </p:nvSpPr>
+        <p:spPr>
+          <a:xfrm>
+            <a:off x="381300" y="685800"/>
+            <a:ext cx="6096000" cy="3429000"/>
+          </a:xfrm>
+          <a:custGeom>
+            <a:rect b="b" l="l" r="r" t="t"/>
+            <a:pathLst>
+              <a:path extrusionOk="0" h="120000" w="120000">
+                <a:moveTo>
+                  <a:pt x="0" y="0"/>
+                </a:moveTo>
+                <a:lnTo>
+                  <a:pt x="120000" y="0"/>
+                </a:lnTo>
+                <a:lnTo>
+                  <a:pt x="120000" y="120000"/>
+                </a:lnTo>
+                <a:lnTo>
+                  <a:pt x="0" y="120000"/>
+                </a:lnTo>
+                <a:close/>
+              </a:path>
+            </a:pathLst>
+          </a:custGeom>
+        </p:spPr>
+      </p:sp>
+      <p:sp>
+        <p:nvSpPr>
+          <p:cNvPr id="780" name="Google Shape;780;g6417fa8bff_1_51:notes"/>
+          <p:cNvSpPr txBox="1"/>
+          <p:nvPr>
+            <p:ph idx="1" type="body"/>
+          </p:nvPr>
+        </p:nvSpPr>
+        <p:spPr>
+          <a:xfrm>
+            <a:off x="685800" y="4343400"/>
+            <a:ext cx="5486400" cy="4114800"/>
+          </a:xfrm>
+          <a:prstGeom prst="rect">
+            <a:avLst/>
+          </a:prstGeom>
+        </p:spPr>
+        <p:txBody>
+          <a:bodyPr anchorCtr="0" anchor="t" bIns="91425" lIns="91425" spcFirstLastPara="1" rIns="91425" wrap="square" tIns="91425">
+            <a:noAutofit/>
+          </a:bodyPr>
+          <a:lstStyle/>
+          <a:p>
+            <a:pPr indent="0" lvl="0" marL="0" rtl="0" algn="l">
+              <a:spcBef>
+                <a:spcPts val="0"/>
+              </a:spcBef>
+              <a:spcAft>
+                <a:spcPts val="0"/>
+              </a:spcAft>
+              <a:buNone/>
+            </a:pPr>
+            <a:r>
+              <a:t/>
+            </a:r>
+            <a:endParaRPr/>
+          </a:p>
+        </p:txBody>
+      </p:sp>
+    </p:spTree>
+  </p:cSld>
+  <p:clrMapOvr>
+    <a:masterClrMapping/>
+  </p:clrMapOvr>
+</p:notes>
+</file>
+
+<file path=ppt/notesSlides/notesSlide101.xml><?xml version="1.0" encoding="utf-8"?>
+<p:notes xmlns:a="http://schemas.openxmlformats.org/drawingml/2006/main" xmlns:r="http://schemas.openxmlformats.org/officeDocument/2006/relationships" xmlns:mc="http://schemas.openxmlformats.org/markup-compatibility/2006" xmlns:mv="urn:schemas-microsoft-com:mac:vml" xmlns:p="http://schemas.openxmlformats.org/presentationml/2006/main" xmlns:c="http://schemas.openxmlformats.org/drawingml/2006/chart" xmlns:dgm="http://schemas.openxmlformats.org/drawingml/2006/diagram" xmlns:o="urn:schemas-microsoft-com:office:office" xmlns:v="urn:schemas-microsoft-com:vml" xmlns:pvml="urn:schemas-microsoft-com:office:powerpoint" xmlns:com="http://schemas.openxmlformats.org/drawingml/2006/compatibility" xmlns:p14="http://schemas.microsoft.com/office/powerpoint/2010/main" xmlns:p15="http://schemas.microsoft.com/office/powerpoint/2012/main" xmlns:ahyp="http://schemas.microsoft.com/office/drawing/2018/hyperlinkcolor" showMasterPhAnim="0" showMasterSp="0">
+  <p:cSld>
+    <p:spTree>
+      <p:nvGrpSpPr>
+        <p:cNvPr id="784" name="Shape 784"/>
+        <p:cNvGrpSpPr/>
+        <p:nvPr/>
+      </p:nvGrpSpPr>
+      <p:grpSpPr>
+        <a:xfrm>
+          <a:off x="0" y="0"/>
+          <a:ext cx="0" cy="0"/>
+          <a:chOff x="0" y="0"/>
+          <a:chExt cx="0" cy="0"/>
+        </a:xfrm>
+      </p:grpSpPr>
+      <p:sp>
+        <p:nvSpPr>
+          <p:cNvPr id="785" name="Google Shape;785;gcb9a3abeb_0_37:notes"/>
+          <p:cNvSpPr/>
+          <p:nvPr>
+            <p:ph idx="2" type="sldImg"/>
+          </p:nvPr>
+        </p:nvSpPr>
+        <p:spPr>
+          <a:xfrm>
+            <a:off x="381188" y="685800"/>
+            <a:ext cx="6096300" cy="3429000"/>
+          </a:xfrm>
+          <a:custGeom>
+            <a:rect b="b" l="l" r="r" t="t"/>
+            <a:pathLst>
+              <a:path extrusionOk="0" h="120000" w="120000">
+                <a:moveTo>
+                  <a:pt x="0" y="0"/>
+                </a:moveTo>
+                <a:lnTo>
+                  <a:pt x="120000" y="0"/>
+                </a:lnTo>
+                <a:lnTo>
+                  <a:pt x="120000" y="120000"/>
+                </a:lnTo>
+                <a:lnTo>
+                  <a:pt x="0" y="120000"/>
+                </a:lnTo>
+                <a:close/>
+              </a:path>
+            </a:pathLst>
+          </a:custGeom>
+        </p:spPr>
+      </p:sp>
+      <p:sp>
+        <p:nvSpPr>
+          <p:cNvPr id="786" name="Google Shape;786;gcb9a3abeb_0_37:notes"/>
+          <p:cNvSpPr txBox="1"/>
+          <p:nvPr>
+            <p:ph idx="1" type="body"/>
+          </p:nvPr>
+        </p:nvSpPr>
+        <p:spPr>
+          <a:xfrm>
+            <a:off x="685800" y="4343400"/>
+            <a:ext cx="5486400" cy="4114800"/>
+          </a:xfrm>
+          <a:prstGeom prst="rect">
+            <a:avLst/>
+          </a:prstGeom>
+        </p:spPr>
+        <p:txBody>
+          <a:bodyPr anchorCtr="0" anchor="t" bIns="91425" lIns="91425" spcFirstLastPara="1" rIns="91425" wrap="square" tIns="91425">
+            <a:noAutofit/>
+          </a:bodyPr>
+          <a:lstStyle/>
+          <a:p>
+            <a:pPr indent="0" lvl="0" marL="0" rtl="0" algn="l">
+              <a:spcBef>
+                <a:spcPts val="0"/>
+              </a:spcBef>
+              <a:spcAft>
+                <a:spcPts val="0"/>
+              </a:spcAft>
+              <a:buNone/>
+            </a:pPr>
+            <a:r>
+              <a:t/>
+            </a:r>
+            <a:endParaRPr/>
+          </a:p>
+        </p:txBody>
+      </p:sp>
+    </p:spTree>
+  </p:cSld>
+  <p:clrMapOvr>
+    <a:masterClrMapping/>
+  </p:clrMapOvr>
+</p:notes>
+</file>
+
 <file path=ppt/notesSlides/notesSlide11.xml><?xml version="1.0" encoding="utf-8"?>
 <p:notes xmlns:a="http://schemas.openxmlformats.org/drawingml/2006/main" xmlns:r="http://schemas.openxmlformats.org/officeDocument/2006/relationships" xmlns:mc="http://schemas.openxmlformats.org/markup-compatibility/2006" xmlns:mv="urn:schemas-microsoft-com:mac:vml" xmlns:p="http://schemas.openxmlformats.org/presentationml/2006/main" xmlns:c="http://schemas.openxmlformats.org/drawingml/2006/chart" xmlns:dgm="http://schemas.openxmlformats.org/drawingml/2006/diagram" xmlns:o="urn:schemas-microsoft-com:office:office" xmlns:v="urn:schemas-microsoft-com:vml" xmlns:pvml="urn:schemas-microsoft-com:office:powerpoint" xmlns:com="http://schemas.openxmlformats.org/drawingml/2006/compatibility" xmlns:p14="http://schemas.microsoft.com/office/powerpoint/2010/main" xmlns:p15="http://schemas.microsoft.com/office/powerpoint/2012/main" xmlns:ahyp="http://schemas.microsoft.com/office/drawing/2018/hyperlinkcolor" showMasterPhAnim="0" showMasterSp="0">
   <p:cSld>
@@ -10028,7 +10228,7 @@
       </p:grpSpPr>
       <p:sp>
         <p:nvSpPr>
-          <p:cNvPr id="743" name="Google Shape;743;gba966b53ee_0_0:notes"/>
+          <p:cNvPr id="743" name="Google Shape;743;gba966b53ee_0_7:notes"/>
           <p:cNvSpPr/>
           <p:nvPr>
             <p:ph idx="2" type="sldImg"/>
@@ -10063,7 +10263,7 @@
       </p:sp>
       <p:sp>
         <p:nvSpPr>
-          <p:cNvPr id="744" name="Google Shape;744;gba966b53ee_0_0:notes"/>
+          <p:cNvPr id="744" name="Google Shape;744;gba966b53ee_0_7:notes"/>
           <p:cNvSpPr txBox="1"/>
           <p:nvPr>
             <p:ph idx="1" type="body"/>
@@ -10127,7 +10327,7 @@
       </p:grpSpPr>
       <p:sp>
         <p:nvSpPr>
-          <p:cNvPr id="749" name="Google Shape;749;g6417fa8bff_0_82:notes"/>
+          <p:cNvPr id="749" name="Google Shape;749;gba966b53ee_0_0:notes"/>
           <p:cNvSpPr/>
           <p:nvPr>
             <p:ph idx="2" type="sldImg"/>
@@ -10162,7 +10362,7 @@
       </p:sp>
       <p:sp>
         <p:nvSpPr>
-          <p:cNvPr id="750" name="Google Shape;750;g6417fa8bff_0_82:notes"/>
+          <p:cNvPr id="750" name="Google Shape;750;gba966b53ee_0_0:notes"/>
           <p:cNvSpPr txBox="1"/>
           <p:nvPr>
             <p:ph idx="1" type="body"/>
@@ -10226,7 +10426,7 @@
       </p:grpSpPr>
       <p:sp>
         <p:nvSpPr>
-          <p:cNvPr id="755" name="Google Shape;755;g6417fa8bff_1_44:notes"/>
+          <p:cNvPr id="755" name="Google Shape;755;gba966b53ee_0_14:notes"/>
           <p:cNvSpPr/>
           <p:nvPr>
             <p:ph idx="2" type="sldImg"/>
@@ -10261,7 +10461,7 @@
       </p:sp>
       <p:sp>
         <p:nvSpPr>
-          <p:cNvPr id="756" name="Google Shape;756;g6417fa8bff_1_44:notes"/>
+          <p:cNvPr id="756" name="Google Shape;756;gba966b53ee_0_14:notes"/>
           <p:cNvSpPr txBox="1"/>
           <p:nvPr>
             <p:ph idx="1" type="body"/>
@@ -10325,7 +10525,7 @@
       </p:grpSpPr>
       <p:sp>
         <p:nvSpPr>
-          <p:cNvPr id="761" name="Google Shape;761;g6417fa8bff_1_62:notes"/>
+          <p:cNvPr id="761" name="Google Shape;761;g6417fa8bff_0_82:notes"/>
           <p:cNvSpPr/>
           <p:nvPr>
             <p:ph idx="2" type="sldImg"/>
@@ -10360,7 +10560,7 @@
       </p:sp>
       <p:sp>
         <p:nvSpPr>
-          <p:cNvPr id="762" name="Google Shape;762;g6417fa8bff_1_62:notes"/>
+          <p:cNvPr id="762" name="Google Shape;762;g6417fa8bff_0_82:notes"/>
           <p:cNvSpPr txBox="1"/>
           <p:nvPr>
             <p:ph idx="1" type="body"/>
@@ -10424,7 +10624,7 @@
       </p:grpSpPr>
       <p:sp>
         <p:nvSpPr>
-          <p:cNvPr id="767" name="Google Shape;767;g6417fa8bff_1_51:notes"/>
+          <p:cNvPr id="767" name="Google Shape;767;g6417fa8bff_1_44:notes"/>
           <p:cNvSpPr/>
           <p:nvPr>
             <p:ph idx="2" type="sldImg"/>
@@ -10459,7 +10659,7 @@
       </p:sp>
       <p:sp>
         <p:nvSpPr>
-          <p:cNvPr id="768" name="Google Shape;768;g6417fa8bff_1_51:notes"/>
+          <p:cNvPr id="768" name="Google Shape;768;g6417fa8bff_1_44:notes"/>
           <p:cNvSpPr txBox="1"/>
           <p:nvPr>
             <p:ph idx="1" type="body"/>
@@ -10523,7 +10723,7 @@
       </p:grpSpPr>
       <p:sp>
         <p:nvSpPr>
-          <p:cNvPr id="773" name="Google Shape;773;gcb9a3abeb_0_37:notes"/>
+          <p:cNvPr id="773" name="Google Shape;773;g6417fa8bff_1_62:notes"/>
           <p:cNvSpPr/>
           <p:nvPr>
             <p:ph idx="2" type="sldImg"/>
@@ -10531,8 +10731,8 @@
         </p:nvSpPr>
         <p:spPr>
           <a:xfrm>
-            <a:off x="381188" y="685800"/>
-            <a:ext cx="6096300" cy="3429000"/>
+            <a:off x="381300" y="685800"/>
+            <a:ext cx="6096000" cy="3429000"/>
           </a:xfrm>
           <a:custGeom>
             <a:rect b="b" l="l" r="r" t="t"/>
@@ -10558,7 +10758,7 @@
       </p:sp>
       <p:sp>
         <p:nvSpPr>
-          <p:cNvPr id="774" name="Google Shape;774;gcb9a3abeb_0_37:notes"/>
+          <p:cNvPr id="774" name="Google Shape;774;g6417fa8bff_1_62:notes"/>
           <p:cNvSpPr txBox="1"/>
           <p:nvPr>
             <p:ph idx="1" type="body"/>
@@ -26333,6 +26533,249 @@
 </p:sld>
 </file>
 
+<file path=ppt/slides/slide100.xml><?xml version="1.0" encoding="utf-8"?>
+<p:sld xmlns:a="http://schemas.openxmlformats.org/drawingml/2006/main" xmlns:r="http://schemas.openxmlformats.org/officeDocument/2006/relationships" xmlns:mc="http://schemas.openxmlformats.org/markup-compatibility/2006" xmlns:mv="urn:schemas-microsoft-com:mac:vml" xmlns:p="http://schemas.openxmlformats.org/presentationml/2006/main" xmlns:c="http://schemas.openxmlformats.org/drawingml/2006/chart" xmlns:dgm="http://schemas.openxmlformats.org/drawingml/2006/diagram" xmlns:o="urn:schemas-microsoft-com:office:office" xmlns:v="urn:schemas-microsoft-com:vml" xmlns:pvml="urn:schemas-microsoft-com:office:powerpoint" xmlns:com="http://schemas.openxmlformats.org/drawingml/2006/compatibility" xmlns:p14="http://schemas.microsoft.com/office/powerpoint/2010/main" xmlns:p15="http://schemas.microsoft.com/office/powerpoint/2012/main" xmlns:ahyp="http://schemas.microsoft.com/office/drawing/2018/hyperlinkcolor">
+  <p:cSld>
+    <p:spTree>
+      <p:nvGrpSpPr>
+        <p:cNvPr id="781" name="Shape 781"/>
+        <p:cNvGrpSpPr/>
+        <p:nvPr/>
+      </p:nvGrpSpPr>
+      <p:grpSpPr>
+        <a:xfrm>
+          <a:off x="0" y="0"/>
+          <a:ext cx="0" cy="0"/>
+          <a:chOff x="0" y="0"/>
+          <a:chExt cx="0" cy="0"/>
+        </a:xfrm>
+      </p:grpSpPr>
+      <p:sp>
+        <p:nvSpPr>
+          <p:cNvPr id="782" name="Google Shape;782;p136"/>
+          <p:cNvSpPr txBox="1"/>
+          <p:nvPr>
+            <p:ph type="title"/>
+          </p:nvPr>
+        </p:nvSpPr>
+        <p:spPr>
+          <a:xfrm>
+            <a:off x="311700" y="445025"/>
+            <a:ext cx="8520600" cy="572700"/>
+          </a:xfrm>
+          <a:prstGeom prst="rect">
+            <a:avLst/>
+          </a:prstGeom>
+        </p:spPr>
+        <p:txBody>
+          <a:bodyPr anchorCtr="0" anchor="t" bIns="91425" lIns="91425" spcFirstLastPara="1" rIns="91425" wrap="square" tIns="91425">
+            <a:noAutofit/>
+          </a:bodyPr>
+          <a:lstStyle/>
+          <a:p>
+            <a:pPr indent="0" lvl="0" marL="0" rtl="0" algn="l">
+              <a:spcBef>
+                <a:spcPts val="0"/>
+              </a:spcBef>
+              <a:spcAft>
+                <a:spcPts val="0"/>
+              </a:spcAft>
+              <a:buNone/>
+            </a:pPr>
+            <a:r>
+              <a:rPr lang="en" sz="3600"/>
+              <a:t>Service Layer</a:t>
+            </a:r>
+            <a:endParaRPr sz="3600"/>
+          </a:p>
+        </p:txBody>
+      </p:sp>
+      <p:sp>
+        <p:nvSpPr>
+          <p:cNvPr id="783" name="Google Shape;783;p136"/>
+          <p:cNvSpPr txBox="1"/>
+          <p:nvPr>
+            <p:ph idx="1" type="body"/>
+          </p:nvPr>
+        </p:nvSpPr>
+        <p:spPr>
+          <a:xfrm>
+            <a:off x="311700" y="1396375"/>
+            <a:ext cx="8668500" cy="3172500"/>
+          </a:xfrm>
+          <a:prstGeom prst="rect">
+            <a:avLst/>
+          </a:prstGeom>
+        </p:spPr>
+        <p:txBody>
+          <a:bodyPr anchorCtr="0" anchor="t" bIns="91425" lIns="91425" spcFirstLastPara="1" rIns="91425" wrap="square" tIns="91425">
+            <a:noAutofit/>
+          </a:bodyPr>
+          <a:lstStyle/>
+          <a:p>
+            <a:pPr indent="0" lvl="0" marL="0" rtl="0" algn="l">
+              <a:spcBef>
+                <a:spcPts val="0"/>
+              </a:spcBef>
+              <a:spcAft>
+                <a:spcPts val="0"/>
+              </a:spcAft>
+              <a:buNone/>
+            </a:pPr>
+            <a:r>
+              <a:rPr lang="en">
+                <a:solidFill>
+                  <a:srgbClr val="666666"/>
+                </a:solidFill>
+              </a:rPr>
+              <a:t>A Camada de serviço é um padrão para organizar a lógica de negócios. Está acima da camada do DAO. </a:t>
+            </a:r>
+            <a:endParaRPr>
+              <a:solidFill>
+                <a:srgbClr val="666666"/>
+              </a:solidFill>
+            </a:endParaRPr>
+          </a:p>
+          <a:p>
+            <a:pPr indent="0" lvl="0" marL="0" rtl="0" algn="l">
+              <a:spcBef>
+                <a:spcPts val="0"/>
+              </a:spcBef>
+              <a:spcAft>
+                <a:spcPts val="0"/>
+              </a:spcAft>
+              <a:buNone/>
+            </a:pPr>
+            <a:r>
+              <a:t/>
+            </a:r>
+            <a:endParaRPr>
+              <a:solidFill>
+                <a:srgbClr val="666666"/>
+              </a:solidFill>
+            </a:endParaRPr>
+          </a:p>
+          <a:p>
+            <a:pPr indent="0" lvl="0" marL="0" rtl="0" algn="l">
+              <a:spcBef>
+                <a:spcPts val="0"/>
+              </a:spcBef>
+              <a:spcAft>
+                <a:spcPts val="0"/>
+              </a:spcAft>
+              <a:buNone/>
+            </a:pPr>
+            <a:r>
+              <a:rPr lang="en">
+                <a:solidFill>
+                  <a:srgbClr val="666666"/>
+                </a:solidFill>
+              </a:rPr>
+              <a:t>Ela encapsula a lógica de negócios da aplicação, controlando transações e coordenando respostas na implementação de suas operações.</a:t>
+            </a:r>
+            <a:endParaRPr>
+              <a:solidFill>
+                <a:srgbClr val="666666"/>
+              </a:solidFill>
+            </a:endParaRPr>
+          </a:p>
+          <a:p>
+            <a:pPr indent="0" lvl="0" marL="0" rtl="0" algn="l">
+              <a:spcBef>
+                <a:spcPts val="0"/>
+              </a:spcBef>
+              <a:spcAft>
+                <a:spcPts val="0"/>
+              </a:spcAft>
+              <a:buNone/>
+            </a:pPr>
+            <a:r>
+              <a:t/>
+            </a:r>
+            <a:endParaRPr>
+              <a:solidFill>
+                <a:srgbClr val="666666"/>
+              </a:solidFill>
+              <a:highlight>
+                <a:srgbClr val="FFFFFF"/>
+              </a:highlight>
+            </a:endParaRPr>
+          </a:p>
+        </p:txBody>
+      </p:sp>
+    </p:spTree>
+  </p:cSld>
+  <p:clrMapOvr>
+    <a:masterClrMapping/>
+  </p:clrMapOvr>
+</p:sld>
+</file>
+
+<file path=ppt/slides/slide101.xml><?xml version="1.0" encoding="utf-8"?>
+<p:sld xmlns:a="http://schemas.openxmlformats.org/drawingml/2006/main" xmlns:r="http://schemas.openxmlformats.org/officeDocument/2006/relationships" xmlns:mc="http://schemas.openxmlformats.org/markup-compatibility/2006" xmlns:mv="urn:schemas-microsoft-com:mac:vml" xmlns:p="http://schemas.openxmlformats.org/presentationml/2006/main" xmlns:c="http://schemas.openxmlformats.org/drawingml/2006/chart" xmlns:dgm="http://schemas.openxmlformats.org/drawingml/2006/diagram" xmlns:o="urn:schemas-microsoft-com:office:office" xmlns:v="urn:schemas-microsoft-com:vml" xmlns:pvml="urn:schemas-microsoft-com:office:powerpoint" xmlns:com="http://schemas.openxmlformats.org/drawingml/2006/compatibility" xmlns:p14="http://schemas.microsoft.com/office/powerpoint/2010/main" xmlns:p15="http://schemas.microsoft.com/office/powerpoint/2012/main" xmlns:ahyp="http://schemas.microsoft.com/office/drawing/2018/hyperlinkcolor">
+  <p:cSld>
+    <p:spTree>
+      <p:nvGrpSpPr>
+        <p:cNvPr id="787" name="Shape 787"/>
+        <p:cNvGrpSpPr/>
+        <p:nvPr/>
+      </p:nvGrpSpPr>
+      <p:grpSpPr>
+        <a:xfrm>
+          <a:off x="0" y="0"/>
+          <a:ext cx="0" cy="0"/>
+          <a:chOff x="0" y="0"/>
+          <a:chExt cx="0" cy="0"/>
+        </a:xfrm>
+      </p:grpSpPr>
+      <p:sp>
+        <p:nvSpPr>
+          <p:cNvPr id="788" name="Google Shape;788;p137"/>
+          <p:cNvSpPr txBox="1"/>
+          <p:nvPr>
+            <p:ph type="title"/>
+          </p:nvPr>
+        </p:nvSpPr>
+        <p:spPr>
+          <a:xfrm>
+            <a:off x="490250" y="526350"/>
+            <a:ext cx="5797500" cy="4090800"/>
+          </a:xfrm>
+          <a:prstGeom prst="rect">
+            <a:avLst/>
+          </a:prstGeom>
+        </p:spPr>
+        <p:txBody>
+          <a:bodyPr anchorCtr="0" anchor="ctr" bIns="91425" lIns="91425" spcFirstLastPara="1" rIns="91425" wrap="square" tIns="91425">
+            <a:noAutofit/>
+          </a:bodyPr>
+          <a:lstStyle/>
+          <a:p>
+            <a:pPr indent="0" lvl="0" marL="0" rtl="0" algn="l">
+              <a:spcBef>
+                <a:spcPts val="0"/>
+              </a:spcBef>
+              <a:spcAft>
+                <a:spcPts val="0"/>
+              </a:spcAft>
+              <a:buNone/>
+            </a:pPr>
+            <a:r>
+              <a:rPr lang="en"/>
+              <a:t>Obrigada :)</a:t>
+            </a:r>
+            <a:endParaRPr sz="4800"/>
+          </a:p>
+        </p:txBody>
+      </p:sp>
+    </p:spTree>
+  </p:cSld>
+  <p:clrMapOvr>
+    <a:masterClrMapping/>
+  </p:clrMapOvr>
+</p:sld>
+</file>
+
 <file path=ppt/slides/slide11.xml><?xml version="1.0" encoding="utf-8"?>
 <p:sld xmlns:a="http://schemas.openxmlformats.org/drawingml/2006/main" xmlns:r="http://schemas.openxmlformats.org/officeDocument/2006/relationships" xmlns:mc="http://schemas.openxmlformats.org/markup-compatibility/2006" xmlns:mv="urn:schemas-microsoft-com:mac:vml" xmlns:p="http://schemas.openxmlformats.org/presentationml/2006/main" xmlns:c="http://schemas.openxmlformats.org/drawingml/2006/chart" xmlns:dgm="http://schemas.openxmlformats.org/drawingml/2006/diagram" xmlns:o="urn:schemas-microsoft-com:office:office" xmlns:v="urn:schemas-microsoft-com:vml" xmlns:pvml="urn:schemas-microsoft-com:office:powerpoint" xmlns:com="http://schemas.openxmlformats.org/drawingml/2006/compatibility" xmlns:p14="http://schemas.microsoft.com/office/powerpoint/2010/main" xmlns:p15="http://schemas.microsoft.com/office/powerpoint/2012/main" xmlns:ahyp="http://schemas.microsoft.com/office/drawing/2018/hyperlinkcolor">
   <p:cSld>
@@ -54606,7 +55049,7 @@
         </p:nvSpPr>
         <p:spPr>
           <a:xfrm>
-            <a:off x="311700" y="1396375"/>
+            <a:off x="375825" y="1203975"/>
             <a:ext cx="8668500" cy="3172500"/>
           </a:xfrm>
           <a:prstGeom prst="rect">
@@ -54637,7 +55080,7 @@
                   <a:srgbClr val="FFFFFF"/>
                 </a:highlight>
               </a:rPr>
-              <a:t>Implemente a classe Gerente como subclasse da classe Empregado Comissionado. </a:t>
+              <a:t>Implemente a classe Empregado Comissionado como subclasse da classe Empregado. </a:t>
             </a:r>
             <a:endParaRPr>
               <a:solidFill>
@@ -54667,7 +55110,7 @@
                   <a:srgbClr val="FFFFFF"/>
                 </a:highlight>
               </a:rPr>
-              <a:t>Um determinado Gerente tem como atributos, além dos atributos da classe Pessoa, classe Empregado e Empregado Comissionado, o atributo ajuda de custo (ajudas referentes a viagens, estadias, ...), uma lista de vendedores sob sua gerência e percentual de comissão. </a:t>
+              <a:t>Um determinado empregado comissionado tem como atributos, além dos atributos da classe Pessoa e da classe Empregado, </a:t>
             </a:r>
             <a:endParaRPr>
               <a:solidFill>
@@ -54697,7 +55140,7 @@
                   <a:srgbClr val="FFFFFF"/>
                 </a:highlight>
               </a:rPr>
-              <a:t>Note que deverá redefinir na classe Gerente o método herdado para calcular o salário (o salário de um Gerente é equivalente ao salário de um empregado usual acrescido da ajuda de custo, mais o valor referente ao percentual de comissão sobre as vendas de seus vendedores menos os impostos). </a:t>
+              <a:t>o atributo valor dos produtos vendidos (que corresponde ao valor monetário dos artigos efetivamente vendidos por ele) e </a:t>
             </a:r>
             <a:endParaRPr>
               <a:solidFill>
@@ -54727,7 +55170,67 @@
                   <a:srgbClr val="FFFFFF"/>
                 </a:highlight>
               </a:rPr>
-              <a:t>Escreva um programa de teste adequado para esta classe.</a:t>
+              <a:t>comissão (corresponde à porcentagem do valor sobre as vendas de produtos que será somado ao valor do salário base do vendedor, </a:t>
+            </a:r>
+            <a:endParaRPr>
+              <a:solidFill>
+                <a:srgbClr val="666666"/>
+              </a:solidFill>
+              <a:highlight>
+                <a:srgbClr val="FFFFFF"/>
+              </a:highlight>
+            </a:endParaRPr>
+          </a:p>
+          <a:p>
+            <a:pPr indent="0" lvl="0" marL="0" rtl="0" algn="l">
+              <a:spcBef>
+                <a:spcPts val="0"/>
+              </a:spcBef>
+              <a:spcAft>
+                <a:spcPts val="0"/>
+              </a:spcAft>
+              <a:buNone/>
+            </a:pPr>
+            <a:r>
+              <a:rPr lang="en">
+                <a:solidFill>
+                  <a:srgbClr val="666666"/>
+                </a:solidFill>
+                <a:highlight>
+                  <a:srgbClr val="FFFFFF"/>
+                </a:highlight>
+              </a:rPr>
+              <a:t>o imposto deve ser descontado do total, salário base + comissão). </a:t>
+            </a:r>
+            <a:endParaRPr>
+              <a:solidFill>
+                <a:srgbClr val="666666"/>
+              </a:solidFill>
+              <a:highlight>
+                <a:srgbClr val="FFFFFF"/>
+              </a:highlight>
+            </a:endParaRPr>
+          </a:p>
+          <a:p>
+            <a:pPr indent="0" lvl="0" marL="0" rtl="0" algn="l">
+              <a:spcBef>
+                <a:spcPts val="0"/>
+              </a:spcBef>
+              <a:spcAft>
+                <a:spcPts val="0"/>
+              </a:spcAft>
+              <a:buNone/>
+            </a:pPr>
+            <a:r>
+              <a:rPr lang="en">
+                <a:solidFill>
+                  <a:srgbClr val="666666"/>
+                </a:solidFill>
+                <a:highlight>
+                  <a:srgbClr val="FFFFFF"/>
+                </a:highlight>
+              </a:rPr>
+              <a:t>Note que deverá redefinir nesta subclasse o método herdado para calcular o salário. Escreva um programa de teste adequado para esta classe.</a:t>
             </a:r>
             <a:endParaRPr>
               <a:solidFill>
@@ -54821,7 +55324,7 @@
             </a:pPr>
             <a:r>
               <a:rPr lang="en" sz="3600"/>
-              <a:t>Interface</a:t>
+              <a:t>Exercício</a:t>
             </a:r>
             <a:endParaRPr sz="3600"/>
           </a:p>
@@ -54868,7 +55371,7 @@
                   <a:srgbClr val="FFFFFF"/>
                 </a:highlight>
               </a:rPr>
-              <a:t>As interfaces são padrões definidos através de contratos ou especificações. Um contrato define um determinado conjunto de métodos que serão implementados nas classes que assinarem esse contrato.</a:t>
+              <a:t>Implemente a classe Gerente como subclasse da classe Empregado Comissionado. </a:t>
             </a:r>
             <a:endParaRPr>
               <a:solidFill>
@@ -54890,7 +55393,15 @@
               <a:buNone/>
             </a:pPr>
             <a:r>
-              <a:t/>
+              <a:rPr lang="en">
+                <a:solidFill>
+                  <a:srgbClr val="666666"/>
+                </a:solidFill>
+                <a:highlight>
+                  <a:srgbClr val="FFFFFF"/>
+                </a:highlight>
+              </a:rPr>
+              <a:t>Um determinado Gerente tem como atributos, além dos atributos da classe Pessoa, classe Empregado e Empregado Comissionado, o atributo ajuda de custo (ajudas referentes a viagens, estadias, ...), uma lista de vendedores sob sua gerência e percentual de comissão. </a:t>
             </a:r>
             <a:endParaRPr>
               <a:solidFill>
@@ -54920,7 +55431,37 @@
                   <a:srgbClr val="FFFFFF"/>
                 </a:highlight>
               </a:rPr>
-              <a:t>Dentro das interfaces existem somente assinaturas de métodos e propriedades, cabendo à classe que a utilizará realizar a implementação das assinaturas, dando comportamentos práticos aos métodos.</a:t>
+              <a:t>Note que deverá redefinir na classe Gerente o método herdado para calcular o salário (o salário de um Gerente é equivalente ao salário de um empregado usual acrescido da ajuda de custo, mais o valor referente ao percentual de comissão sobre as vendas de seus vendedores menos os impostos). </a:t>
+            </a:r>
+            <a:endParaRPr>
+              <a:solidFill>
+                <a:srgbClr val="666666"/>
+              </a:solidFill>
+              <a:highlight>
+                <a:srgbClr val="FFFFFF"/>
+              </a:highlight>
+            </a:endParaRPr>
+          </a:p>
+          <a:p>
+            <a:pPr indent="0" lvl="0" marL="0" rtl="0" algn="l">
+              <a:spcBef>
+                <a:spcPts val="0"/>
+              </a:spcBef>
+              <a:spcAft>
+                <a:spcPts val="0"/>
+              </a:spcAft>
+              <a:buNone/>
+            </a:pPr>
+            <a:r>
+              <a:rPr lang="en">
+                <a:solidFill>
+                  <a:srgbClr val="666666"/>
+                </a:solidFill>
+                <a:highlight>
+                  <a:srgbClr val="FFFFFF"/>
+                </a:highlight>
+              </a:rPr>
+              <a:t>Escreva um programa de teste adequado para esta classe.</a:t>
             </a:r>
             <a:endParaRPr>
               <a:solidFill>
@@ -55014,7 +55555,7 @@
             </a:pPr>
             <a:r>
               <a:rPr lang="en" sz="3600"/>
-              <a:t>Generics</a:t>
+              <a:t>Exercício</a:t>
             </a:r>
             <a:endParaRPr sz="3600"/>
           </a:p>
@@ -55053,17 +55594,23 @@
               <a:buNone/>
             </a:pPr>
             <a:r>
-              <a:rPr lang="en">
+              <a:rPr lang="en" sz="1400">
                 <a:solidFill>
                   <a:srgbClr val="666666"/>
                 </a:solidFill>
-              </a:rPr>
-              <a:t>Generics permitem que tipos (classes e interfaces) sejam parâmetros ao definir classes, interfaces e métodos. Assim como os parâmetros formais mais familiares usados ​​nas declarações de método, os parâmetros de tipo fornecem uma maneira de reutilizar o mesmo código com entradas diferentes. A diferença é que as entradas para parâmetros formais são valores, enquanto as entradas para digitar parâmetros são tipos.</a:t>
-            </a:r>
-            <a:endParaRPr>
+                <a:highlight>
+                  <a:srgbClr val="FFFFFF"/>
+                </a:highlight>
+              </a:rPr>
+              <a:t>Crie uma classe abstrata Conta Bancária que contém como atributos o número da conta e o saldo, </a:t>
+            </a:r>
+            <a:endParaRPr sz="1400">
               <a:solidFill>
                 <a:srgbClr val="666666"/>
               </a:solidFill>
+              <a:highlight>
+                <a:srgbClr val="FFFFFF"/>
+              </a:highlight>
             </a:endParaRPr>
           </a:p>
           <a:p>
@@ -55077,12 +55624,23 @@
               <a:buNone/>
             </a:pPr>
             <a:r>
-              <a:t/>
-            </a:r>
-            <a:endParaRPr>
+              <a:rPr lang="en" sz="1400">
+                <a:solidFill>
+                  <a:srgbClr val="666666"/>
+                </a:solidFill>
+                <a:highlight>
+                  <a:srgbClr val="FFFFFF"/>
+                </a:highlight>
+              </a:rPr>
+              <a:t>e como métodos abstratos sacar e depositar que recebem um parâmetro do tipo Bigdecimal. </a:t>
+            </a:r>
+            <a:endParaRPr sz="1400">
               <a:solidFill>
                 <a:srgbClr val="666666"/>
               </a:solidFill>
+              <a:highlight>
+                <a:srgbClr val="FFFFFF"/>
+              </a:highlight>
             </a:endParaRPr>
           </a:p>
           <a:p>
@@ -55096,114 +55654,23 @@
               <a:buNone/>
             </a:pPr>
             <a:r>
-              <a:rPr lang="en" sz="1200">
-                <a:solidFill>
-                  <a:schemeClr val="lt1"/>
+              <a:rPr lang="en" sz="1400">
+                <a:solidFill>
+                  <a:srgbClr val="666666"/>
                 </a:solidFill>
                 <a:highlight>
-                  <a:srgbClr val="253A44"/>
+                  <a:srgbClr val="FFFFFF"/>
                 </a:highlight>
-                <a:latin typeface="Courier New"/>
-                <a:ea typeface="Courier New"/>
-                <a:cs typeface="Courier New"/>
-                <a:sym typeface="Courier New"/>
-              </a:rPr>
-              <a:t>List&lt;Integer&gt; list = new ArrayList&lt;&gt;();</a:t>
-            </a:r>
-            <a:endParaRPr sz="1200">
-              <a:solidFill>
-                <a:schemeClr val="lt1"/>
-              </a:solidFill>
-              <a:highlight>
-                <a:srgbClr val="253A44"/>
-              </a:highlight>
-              <a:latin typeface="Courier New"/>
-              <a:ea typeface="Courier New"/>
-              <a:cs typeface="Courier New"/>
-              <a:sym typeface="Courier New"/>
-            </a:endParaRPr>
-          </a:p>
-          <a:p>
-            <a:pPr indent="0" lvl="0" marL="0" rtl="0" algn="l">
-              <a:spcBef>
-                <a:spcPts val="0"/>
-              </a:spcBef>
-              <a:spcAft>
-                <a:spcPts val="0"/>
-              </a:spcAft>
-              <a:buNone/>
-            </a:pPr>
-            <a:r>
-              <a:t/>
-            </a:r>
-            <a:endParaRPr sz="1200">
-              <a:solidFill>
-                <a:schemeClr val="lt1"/>
-              </a:solidFill>
-              <a:highlight>
-                <a:srgbClr val="253A44"/>
-              </a:highlight>
-              <a:latin typeface="Courier New"/>
-              <a:ea typeface="Courier New"/>
-              <a:cs typeface="Courier New"/>
-              <a:sym typeface="Courier New"/>
-            </a:endParaRPr>
-          </a:p>
-          <a:p>
-            <a:pPr indent="0" lvl="0" marL="0" rtl="0" algn="l">
-              <a:spcBef>
-                <a:spcPts val="0"/>
-              </a:spcBef>
-              <a:spcAft>
-                <a:spcPts val="0"/>
-              </a:spcAft>
-              <a:buNone/>
-            </a:pPr>
-            <a:r>
-              <a:rPr lang="en" sz="1000">
-                <a:solidFill>
-                  <a:schemeClr val="lt1"/>
-                </a:solidFill>
-                <a:highlight>
-                  <a:srgbClr val="253A44"/>
-                </a:highlight>
-                <a:latin typeface="Courier New"/>
-                <a:ea typeface="Courier New"/>
-                <a:cs typeface="Courier New"/>
-                <a:sym typeface="Courier New"/>
-              </a:rPr>
-              <a:t>public abstract class JpaCrudServiceImpl&lt;T, ID extends Serializable, Y&gt; implements JpaCrudService&lt;T, ID, Y&gt; {}</a:t>
-            </a:r>
-            <a:endParaRPr sz="1000">
-              <a:solidFill>
-                <a:schemeClr val="lt1"/>
-              </a:solidFill>
-              <a:highlight>
-                <a:srgbClr val="253A44"/>
-              </a:highlight>
-              <a:latin typeface="Courier New"/>
-              <a:ea typeface="Courier New"/>
-              <a:cs typeface="Courier New"/>
-              <a:sym typeface="Courier New"/>
-            </a:endParaRPr>
-          </a:p>
-          <a:p>
-            <a:pPr indent="0" lvl="0" marL="0" rtl="0" algn="l">
-              <a:spcBef>
-                <a:spcPts val="0"/>
-              </a:spcBef>
-              <a:spcAft>
-                <a:spcPts val="0"/>
-              </a:spcAft>
-              <a:buNone/>
-            </a:pPr>
-            <a:r>
-              <a:t/>
-            </a:r>
-            <a:endParaRPr sz="1200">
+              </a:rPr>
+              <a:t>Crie as classes Conta Corrente e Conta Poupança que herdam da Conta Bancária. </a:t>
+            </a:r>
+            <a:endParaRPr sz="1400">
               <a:solidFill>
                 <a:srgbClr val="666666"/>
               </a:solidFill>
+              <a:highlight>
+                <a:srgbClr val="FFFFFF"/>
+              </a:highlight>
             </a:endParaRPr>
           </a:p>
           <a:p>
@@ -55217,12 +55684,23 @@
               <a:buNone/>
             </a:pPr>
             <a:r>
-              <a:t/>
-            </a:r>
-            <a:endParaRPr sz="1200">
+              <a:rPr lang="en" sz="1400">
+                <a:solidFill>
+                  <a:srgbClr val="666666"/>
+                </a:solidFill>
+                <a:highlight>
+                  <a:srgbClr val="FFFFFF"/>
+                </a:highlight>
+              </a:rPr>
+              <a:t>A  Conta Poupança possui um atributo Taxa De Operação que é descontado sempre que um saque e um depósito são feitos. </a:t>
+            </a:r>
+            <a:endParaRPr sz="1400">
               <a:solidFill>
                 <a:srgbClr val="666666"/>
               </a:solidFill>
+              <a:highlight>
+                <a:srgbClr val="FFFFFF"/>
+              </a:highlight>
             </a:endParaRPr>
           </a:p>
           <a:p>
@@ -55236,12 +55714,135 @@
               <a:buNone/>
             </a:pPr>
             <a:r>
-              <a:t/>
-            </a:r>
-            <a:endParaRPr>
+              <a:rPr lang="en" sz="1400">
+                <a:solidFill>
+                  <a:srgbClr val="666666"/>
+                </a:solidFill>
+                <a:highlight>
+                  <a:srgbClr val="FFFFFF"/>
+                </a:highlight>
+              </a:rPr>
+              <a:t>A  Conta Corrente possui um atributo limite que dá crédito a mais para o correntista caso ele precise sacar mais que o saldo. </a:t>
+            </a:r>
+            <a:endParaRPr sz="1400">
               <a:solidFill>
                 <a:srgbClr val="666666"/>
               </a:solidFill>
+              <a:highlight>
+                <a:srgbClr val="FFFFFF"/>
+              </a:highlight>
+            </a:endParaRPr>
+          </a:p>
+          <a:p>
+            <a:pPr indent="0" lvl="0" marL="0" rtl="0" algn="l">
+              <a:spcBef>
+                <a:spcPts val="0"/>
+              </a:spcBef>
+              <a:spcAft>
+                <a:spcPts val="0"/>
+              </a:spcAft>
+              <a:buNone/>
+            </a:pPr>
+            <a:r>
+              <a:rPr lang="en" sz="1400">
+                <a:solidFill>
+                  <a:srgbClr val="666666"/>
+                </a:solidFill>
+                <a:highlight>
+                  <a:srgbClr val="FFFFFF"/>
+                </a:highlight>
+              </a:rPr>
+              <a:t>Neste caso, o saldo pode ficar negativo desde que não ultrapasse o limite. Contudo isso não pode acontecer na classe Conta Poupança. </a:t>
+            </a:r>
+            <a:endParaRPr sz="1400">
+              <a:solidFill>
+                <a:srgbClr val="666666"/>
+              </a:solidFill>
+              <a:highlight>
+                <a:srgbClr val="FFFFFF"/>
+              </a:highlight>
+            </a:endParaRPr>
+          </a:p>
+          <a:p>
+            <a:pPr indent="0" lvl="0" marL="0" rtl="0" algn="l">
+              <a:spcBef>
+                <a:spcPts val="0"/>
+              </a:spcBef>
+              <a:spcAft>
+                <a:spcPts val="0"/>
+              </a:spcAft>
+              <a:buNone/>
+            </a:pPr>
+            <a:r>
+              <a:rPr lang="en" sz="1400">
+                <a:solidFill>
+                  <a:srgbClr val="666666"/>
+                </a:solidFill>
+                <a:highlight>
+                  <a:srgbClr val="FFFFFF"/>
+                </a:highlight>
+              </a:rPr>
+              <a:t>Crie uma classe executável para testar as operações contas (uma de cada tipo), credita algum valor para elas,  efetua um saque </a:t>
+            </a:r>
+            <a:endParaRPr sz="1400">
+              <a:solidFill>
+                <a:srgbClr val="666666"/>
+              </a:solidFill>
+              <a:highlight>
+                <a:srgbClr val="FFFFFF"/>
+              </a:highlight>
+            </a:endParaRPr>
+          </a:p>
+          <a:p>
+            <a:pPr indent="0" lvl="0" marL="0" rtl="0" algn="l">
+              <a:spcBef>
+                <a:spcPts val="0"/>
+              </a:spcBef>
+              <a:spcAft>
+                <a:spcPts val="0"/>
+              </a:spcAft>
+              <a:buNone/>
+            </a:pPr>
+            <a:r>
+              <a:rPr lang="en" sz="1400">
+                <a:solidFill>
+                  <a:srgbClr val="666666"/>
+                </a:solidFill>
+                <a:highlight>
+                  <a:srgbClr val="FFFFFF"/>
+                </a:highlight>
+              </a:rPr>
+              <a:t>(obs: no objeto conta corrente, faça um saque maior que o saldo atual).</a:t>
+            </a:r>
+            <a:endParaRPr sz="1400">
+              <a:solidFill>
+                <a:srgbClr val="666666"/>
+              </a:solidFill>
+              <a:highlight>
+                <a:srgbClr val="FFFFFF"/>
+              </a:highlight>
+            </a:endParaRPr>
+          </a:p>
+          <a:p>
+            <a:pPr indent="0" lvl="0" marL="0" rtl="0" algn="l">
+              <a:spcBef>
+                <a:spcPts val="0"/>
+              </a:spcBef>
+              <a:spcAft>
+                <a:spcPts val="0"/>
+              </a:spcAft>
+              <a:buNone/>
+            </a:pPr>
+            <a:r>
+              <a:t/>
+            </a:r>
+            <a:endParaRPr sz="1400">
+              <a:solidFill>
+                <a:srgbClr val="666666"/>
+              </a:solidFill>
+              <a:highlight>
+                <a:srgbClr val="FFFFFF"/>
+              </a:highlight>
             </a:endParaRPr>
           </a:p>
         </p:txBody>
@@ -55305,7 +55906,7 @@
             </a:pPr>
             <a:r>
               <a:rPr lang="en" sz="3600"/>
-              <a:t>DAO Pattern</a:t>
+              <a:t>Interface</a:t>
             </a:r>
             <a:endParaRPr sz="3600"/>
           </a:p>
@@ -55322,7 +55923,7 @@
         <p:spPr>
           <a:xfrm>
             <a:off x="311700" y="1396375"/>
-            <a:ext cx="8668500" cy="3438000"/>
+            <a:ext cx="8668500" cy="3172500"/>
           </a:xfrm>
           <a:prstGeom prst="rect">
             <a:avLst/>
@@ -55344,119 +55945,17 @@
               <a:buNone/>
             </a:pPr>
             <a:r>
-              <a:rPr lang="en" sz="1700">
+              <a:rPr lang="en">
                 <a:solidFill>
                   <a:srgbClr val="666666"/>
                 </a:solidFill>
-              </a:rPr>
-              <a:t>O padrão DAO é definido no livro "Core J2EE Patterns" como: "o padrão utilizado para abstrair e encapsular todos os acessos ao data source. O DAO gerencia a conexão com o data source para obter e armazenar informações."</a:t>
-            </a:r>
-            <a:endParaRPr sz="1700">
-              <a:solidFill>
-                <a:srgbClr val="666666"/>
-              </a:solidFill>
-            </a:endParaRPr>
-          </a:p>
-          <a:p>
-            <a:pPr indent="0" lvl="0" marL="0" rtl="0" algn="l">
-              <a:spcBef>
-                <a:spcPts val="0"/>
-              </a:spcBef>
-              <a:spcAft>
-                <a:spcPts val="0"/>
-              </a:spcAft>
-              <a:buNone/>
-            </a:pPr>
-            <a:r>
-              <a:t/>
-            </a:r>
-            <a:endParaRPr sz="1700">
-              <a:solidFill>
-                <a:srgbClr val="666666"/>
-              </a:solidFill>
-            </a:endParaRPr>
-          </a:p>
-          <a:p>
-            <a:pPr indent="0" lvl="0" marL="0" rtl="0" algn="l">
-              <a:spcBef>
-                <a:spcPts val="0"/>
-              </a:spcBef>
-              <a:spcAft>
-                <a:spcPts val="0"/>
-              </a:spcAft>
-              <a:buNone/>
-            </a:pPr>
-            <a:r>
-              <a:rPr lang="en" sz="1700">
-                <a:solidFill>
-                  <a:srgbClr val="666666"/>
-                </a:solidFill>
-              </a:rPr>
-              <a:t>É um padrão estrutural que permite isolar a camada da aplicação/negócios da camada de persistência (geralmente um banco de dados relacional, mas pode ser qualquer outro mecanismo de persistência) usando uma API abstrata.</a:t>
-            </a:r>
-            <a:endParaRPr sz="1700">
-              <a:solidFill>
-                <a:srgbClr val="666666"/>
-              </a:solidFill>
-            </a:endParaRPr>
-          </a:p>
-          <a:p>
-            <a:pPr indent="0" lvl="0" marL="0" rtl="0" algn="l">
-              <a:spcBef>
-                <a:spcPts val="0"/>
-              </a:spcBef>
-              <a:spcAft>
-                <a:spcPts val="0"/>
-              </a:spcAft>
-              <a:buNone/>
-            </a:pPr>
-            <a:r>
-              <a:t/>
-            </a:r>
-            <a:endParaRPr sz="1700">
-              <a:solidFill>
-                <a:srgbClr val="666666"/>
-              </a:solidFill>
-            </a:endParaRPr>
-          </a:p>
-          <a:p>
-            <a:pPr indent="0" lvl="0" marL="0" rtl="0" algn="l">
-              <a:spcBef>
-                <a:spcPts val="0"/>
-              </a:spcBef>
-              <a:spcAft>
-                <a:spcPts val="0"/>
-              </a:spcAft>
-              <a:buNone/>
-            </a:pPr>
-            <a:r>
-              <a:rPr lang="en" sz="1700">
-                <a:solidFill>
-                  <a:srgbClr val="666666"/>
-                </a:solidFill>
-              </a:rPr>
-              <a:t>A funcionalidade dessa API é ocultar da aplicação todas as complexidades envolvidas na execução de operações CRUD no mecanismo de armazenamento. Isso permite que ambas as camadas evoluam separadamente sem saber nada uma da outra.</a:t>
-            </a:r>
-            <a:endParaRPr sz="1700">
-              <a:solidFill>
-                <a:srgbClr val="666666"/>
-              </a:solidFill>
-            </a:endParaRPr>
-          </a:p>
-          <a:p>
-            <a:pPr indent="0" lvl="0" marL="0" rtl="0" algn="l">
-              <a:spcBef>
-                <a:spcPts val="0"/>
-              </a:spcBef>
-              <a:spcAft>
-                <a:spcPts val="0"/>
-              </a:spcAft>
-              <a:buNone/>
-            </a:pPr>
-            <a:r>
-              <a:t/>
-            </a:r>
-            <a:endParaRPr sz="1700">
+                <a:highlight>
+                  <a:srgbClr val="FFFFFF"/>
+                </a:highlight>
+              </a:rPr>
+              <a:t>As interfaces são padrões definidos através de contratos ou especificações. Um contrato define um determinado conjunto de métodos que serão implementados nas classes que assinarem esse contrato.</a:t>
+            </a:r>
+            <a:endParaRPr>
               <a:solidFill>
                 <a:srgbClr val="666666"/>
               </a:solidFill>
@@ -55478,7 +55977,59 @@
             <a:r>
               <a:t/>
             </a:r>
-            <a:endParaRPr sz="1700">
+            <a:endParaRPr>
+              <a:solidFill>
+                <a:srgbClr val="666666"/>
+              </a:solidFill>
+              <a:highlight>
+                <a:srgbClr val="FFFFFF"/>
+              </a:highlight>
+            </a:endParaRPr>
+          </a:p>
+          <a:p>
+            <a:pPr indent="0" lvl="0" marL="0" rtl="0" algn="l">
+              <a:spcBef>
+                <a:spcPts val="0"/>
+              </a:spcBef>
+              <a:spcAft>
+                <a:spcPts val="0"/>
+              </a:spcAft>
+              <a:buNone/>
+            </a:pPr>
+            <a:r>
+              <a:rPr lang="en">
+                <a:solidFill>
+                  <a:srgbClr val="666666"/>
+                </a:solidFill>
+                <a:highlight>
+                  <a:srgbClr val="FFFFFF"/>
+                </a:highlight>
+              </a:rPr>
+              <a:t>Dentro das interfaces existem somente assinaturas de métodos e propriedades, cabendo à classe que a utilizará realizar a implementação das assinaturas, dando comportamentos práticos aos métodos.</a:t>
+            </a:r>
+            <a:endParaRPr>
+              <a:solidFill>
+                <a:srgbClr val="666666"/>
+              </a:solidFill>
+              <a:highlight>
+                <a:srgbClr val="FFFFFF"/>
+              </a:highlight>
+            </a:endParaRPr>
+          </a:p>
+          <a:p>
+            <a:pPr indent="0" lvl="0" marL="0" rtl="0" algn="l">
+              <a:spcBef>
+                <a:spcPts val="0"/>
+              </a:spcBef>
+              <a:spcAft>
+                <a:spcPts val="0"/>
+              </a:spcAft>
+              <a:buNone/>
+            </a:pPr>
+            <a:r>
+              <a:t/>
+            </a:r>
+            <a:endParaRPr>
               <a:solidFill>
                 <a:srgbClr val="666666"/>
               </a:solidFill>
@@ -55548,7 +56099,7 @@
             </a:pPr>
             <a:r>
               <a:rPr lang="en" sz="3600"/>
-              <a:t>Service Layer</a:t>
+              <a:t>Generics</a:t>
             </a:r>
             <a:endParaRPr sz="3600"/>
           </a:p>
@@ -55592,7 +56143,7 @@
                   <a:srgbClr val="666666"/>
                 </a:solidFill>
               </a:rPr>
-              <a:t>A Camada de serviço é um padrão para organizar a lógica de negócios. Está acima da camada do DAO. </a:t>
+              <a:t>Generics permitem que tipos (classes e interfaces) sejam parâmetros ao definir classes, interfaces e métodos. Assim como os parâmetros formais mais familiares usados ​​nas declarações de método, os parâmetros de tipo fornecem uma maneira de reutilizar o mesmo código com entradas diferentes. A diferença é que as entradas para parâmetros formais são valores, enquanto as entradas para digitar parâmetros são tipos.</a:t>
             </a:r>
             <a:endParaRPr>
               <a:solidFill>
@@ -55630,39 +56181,152 @@
               <a:buNone/>
             </a:pPr>
             <a:r>
-              <a:rPr lang="en">
-                <a:solidFill>
-                  <a:srgbClr val="666666"/>
-                </a:solidFill>
-              </a:rPr>
-              <a:t>Ela encapsula a lógica de negócios da aplicação, controlando transações e coordenando respostas na implementação de suas operações.</a:t>
+              <a:rPr lang="en" sz="1200">
+                <a:solidFill>
+                  <a:schemeClr val="lt1"/>
+                </a:solidFill>
+                <a:highlight>
+                  <a:srgbClr val="253A44"/>
+                </a:highlight>
+                <a:latin typeface="Courier New"/>
+                <a:ea typeface="Courier New"/>
+                <a:cs typeface="Courier New"/>
+                <a:sym typeface="Courier New"/>
+              </a:rPr>
+              <a:t>List&lt;Integer&gt; list = new ArrayList&lt;&gt;();</a:t>
+            </a:r>
+            <a:endParaRPr sz="1200">
+              <a:solidFill>
+                <a:schemeClr val="lt1"/>
+              </a:solidFill>
+              <a:highlight>
+                <a:srgbClr val="253A44"/>
+              </a:highlight>
+              <a:latin typeface="Courier New"/>
+              <a:ea typeface="Courier New"/>
+              <a:cs typeface="Courier New"/>
+              <a:sym typeface="Courier New"/>
+            </a:endParaRPr>
+          </a:p>
+          <a:p>
+            <a:pPr indent="0" lvl="0" marL="0" rtl="0" algn="l">
+              <a:spcBef>
+                <a:spcPts val="0"/>
+              </a:spcBef>
+              <a:spcAft>
+                <a:spcPts val="0"/>
+              </a:spcAft>
+              <a:buNone/>
+            </a:pPr>
+            <a:r>
+              <a:t/>
+            </a:r>
+            <a:endParaRPr sz="1200">
+              <a:solidFill>
+                <a:schemeClr val="lt1"/>
+              </a:solidFill>
+              <a:highlight>
+                <a:srgbClr val="253A44"/>
+              </a:highlight>
+              <a:latin typeface="Courier New"/>
+              <a:ea typeface="Courier New"/>
+              <a:cs typeface="Courier New"/>
+              <a:sym typeface="Courier New"/>
+            </a:endParaRPr>
+          </a:p>
+          <a:p>
+            <a:pPr indent="0" lvl="0" marL="0" rtl="0" algn="l">
+              <a:spcBef>
+                <a:spcPts val="0"/>
+              </a:spcBef>
+              <a:spcAft>
+                <a:spcPts val="0"/>
+              </a:spcAft>
+              <a:buNone/>
+            </a:pPr>
+            <a:r>
+              <a:rPr lang="en" sz="1000">
+                <a:solidFill>
+                  <a:schemeClr val="lt1"/>
+                </a:solidFill>
+                <a:highlight>
+                  <a:srgbClr val="253A44"/>
+                </a:highlight>
+                <a:latin typeface="Courier New"/>
+                <a:ea typeface="Courier New"/>
+                <a:cs typeface="Courier New"/>
+                <a:sym typeface="Courier New"/>
+              </a:rPr>
+              <a:t>public abstract class JpaCrudServiceImpl&lt;T, ID extends Serializable, Y&gt; implements JpaCrudService&lt;T, ID, Y&gt; {}</a:t>
+            </a:r>
+            <a:endParaRPr sz="1000">
+              <a:solidFill>
+                <a:schemeClr val="lt1"/>
+              </a:solidFill>
+              <a:highlight>
+                <a:srgbClr val="253A44"/>
+              </a:highlight>
+              <a:latin typeface="Courier New"/>
+              <a:ea typeface="Courier New"/>
+              <a:cs typeface="Courier New"/>
+              <a:sym typeface="Courier New"/>
+            </a:endParaRPr>
+          </a:p>
+          <a:p>
+            <a:pPr indent="0" lvl="0" marL="0" rtl="0" algn="l">
+              <a:spcBef>
+                <a:spcPts val="0"/>
+              </a:spcBef>
+              <a:spcAft>
+                <a:spcPts val="0"/>
+              </a:spcAft>
+              <a:buNone/>
+            </a:pPr>
+            <a:r>
+              <a:t/>
+            </a:r>
+            <a:endParaRPr sz="1200">
+              <a:solidFill>
+                <a:srgbClr val="666666"/>
+              </a:solidFill>
+            </a:endParaRPr>
+          </a:p>
+          <a:p>
+            <a:pPr indent="0" lvl="0" marL="0" rtl="0" algn="l">
+              <a:spcBef>
+                <a:spcPts val="0"/>
+              </a:spcBef>
+              <a:spcAft>
+                <a:spcPts val="0"/>
+              </a:spcAft>
+              <a:buNone/>
+            </a:pPr>
+            <a:r>
+              <a:t/>
+            </a:r>
+            <a:endParaRPr sz="1200">
+              <a:solidFill>
+                <a:srgbClr val="666666"/>
+              </a:solidFill>
+            </a:endParaRPr>
+          </a:p>
+          <a:p>
+            <a:pPr indent="0" lvl="0" marL="0" rtl="0" algn="l">
+              <a:spcBef>
+                <a:spcPts val="0"/>
+              </a:spcBef>
+              <a:spcAft>
+                <a:spcPts val="0"/>
+              </a:spcAft>
+              <a:buNone/>
+            </a:pPr>
+            <a:r>
+              <a:t/>
             </a:r>
             <a:endParaRPr>
               <a:solidFill>
                 <a:srgbClr val="666666"/>
               </a:solidFill>
-            </a:endParaRPr>
-          </a:p>
-          <a:p>
-            <a:pPr indent="0" lvl="0" marL="0" rtl="0" algn="l">
-              <a:spcBef>
-                <a:spcPts val="0"/>
-              </a:spcBef>
-              <a:spcAft>
-                <a:spcPts val="0"/>
-              </a:spcAft>
-              <a:buNone/>
-            </a:pPr>
-            <a:r>
-              <a:t/>
-            </a:r>
-            <a:endParaRPr>
-              <a:solidFill>
-                <a:srgbClr val="666666"/>
-              </a:solidFill>
-              <a:highlight>
-                <a:srgbClr val="FFFFFF"/>
-              </a:highlight>
             </a:endParaRPr>
           </a:p>
         </p:txBody>
@@ -55702,15 +56366,15 @@
         </p:nvSpPr>
         <p:spPr>
           <a:xfrm>
-            <a:off x="490250" y="526350"/>
-            <a:ext cx="5797500" cy="4090800"/>
+            <a:off x="311700" y="445025"/>
+            <a:ext cx="8520600" cy="572700"/>
           </a:xfrm>
           <a:prstGeom prst="rect">
             <a:avLst/>
           </a:prstGeom>
         </p:spPr>
         <p:txBody>
-          <a:bodyPr anchorCtr="0" anchor="ctr" bIns="91425" lIns="91425" spcFirstLastPara="1" rIns="91425" wrap="square" tIns="91425">
+          <a:bodyPr anchorCtr="0" anchor="t" bIns="91425" lIns="91425" spcFirstLastPara="1" rIns="91425" wrap="square" tIns="91425">
             <a:noAutofit/>
           </a:bodyPr>
           <a:lstStyle/>
@@ -55725,10 +56389,188 @@
               <a:buNone/>
             </a:pPr>
             <a:r>
-              <a:rPr lang="en"/>
-              <a:t>Obrigada :)</a:t>
-            </a:r>
-            <a:endParaRPr sz="4800"/>
+              <a:rPr lang="en" sz="3600"/>
+              <a:t>DAO Pattern</a:t>
+            </a:r>
+            <a:endParaRPr sz="3600"/>
+          </a:p>
+        </p:txBody>
+      </p:sp>
+      <p:sp>
+        <p:nvSpPr>
+          <p:cNvPr id="777" name="Google Shape;777;p135"/>
+          <p:cNvSpPr txBox="1"/>
+          <p:nvPr>
+            <p:ph idx="1" type="body"/>
+          </p:nvPr>
+        </p:nvSpPr>
+        <p:spPr>
+          <a:xfrm>
+            <a:off x="311700" y="1396375"/>
+            <a:ext cx="8668500" cy="3438000"/>
+          </a:xfrm>
+          <a:prstGeom prst="rect">
+            <a:avLst/>
+          </a:prstGeom>
+        </p:spPr>
+        <p:txBody>
+          <a:bodyPr anchorCtr="0" anchor="t" bIns="91425" lIns="91425" spcFirstLastPara="1" rIns="91425" wrap="square" tIns="91425">
+            <a:noAutofit/>
+          </a:bodyPr>
+          <a:lstStyle/>
+          <a:p>
+            <a:pPr indent="0" lvl="0" marL="0" rtl="0" algn="l">
+              <a:spcBef>
+                <a:spcPts val="0"/>
+              </a:spcBef>
+              <a:spcAft>
+                <a:spcPts val="0"/>
+              </a:spcAft>
+              <a:buNone/>
+            </a:pPr>
+            <a:r>
+              <a:rPr lang="en" sz="1700">
+                <a:solidFill>
+                  <a:srgbClr val="666666"/>
+                </a:solidFill>
+              </a:rPr>
+              <a:t>O padrão DAO é definido no livro "Core J2EE Patterns" como: "o padrão utilizado para abstrair e encapsular todos os acessos ao data source. O DAO gerencia a conexão com o data source para obter e armazenar informações."</a:t>
+            </a:r>
+            <a:endParaRPr sz="1700">
+              <a:solidFill>
+                <a:srgbClr val="666666"/>
+              </a:solidFill>
+            </a:endParaRPr>
+          </a:p>
+          <a:p>
+            <a:pPr indent="0" lvl="0" marL="0" rtl="0" algn="l">
+              <a:spcBef>
+                <a:spcPts val="0"/>
+              </a:spcBef>
+              <a:spcAft>
+                <a:spcPts val="0"/>
+              </a:spcAft>
+              <a:buNone/>
+            </a:pPr>
+            <a:r>
+              <a:t/>
+            </a:r>
+            <a:endParaRPr sz="1700">
+              <a:solidFill>
+                <a:srgbClr val="666666"/>
+              </a:solidFill>
+            </a:endParaRPr>
+          </a:p>
+          <a:p>
+            <a:pPr indent="0" lvl="0" marL="0" rtl="0" algn="l">
+              <a:spcBef>
+                <a:spcPts val="0"/>
+              </a:spcBef>
+              <a:spcAft>
+                <a:spcPts val="0"/>
+              </a:spcAft>
+              <a:buNone/>
+            </a:pPr>
+            <a:r>
+              <a:rPr lang="en" sz="1700">
+                <a:solidFill>
+                  <a:srgbClr val="666666"/>
+                </a:solidFill>
+              </a:rPr>
+              <a:t>É um padrão estrutural que permite isolar a camada da aplicação/negócios da camada de persistência (geralmente um banco de dados relacional, mas pode ser qualquer outro mecanismo de persistência) usando uma API abstrata.</a:t>
+            </a:r>
+            <a:endParaRPr sz="1700">
+              <a:solidFill>
+                <a:srgbClr val="666666"/>
+              </a:solidFill>
+            </a:endParaRPr>
+          </a:p>
+          <a:p>
+            <a:pPr indent="0" lvl="0" marL="0" rtl="0" algn="l">
+              <a:spcBef>
+                <a:spcPts val="0"/>
+              </a:spcBef>
+              <a:spcAft>
+                <a:spcPts val="0"/>
+              </a:spcAft>
+              <a:buNone/>
+            </a:pPr>
+            <a:r>
+              <a:t/>
+            </a:r>
+            <a:endParaRPr sz="1700">
+              <a:solidFill>
+                <a:srgbClr val="666666"/>
+              </a:solidFill>
+            </a:endParaRPr>
+          </a:p>
+          <a:p>
+            <a:pPr indent="0" lvl="0" marL="0" rtl="0" algn="l">
+              <a:spcBef>
+                <a:spcPts val="0"/>
+              </a:spcBef>
+              <a:spcAft>
+                <a:spcPts val="0"/>
+              </a:spcAft>
+              <a:buNone/>
+            </a:pPr>
+            <a:r>
+              <a:rPr lang="en" sz="1700">
+                <a:solidFill>
+                  <a:srgbClr val="666666"/>
+                </a:solidFill>
+              </a:rPr>
+              <a:t>A funcionalidade dessa API é ocultar da aplicação todas as complexidades envolvidas na execução de operações CRUD no mecanismo de armazenamento. Isso permite que ambas as camadas evoluam separadamente sem saber nada uma da outra.</a:t>
+            </a:r>
+            <a:endParaRPr sz="1700">
+              <a:solidFill>
+                <a:srgbClr val="666666"/>
+              </a:solidFill>
+            </a:endParaRPr>
+          </a:p>
+          <a:p>
+            <a:pPr indent="0" lvl="0" marL="0" rtl="0" algn="l">
+              <a:spcBef>
+                <a:spcPts val="0"/>
+              </a:spcBef>
+              <a:spcAft>
+                <a:spcPts val="0"/>
+              </a:spcAft>
+              <a:buNone/>
+            </a:pPr>
+            <a:r>
+              <a:t/>
+            </a:r>
+            <a:endParaRPr sz="1700">
+              <a:solidFill>
+                <a:srgbClr val="666666"/>
+              </a:solidFill>
+              <a:highlight>
+                <a:srgbClr val="FFFFFF"/>
+              </a:highlight>
+            </a:endParaRPr>
+          </a:p>
+          <a:p>
+            <a:pPr indent="0" lvl="0" marL="0" rtl="0" algn="l">
+              <a:spcBef>
+                <a:spcPts val="0"/>
+              </a:spcBef>
+              <a:spcAft>
+                <a:spcPts val="0"/>
+              </a:spcAft>
+              <a:buNone/>
+            </a:pPr>
+            <a:r>
+              <a:t/>
+            </a:r>
+            <a:endParaRPr sz="1700">
+              <a:solidFill>
+                <a:srgbClr val="666666"/>
+              </a:solidFill>
+              <a:highlight>
+                <a:srgbClr val="FFFFFF"/>
+              </a:highlight>
+            </a:endParaRPr>
           </a:p>
         </p:txBody>
       </p:sp>
@@ -56020,6 +56862,285 @@
 </file>
 
 <file path=ppt/theme/theme2.xml><?xml version="1.0" encoding="utf-8"?>
+<a:theme xmlns:a="http://schemas.openxmlformats.org/drawingml/2006/main" xmlns:r="http://schemas.openxmlformats.org/officeDocument/2006/relationships" name="Spearmint">
+  <a:themeElements>
+    <a:clrScheme name="Spearmint">
+      <a:dk1>
+        <a:srgbClr val="202729"/>
+      </a:dk1>
+      <a:lt1>
+        <a:srgbClr val="FFFFFF"/>
+      </a:lt1>
+      <a:dk2>
+        <a:srgbClr val="4BA173"/>
+      </a:dk2>
+      <a:lt2>
+        <a:srgbClr val="63D297"/>
+      </a:lt2>
+      <a:accent1>
+        <a:srgbClr val="353744"/>
+      </a:accent1>
+      <a:accent2>
+        <a:srgbClr val="424242"/>
+      </a:accent2>
+      <a:accent3>
+        <a:srgbClr val="616161"/>
+      </a:accent3>
+      <a:accent4>
+        <a:srgbClr val="999999"/>
+      </a:accent4>
+      <a:accent5>
+        <a:srgbClr val="FF5252"/>
+      </a:accent5>
+      <a:accent6>
+        <a:srgbClr val="FFF176"/>
+      </a:accent6>
+      <a:hlink>
+        <a:srgbClr val="FF5252"/>
+      </a:hlink>
+      <a:folHlink>
+        <a:srgbClr val="FF5252"/>
+      </a:folHlink>
+    </a:clrScheme>
+    <a:fontScheme name="Office">
+      <a:majorFont>
+        <a:latin typeface="Arial"/>
+        <a:ea typeface=""/>
+        <a:cs typeface=""/>
+        <a:font script="Jpan" typeface="ＭＳ Ｐゴシック"/>
+        <a:font script="Hang" typeface="맑은 고딕"/>
+        <a:font script="Hans" typeface="宋体"/>
+        <a:font script="Hant" typeface="新細明體"/>
+        <a:font script="Arab" typeface="Times New Roman"/>
+        <a:font script="Hebr" typeface="Times New Roman"/>
+        <a:font script="Thai" typeface="Angsana New"/>
+        <a:font script="Ethi" typeface="Nyala"/>
+        <a:font script="Beng" typeface="Vrinda"/>
+        <a:font script="Gujr" typeface="Shruti"/>
+        <a:font script="Khmr" typeface="MoolBoran"/>
+        <a:font script="Knda" typeface="Tunga"/>
+        <a:font script="Guru" typeface="Raavi"/>
+        <a:font script="Cans" typeface="Euphemia"/>
+        <a:font script="Cher" typeface="Plantagenet Cherokee"/>
+        <a:font script="Yiii" typeface="Microsoft Yi Baiti"/>
+        <a:font script="Tibt" typeface="Microsoft Himalaya"/>
+        <a:font script="Thaa" typeface="MV Boli"/>
+        <a:font script="Deva" typeface="Mangal"/>
+        <a:font script="Telu" typeface="Gautami"/>
+        <a:font script="Taml" typeface="Latha"/>
+        <a:font script="Syrc" typeface="Estrangelo Edessa"/>
+        <a:font script="Orya" typeface="Kalinga"/>
+        <a:font script="Mlym" typeface="Kartika"/>
+        <a:font script="Laoo" typeface="DokChampa"/>
+        <a:font script="Sinh" typeface="Iskoola Pota"/>
+        <a:font script="Mong" typeface="Mongolian Baiti"/>
+        <a:font script="Viet" typeface="Times New Roman"/>
+        <a:font script="Uigh" typeface="Microsoft Uighur"/>
+        <a:font script="Geor" typeface="Sylfaen"/>
+      </a:majorFont>
+      <a:minorFont>
+        <a:latin typeface="Arial"/>
+        <a:ea typeface=""/>
+        <a:cs typeface=""/>
+        <a:font script="Jpan" typeface="ＭＳ Ｐゴシック"/>
+        <a:font script="Hang" typeface="맑은 고딕"/>
+        <a:font script="Hans" typeface="宋体"/>
+        <a:font script="Hant" typeface="新細明體"/>
+        <a:font script="Arab" typeface="Arial"/>
+        <a:font script="Hebr" typeface="Arial"/>
+        <a:font script="Thai" typeface="Cordia New"/>
+        <a:font script="Ethi" typeface="Nyala"/>
+        <a:font script="Beng" typeface="Vrinda"/>
+        <a:font script="Gujr" typeface="Shruti"/>
+        <a:font script="Khmr" typeface="DaunPenh"/>
+        <a:font script="Knda" typeface="Tunga"/>
+        <a:font script="Guru" typeface="Raavi"/>
+        <a:font script="Cans" typeface="Euphemia"/>
+        <a:font script="Cher" typeface="Plantagenet Cherokee"/>
+        <a:font script="Yiii" typeface="Microsoft Yi Baiti"/>
+        <a:font script="Tibt" typeface="Microsoft Himalaya"/>
+        <a:font script="Thaa" typeface="MV Boli"/>
+        <a:font script="Deva" typeface="Mangal"/>
+        <a:font script="Telu" typeface="Gautami"/>
+        <a:font script="Taml" typeface="Latha"/>
+        <a:font script="Syrc" typeface="Estrangelo Edessa"/>
+        <a:font script="Orya" typeface="Kalinga"/>
+        <a:font script="Mlym" typeface="Kartika"/>
+        <a:font script="Laoo" typeface="DokChampa"/>
+        <a:font script="Sinh" typeface="Iskoola Pota"/>
+        <a:font script="Mong" typeface="Mongolian Baiti"/>
+        <a:font script="Viet" typeface="Arial"/>
+        <a:font script="Uigh" typeface="Microsoft Uighur"/>
+        <a:font script="Geor" typeface="Sylfaen"/>
+      </a:minorFont>
+    </a:fontScheme>
+    <a:fmtScheme name="Office">
+      <a:fillStyleLst>
+        <a:solidFill>
+          <a:schemeClr val="phClr"/>
+        </a:solidFill>
+        <a:gradFill rotWithShape="1">
+          <a:gsLst>
+            <a:gs pos="0">
+              <a:schemeClr val="phClr">
+                <a:tint val="50000"/>
+                <a:satMod val="300000"/>
+              </a:schemeClr>
+            </a:gs>
+            <a:gs pos="35000">
+              <a:schemeClr val="phClr">
+                <a:tint val="37000"/>
+                <a:satMod val="300000"/>
+              </a:schemeClr>
+            </a:gs>
+            <a:gs pos="100000">
+              <a:schemeClr val="phClr">
+                <a:tint val="15000"/>
+                <a:satMod val="350000"/>
+              </a:schemeClr>
+            </a:gs>
+          </a:gsLst>
+          <a:lin ang="16200000" scaled="1"/>
+        </a:gradFill>
+        <a:gradFill rotWithShape="1">
+          <a:gsLst>
+            <a:gs pos="0">
+              <a:schemeClr val="phClr">
+                <a:tint val="100000"/>
+                <a:shade val="100000"/>
+                <a:satMod val="130000"/>
+              </a:schemeClr>
+            </a:gs>
+            <a:gs pos="100000">
+              <a:schemeClr val="phClr">
+                <a:tint val="50000"/>
+                <a:shade val="100000"/>
+                <a:satMod val="350000"/>
+              </a:schemeClr>
+            </a:gs>
+          </a:gsLst>
+          <a:lin ang="16200000" scaled="0"/>
+        </a:gradFill>
+      </a:fillStyleLst>
+      <a:lnStyleLst>
+        <a:ln w="9525" cap="flat" cmpd="sng" algn="ctr">
+          <a:solidFill>
+            <a:schemeClr val="phClr">
+              <a:shade val="95000"/>
+              <a:satMod val="105000"/>
+            </a:schemeClr>
+          </a:solidFill>
+          <a:prstDash val="solid"/>
+        </a:ln>
+        <a:ln w="25400" cap="flat" cmpd="sng" algn="ctr">
+          <a:solidFill>
+            <a:schemeClr val="phClr"/>
+          </a:solidFill>
+          <a:prstDash val="solid"/>
+        </a:ln>
+        <a:ln w="38100" cap="flat" cmpd="sng" algn="ctr">
+          <a:solidFill>
+            <a:schemeClr val="phClr"/>
+          </a:solidFill>
+          <a:prstDash val="solid"/>
+        </a:ln>
+      </a:lnStyleLst>
+      <a:effectStyleLst>
+        <a:effectStyle>
+          <a:effectLst>
+            <a:outerShdw blurRad="40000" dist="20000" dir="5400000" rotWithShape="0">
+              <a:srgbClr val="000000">
+                <a:alpha val="38000"/>
+              </a:srgbClr>
+            </a:outerShdw>
+          </a:effectLst>
+        </a:effectStyle>
+        <a:effectStyle>
+          <a:effectLst>
+            <a:outerShdw blurRad="40000" dist="23000" dir="5400000" rotWithShape="0">
+              <a:srgbClr val="000000">
+                <a:alpha val="35000"/>
+              </a:srgbClr>
+            </a:outerShdw>
+          </a:effectLst>
+        </a:effectStyle>
+        <a:effectStyle>
+          <a:effectLst>
+            <a:outerShdw blurRad="40000" dist="23000" dir="5400000" rotWithShape="0">
+              <a:srgbClr val="000000">
+                <a:alpha val="35000"/>
+              </a:srgbClr>
+            </a:outerShdw>
+          </a:effectLst>
+          <a:scene3d>
+            <a:camera prst="orthographicFront">
+              <a:rot lat="0" lon="0" rev="0"/>
+            </a:camera>
+            <a:lightRig rig="threePt" dir="t">
+              <a:rot lat="0" lon="0" rev="1200000"/>
+            </a:lightRig>
+          </a:scene3d>
+          <a:sp3d>
+            <a:bevelT w="63500" h="25400"/>
+          </a:sp3d>
+        </a:effectStyle>
+      </a:effectStyleLst>
+      <a:bgFillStyleLst>
+        <a:solidFill>
+          <a:schemeClr val="phClr"/>
+        </a:solidFill>
+        <a:gradFill rotWithShape="1">
+          <a:gsLst>
+            <a:gs pos="0">
+              <a:schemeClr val="phClr">
+                <a:tint val="40000"/>
+                <a:satMod val="350000"/>
+              </a:schemeClr>
+            </a:gs>
+            <a:gs pos="40000">
+              <a:schemeClr val="phClr">
+                <a:tint val="45000"/>
+                <a:shade val="99000"/>
+                <a:satMod val="350000"/>
+              </a:schemeClr>
+            </a:gs>
+            <a:gs pos="100000">
+              <a:schemeClr val="phClr">
+                <a:shade val="20000"/>
+                <a:satMod val="255000"/>
+              </a:schemeClr>
+            </a:gs>
+          </a:gsLst>
+          <a:path path="circle">
+            <a:fillToRect l="50000" t="-80000" r="50000" b="180000"/>
+          </a:path>
+        </a:gradFill>
+        <a:gradFill rotWithShape="1">
+          <a:gsLst>
+            <a:gs pos="0">
+              <a:schemeClr val="phClr">
+                <a:tint val="80000"/>
+                <a:satMod val="300000"/>
+              </a:schemeClr>
+            </a:gs>
+            <a:gs pos="100000">
+              <a:schemeClr val="phClr">
+                <a:shade val="30000"/>
+                <a:satMod val="200000"/>
+              </a:schemeClr>
+            </a:gs>
+          </a:gsLst>
+          <a:path path="circle">
+            <a:fillToRect l="50000" t="50000" r="50000" b="50000"/>
+          </a:path>
+        </a:gradFill>
+      </a:bgFillStyleLst>
+    </a:fmtScheme>
+  </a:themeElements>
+</a:theme>
+</file>
+
+<file path=ppt/theme/theme3.xml><?xml version="1.0" encoding="utf-8"?>
 <a:theme xmlns:a="http://schemas.openxmlformats.org/drawingml/2006/main" xmlns:r="http://schemas.openxmlformats.org/officeDocument/2006/relationships" name="Simple Light">
   <a:themeElements>
     <a:clrScheme name="Simple Light">
@@ -56298,7 +57419,7 @@
 </a:theme>
 </file>
 
-<file path=ppt/theme/theme3.xml><?xml version="1.0" encoding="utf-8"?>
+<file path=ppt/theme/theme4.xml><?xml version="1.0" encoding="utf-8"?>
 <a:theme xmlns:a="http://schemas.openxmlformats.org/drawingml/2006/main" xmlns:r="http://schemas.openxmlformats.org/officeDocument/2006/relationships">
   <a:themeElements>
     <a:clrScheme name="Default">
@@ -56575,283 +57696,4 @@
     </a:fmtScheme>
   </a:themeElements>
 </a:theme>
-</file>
-
-<file path=ppt/theme/theme4.xml><?xml version="1.0" encoding="utf-8"?>
-<a:theme xmlns:a="http://schemas.openxmlformats.org/drawingml/2006/main" xmlns:r="http://schemas.openxmlformats.org/officeDocument/2006/relationships" name="Spearmint">
-  <a:themeElements>
-    <a:clrScheme name="Spearmint">
-      <a:dk1>
-        <a:srgbClr val="202729"/>
-      </a:dk1>
-      <a:lt1>
-        <a:srgbClr val="FFFFFF"/>
-      </a:lt1>
-      <a:dk2>
-        <a:srgbClr val="4BA173"/>
-      </a:dk2>
-      <a:lt2>
-        <a:srgbClr val="63D297"/>
-      </a:lt2>
-      <a:accent1>
-        <a:srgbClr val="353744"/>
-      </a:accent1>
-      <a:accent2>
-        <a:srgbClr val="424242"/>
-      </a:accent2>
-      <a:accent3>
-        <a:srgbClr val="616161"/>
-      </a:accent3>
-      <a:accent4>
-        <a:srgbClr val="999999"/>
-      </a:accent4>
-      <a:accent5>
-        <a:srgbClr val="FF5252"/>
-      </a:accent5>
-      <a:accent6>
-        <a:srgbClr val="FFF176"/>
-      </a:accent6>
-      <a:hlink>
-        <a:srgbClr val="FF5252"/>
-      </a:hlink>
-      <a:folHlink>
-        <a:srgbClr val="FF5252"/>
-      </a:folHlink>
-    </a:clrScheme>
-    <a:fontScheme name="Office">
-      <a:majorFont>
-        <a:latin typeface="Arial"/>
-        <a:ea typeface=""/>
-        <a:cs typeface=""/>
-        <a:font script="Jpan" typeface="ＭＳ Ｐゴシック"/>
-        <a:font script="Hang" typeface="맑은 고딕"/>
-        <a:font script="Hans" typeface="宋体"/>
-        <a:font script="Hant" typeface="新細明體"/>
-        <a:font script="Arab" typeface="Times New Roman"/>
-        <a:font script="Hebr" typeface="Times New Roman"/>
-        <a:font script="Thai" typeface="Angsana New"/>
-        <a:font script="Ethi" typeface="Nyala"/>
-        <a:font script="Beng" typeface="Vrinda"/>
-        <a:font script="Gujr" typeface="Shruti"/>
-        <a:font script="Khmr" typeface="MoolBoran"/>
-        <a:font script="Knda" typeface="Tunga"/>
-        <a:font script="Guru" typeface="Raavi"/>
-        <a:font script="Cans" typeface="Euphemia"/>
-        <a:font script="Cher" typeface="Plantagenet Cherokee"/>
-        <a:font script="Yiii" typeface="Microsoft Yi Baiti"/>
-        <a:font script="Tibt" typeface="Microsoft Himalaya"/>
-        <a:font script="Thaa" typeface="MV Boli"/>
-        <a:font script="Deva" typeface="Mangal"/>
-        <a:font script="Telu" typeface="Gautami"/>
-        <a:font script="Taml" typeface="Latha"/>
-        <a:font script="Syrc" typeface="Estrangelo Edessa"/>
-        <a:font script="Orya" typeface="Kalinga"/>
-        <a:font script="Mlym" typeface="Kartika"/>
-        <a:font script="Laoo" typeface="DokChampa"/>
-        <a:font script="Sinh" typeface="Iskoola Pota"/>
-        <a:font script="Mong" typeface="Mongolian Baiti"/>
-        <a:font script="Viet" typeface="Times New Roman"/>
-        <a:font script="Uigh" typeface="Microsoft Uighur"/>
-        <a:font script="Geor" typeface="Sylfaen"/>
-      </a:majorFont>
-      <a:minorFont>
-        <a:latin typeface="Arial"/>
-        <a:ea typeface=""/>
-        <a:cs typeface=""/>
-        <a:font script="Jpan" typeface="ＭＳ Ｐゴシック"/>
-        <a:font script="Hang" typeface="맑은 고딕"/>
-        <a:font script="Hans" typeface="宋体"/>
-        <a:font script="Hant" typeface="新細明體"/>
-        <a:font script="Arab" typeface="Arial"/>
-        <a:font script="Hebr" typeface="Arial"/>
-        <a:font script="Thai" typeface="Cordia New"/>
-        <a:font script="Ethi" typeface="Nyala"/>
-        <a:font script="Beng" typeface="Vrinda"/>
-        <a:font script="Gujr" typeface="Shruti"/>
-        <a:font script="Khmr" typeface="DaunPenh"/>
-        <a:font script="Knda" typeface="Tunga"/>
-        <a:font script="Guru" typeface="Raavi"/>
-        <a:font script="Cans" typeface="Euphemia"/>
-        <a:font script="Cher" typeface="Plantagenet Cherokee"/>
-        <a:font script="Yiii" typeface="Microsoft Yi Baiti"/>
-        <a:font script="Tibt" typeface="Microsoft Himalaya"/>
-        <a:font script="Thaa" typeface="MV Boli"/>
-        <a:font script="Deva" typeface="Mangal"/>
-        <a:font script="Telu" typeface="Gautami"/>
-        <a:font script="Taml" typeface="Latha"/>
-        <a:font script="Syrc" typeface="Estrangelo Edessa"/>
-        <a:font script="Orya" typeface="Kalinga"/>
-        <a:font script="Mlym" typeface="Kartika"/>
-        <a:font script="Laoo" typeface="DokChampa"/>
-        <a:font script="Sinh" typeface="Iskoola Pota"/>
-        <a:font script="Mong" typeface="Mongolian Baiti"/>
-        <a:font script="Viet" typeface="Arial"/>
-        <a:font script="Uigh" typeface="Microsoft Uighur"/>
-        <a:font script="Geor" typeface="Sylfaen"/>
-      </a:minorFont>
-    </a:fontScheme>
-    <a:fmtScheme name="Office">
-      <a:fillStyleLst>
-        <a:solidFill>
-          <a:schemeClr val="phClr"/>
-        </a:solidFill>
-        <a:gradFill rotWithShape="1">
-          <a:gsLst>
-            <a:gs pos="0">
-              <a:schemeClr val="phClr">
-                <a:tint val="50000"/>
-                <a:satMod val="300000"/>
-              </a:schemeClr>
-            </a:gs>
-            <a:gs pos="35000">
-              <a:schemeClr val="phClr">
-                <a:tint val="37000"/>
-                <a:satMod val="300000"/>
-              </a:schemeClr>
-            </a:gs>
-            <a:gs pos="100000">
-              <a:schemeClr val="phClr">
-                <a:tint val="15000"/>
-                <a:satMod val="350000"/>
-              </a:schemeClr>
-            </a:gs>
-          </a:gsLst>
-          <a:lin ang="16200000" scaled="1"/>
-        </a:gradFill>
-        <a:gradFill rotWithShape="1">
-          <a:gsLst>
-            <a:gs pos="0">
-              <a:schemeClr val="phClr">
-                <a:tint val="100000"/>
-                <a:shade val="100000"/>
-                <a:satMod val="130000"/>
-              </a:schemeClr>
-            </a:gs>
-            <a:gs pos="100000">
-              <a:schemeClr val="phClr">
-                <a:tint val="50000"/>
-                <a:shade val="100000"/>
-                <a:satMod val="350000"/>
-              </a:schemeClr>
-            </a:gs>
-          </a:gsLst>
-          <a:lin ang="16200000" scaled="0"/>
-        </a:gradFill>
-      </a:fillStyleLst>
-      <a:lnStyleLst>
-        <a:ln w="9525" cap="flat" cmpd="sng" algn="ctr">
-          <a:solidFill>
-            <a:schemeClr val="phClr">
-              <a:shade val="95000"/>
-              <a:satMod val="105000"/>
-            </a:schemeClr>
-          </a:solidFill>
-          <a:prstDash val="solid"/>
-        </a:ln>
-        <a:ln w="25400" cap="flat" cmpd="sng" algn="ctr">
-          <a:solidFill>
-            <a:schemeClr val="phClr"/>
-          </a:solidFill>
-          <a:prstDash val="solid"/>
-        </a:ln>
-        <a:ln w="38100" cap="flat" cmpd="sng" algn="ctr">
-          <a:solidFill>
-            <a:schemeClr val="phClr"/>
-          </a:solidFill>
-          <a:prstDash val="solid"/>
-        </a:ln>
-      </a:lnStyleLst>
-      <a:effectStyleLst>
-        <a:effectStyle>
-          <a:effectLst>
-            <a:outerShdw blurRad="40000" dist="20000" dir="5400000" rotWithShape="0">
-              <a:srgbClr val="000000">
-                <a:alpha val="38000"/>
-              </a:srgbClr>
-            </a:outerShdw>
-          </a:effectLst>
-        </a:effectStyle>
-        <a:effectStyle>
-          <a:effectLst>
-            <a:outerShdw blurRad="40000" dist="23000" dir="5400000" rotWithShape="0">
-              <a:srgbClr val="000000">
-                <a:alpha val="35000"/>
-              </a:srgbClr>
-            </a:outerShdw>
-          </a:effectLst>
-        </a:effectStyle>
-        <a:effectStyle>
-          <a:effectLst>
-            <a:outerShdw blurRad="40000" dist="23000" dir="5400000" rotWithShape="0">
-              <a:srgbClr val="000000">
-                <a:alpha val="35000"/>
-              </a:srgbClr>
-            </a:outerShdw>
-          </a:effectLst>
-          <a:scene3d>
-            <a:camera prst="orthographicFront">
-              <a:rot lat="0" lon="0" rev="0"/>
-            </a:camera>
-            <a:lightRig rig="threePt" dir="t">
-              <a:rot lat="0" lon="0" rev="1200000"/>
-            </a:lightRig>
-          </a:scene3d>
-          <a:sp3d>
-            <a:bevelT w="63500" h="25400"/>
-          </a:sp3d>
-        </a:effectStyle>
-      </a:effectStyleLst>
-      <a:bgFillStyleLst>
-        <a:solidFill>
-          <a:schemeClr val="phClr"/>
-        </a:solidFill>
-        <a:gradFill rotWithShape="1">
-          <a:gsLst>
-            <a:gs pos="0">
-              <a:schemeClr val="phClr">
-                <a:tint val="40000"/>
-                <a:satMod val="350000"/>
-              </a:schemeClr>
-            </a:gs>
-            <a:gs pos="40000">
-              <a:schemeClr val="phClr">
-                <a:tint val="45000"/>
-                <a:shade val="99000"/>
-                <a:satMod val="350000"/>
-              </a:schemeClr>
-            </a:gs>
-            <a:gs pos="100000">
-              <a:schemeClr val="phClr">
-                <a:shade val="20000"/>
-                <a:satMod val="255000"/>
-              </a:schemeClr>
-            </a:gs>
-          </a:gsLst>
-          <a:path path="circle">
-            <a:fillToRect l="50000" t="-80000" r="50000" b="180000"/>
-          </a:path>
-        </a:gradFill>
-        <a:gradFill rotWithShape="1">
-          <a:gsLst>
-            <a:gs pos="0">
-              <a:schemeClr val="phClr">
-                <a:tint val="80000"/>
-                <a:satMod val="300000"/>
-              </a:schemeClr>
-            </a:gs>
-            <a:gs pos="100000">
-              <a:schemeClr val="phClr">
-                <a:shade val="30000"/>
-                <a:satMod val="200000"/>
-              </a:schemeClr>
-            </a:gs>
-          </a:gsLst>
-          <a:path path="circle">
-            <a:fillToRect l="50000" t="50000" r="50000" b="50000"/>
-          </a:path>
-        </a:gradFill>
-      </a:bgFillStyleLst>
-    </a:fmtScheme>
-  </a:themeElements>
-</a:theme>
 </file>